--- a/20241105-lesson7.pptx
+++ b/20241105-lesson7.pptx
@@ -11,10 +11,11 @@
     <p:sldId id="510" r:id="rId5"/>
     <p:sldId id="511" r:id="rId6"/>
     <p:sldId id="513" r:id="rId7"/>
-    <p:sldId id="512" r:id="rId8"/>
-    <p:sldId id="505" r:id="rId9"/>
-    <p:sldId id="514" r:id="rId10"/>
-    <p:sldId id="515" r:id="rId11"/>
+    <p:sldId id="516" r:id="rId8"/>
+    <p:sldId id="512" r:id="rId9"/>
+    <p:sldId id="505" r:id="rId10"/>
+    <p:sldId id="514" r:id="rId11"/>
+    <p:sldId id="515" r:id="rId12"/>
   </p:sldIdLst>
   <p:sldSz cx="12192000" cy="6858000"/>
   <p:notesSz cx="6858000" cy="9144000"/>
@@ -6468,7 +6469,7 @@
           <a:p>
             <a:pPr algn="ctr"/>
             <a:r>
-              <a:rPr lang="en-US" sz="2400" b="1" kern="1200">
+              <a:rPr lang="en-US" sz="2400" b="1" kern="1200" dirty="0">
                 <a:solidFill>
                   <a:schemeClr val="tx1"/>
                 </a:solidFill>
@@ -6480,7 +6481,7 @@
               <a:t>LETOURNEAU UNIVERSITY</a:t>
             </a:r>
             <a:br>
-              <a:rPr lang="en-US" sz="2400" kern="1200">
+              <a:rPr lang="en-US" sz="2400" kern="1200" dirty="0">
                 <a:solidFill>
                   <a:schemeClr val="tx1"/>
                 </a:solidFill>
@@ -6491,7 +6492,7 @@
               </a:rPr>
             </a:br>
             <a:r>
-              <a:rPr lang="en-US" sz="2400" b="1" kern="1200">
+              <a:rPr lang="en-US" sz="2400" b="1" kern="1200" dirty="0">
                 <a:solidFill>
                   <a:schemeClr val="tx1"/>
                 </a:solidFill>
@@ -6503,7 +6504,7 @@
               <a:t>EETC 3433 ELECTRICAL MACHINERY AND CONTROLS for JLNU</a:t>
             </a:r>
             <a:br>
-              <a:rPr lang="en-US" sz="2400" kern="1200">
+              <a:rPr lang="en-US" sz="2400" kern="1200" dirty="0">
                 <a:solidFill>
                   <a:schemeClr val="tx1"/>
                 </a:solidFill>
@@ -6514,7 +6515,7 @@
               </a:rPr>
             </a:br>
             <a:r>
-              <a:rPr lang="en-US" sz="2400" b="1" kern="1200">
+              <a:rPr lang="en-US" sz="2400" b="1" kern="1200" dirty="0">
                 <a:solidFill>
                   <a:schemeClr val="tx1"/>
                 </a:solidFill>
@@ -6526,7 +6527,7 @@
               <a:t>Fall Semester 2024</a:t>
             </a:r>
             <a:r>
-              <a:rPr lang="en-US" sz="2400" kern="1200">
+              <a:rPr lang="en-US" sz="2400" kern="1200" dirty="0">
                 <a:solidFill>
                   <a:schemeClr val="tx1"/>
                 </a:solidFill>
@@ -6538,7 +6539,7 @@
               <a:t> </a:t>
             </a:r>
             <a:br>
-              <a:rPr lang="en-US" sz="2400" kern="1200">
+              <a:rPr lang="en-US" sz="2400" kern="1200" dirty="0">
                 <a:solidFill>
                   <a:schemeClr val="tx1"/>
                 </a:solidFill>
@@ -6549,7 +6550,7 @@
               </a:rPr>
             </a:br>
             <a:br>
-              <a:rPr lang="en-US" sz="2400" kern="1200">
+              <a:rPr lang="en-US" sz="2400" kern="1200" dirty="0">
                 <a:solidFill>
                   <a:schemeClr val="tx1"/>
                 </a:solidFill>
@@ -6560,7 +6561,7 @@
               </a:rPr>
             </a:br>
             <a:r>
-              <a:rPr lang="en-US" sz="2400" kern="1200">
+              <a:rPr lang="en-US" sz="2400" kern="1200" dirty="0">
                 <a:solidFill>
                   <a:schemeClr val="tx1"/>
                 </a:solidFill>
@@ -6571,7 +6572,7 @@
               </a:rPr>
               <a:t>Lesson 7: 20241105 Tue</a:t>
             </a:r>
-            <a:endParaRPr lang="en-US" sz="2400" kern="1200">
+            <a:endParaRPr lang="en-US" sz="2400" kern="1200" dirty="0">
               <a:solidFill>
                 <a:schemeClr val="tx1"/>
               </a:solidFill>
@@ -6826,2892 +6827,6 @@
 </file>
 
 <file path=ppt/slides/slide10.xml><?xml version="1.0" encoding="utf-8"?>
-<p:sld xmlns:a="http://schemas.openxmlformats.org/drawingml/2006/main" xmlns:r="http://schemas.openxmlformats.org/officeDocument/2006/relationships" xmlns:p="http://schemas.openxmlformats.org/presentationml/2006/main">
-  <p:cSld>
-    <p:spTree>
-      <p:nvGrpSpPr>
-        <p:cNvPr id="1" name=""/>
-        <p:cNvGrpSpPr/>
-        <p:nvPr/>
-      </p:nvGrpSpPr>
-      <p:grpSpPr>
-        <a:xfrm>
-          <a:off x="0" y="0"/>
-          <a:ext cx="0" cy="0"/>
-          <a:chOff x="0" y="0"/>
-          <a:chExt cx="0" cy="0"/>
-        </a:xfrm>
-      </p:grpSpPr>
-      <p:sp>
-        <p:nvSpPr>
-          <p:cNvPr id="2" name="Title 1">
-            <a:extLst>
-              <a:ext uri="{FF2B5EF4-FFF2-40B4-BE49-F238E27FC236}">
-                <a16:creationId xmlns:a16="http://schemas.microsoft.com/office/drawing/2014/main" id="{A61F52EF-C502-4B95-48C1-A800574B48ED}"/>
-              </a:ext>
-            </a:extLst>
-          </p:cNvPr>
-          <p:cNvSpPr>
-            <a:spLocks noGrp="1"/>
-          </p:cNvSpPr>
-          <p:nvPr>
-            <p:ph type="title"/>
-          </p:nvPr>
-        </p:nvSpPr>
-        <p:spPr/>
-        <p:txBody>
-          <a:bodyPr/>
-          <a:lstStyle/>
-          <a:p>
-            <a:r>
-              <a:rPr lang="en-US" dirty="0"/>
-              <a:t>Back to Syllabus: PID controller</a:t>
-            </a:r>
-          </a:p>
-        </p:txBody>
-      </p:sp>
-      <p:sp>
-        <p:nvSpPr>
-          <p:cNvPr id="3" name="Content Placeholder 2">
-            <a:extLst>
-              <a:ext uri="{FF2B5EF4-FFF2-40B4-BE49-F238E27FC236}">
-                <a16:creationId xmlns:a16="http://schemas.microsoft.com/office/drawing/2014/main" id="{3A40074D-9C1A-D80D-BB03-8EB3A69FF557}"/>
-              </a:ext>
-            </a:extLst>
-          </p:cNvPr>
-          <p:cNvSpPr>
-            <a:spLocks noGrp="1"/>
-          </p:cNvSpPr>
-          <p:nvPr>
-            <p:ph idx="1"/>
-          </p:nvPr>
-        </p:nvSpPr>
-        <p:spPr/>
-        <p:txBody>
-          <a:bodyPr/>
-          <a:lstStyle/>
-          <a:p>
-            <a:r>
-              <a:rPr lang="en-US" dirty="0">
-                <a:hlinkClick r:id="rId2"/>
-              </a:rPr>
-              <a:t>https://www.bilibili.com/video/BV1sVbseGEJz/</a:t>
-            </a:r>
-            <a:endParaRPr lang="en-US" dirty="0"/>
-          </a:p>
-          <a:p>
-            <a:endParaRPr lang="en-US" dirty="0"/>
-          </a:p>
-          <a:p>
-            <a:r>
-              <a:rPr lang="en-US" dirty="0">
-                <a:hlinkClick r:id="rId3"/>
-              </a:rPr>
-              <a:t>https://www.electricaltechnology.org/2015/10/what-is-pid-controller-how-it-works.html</a:t>
-            </a:r>
-            <a:endParaRPr lang="en-US" dirty="0"/>
-          </a:p>
-          <a:p>
-            <a:endParaRPr lang="en-US" dirty="0"/>
-          </a:p>
-          <a:p>
-            <a:r>
-              <a:rPr lang="en-US" dirty="0"/>
-              <a:t>Kahoot – Create a 10 question Kahoot! Based on the above information. No need to create teaching slides as these are all included.</a:t>
-            </a:r>
-          </a:p>
-        </p:txBody>
-      </p:sp>
-    </p:spTree>
-    <p:extLst>
-      <p:ext uri="{BB962C8B-B14F-4D97-AF65-F5344CB8AC3E}">
-        <p14:creationId xmlns:p14="http://schemas.microsoft.com/office/powerpoint/2010/main" val="3143584872"/>
-      </p:ext>
-    </p:extLst>
-  </p:cSld>
-  <p:clrMapOvr>
-    <a:masterClrMapping/>
-  </p:clrMapOvr>
-</p:sld>
-</file>
-
-<file path=ppt/slides/slide2.xml><?xml version="1.0" encoding="utf-8"?>
-<p:sld xmlns:a="http://schemas.openxmlformats.org/drawingml/2006/main" xmlns:r="http://schemas.openxmlformats.org/officeDocument/2006/relationships" xmlns:p="http://schemas.openxmlformats.org/presentationml/2006/main">
-  <p:cSld>
-    <p:bg>
-      <p:bgPr>
-        <a:solidFill>
-          <a:schemeClr val="bg1"/>
-        </a:solidFill>
-        <a:effectLst/>
-      </p:bgPr>
-    </p:bg>
-    <p:spTree>
-      <p:nvGrpSpPr>
-        <p:cNvPr id="1" name=""/>
-        <p:cNvGrpSpPr/>
-        <p:nvPr/>
-      </p:nvGrpSpPr>
-      <p:grpSpPr>
-        <a:xfrm>
-          <a:off x="0" y="0"/>
-          <a:ext cx="0" cy="0"/>
-          <a:chOff x="0" y="0"/>
-          <a:chExt cx="0" cy="0"/>
-        </a:xfrm>
-      </p:grpSpPr>
-      <p:sp useBgFill="1">
-        <p:nvSpPr>
-          <p:cNvPr id="9" name="Rectangle 8">
-            <a:extLst>
-              <a:ext uri="{FF2B5EF4-FFF2-40B4-BE49-F238E27FC236}">
-                <a16:creationId xmlns:a16="http://schemas.microsoft.com/office/drawing/2014/main" id="{7301F447-EEF7-48F5-AF73-7566EE7F64AD}"/>
-              </a:ext>
-              <a:ext uri="{C183D7F6-B498-43B3-948B-1728B52AA6E4}">
-                <adec:decorative xmlns:adec="http://schemas.microsoft.com/office/drawing/2017/decorative" val="1"/>
-              </a:ext>
-            </a:extLst>
-          </p:cNvPr>
-          <p:cNvSpPr>
-            <a:spLocks noGrp="1" noRot="1" noChangeAspect="1" noMove="1" noResize="1" noEditPoints="1" noAdjustHandles="1" noChangeArrowheads="1" noChangeShapeType="1" noTextEdit="1"/>
-          </p:cNvSpPr>
-          <p:nvPr>
-            <p:extLst>
-              <p:ext uri="{386F3935-93C4-4BCD-93E2-E3B085C9AB24}">
-                <p16:designElem xmlns:p16="http://schemas.microsoft.com/office/powerpoint/2015/main" val="1"/>
-              </p:ext>
-            </p:extLst>
-          </p:nvPr>
-        </p:nvSpPr>
-        <p:spPr>
-          <a:xfrm>
-            <a:off x="0" y="0"/>
-            <a:ext cx="12192000" cy="6858000"/>
-          </a:xfrm>
-          <a:prstGeom prst="rect">
-            <a:avLst/>
-          </a:prstGeom>
-          <a:ln>
-            <a:noFill/>
-          </a:ln>
-        </p:spPr>
-        <p:style>
-          <a:lnRef idx="2">
-            <a:schemeClr val="accent1">
-              <a:shade val="50000"/>
-            </a:schemeClr>
-          </a:lnRef>
-          <a:fillRef idx="1">
-            <a:schemeClr val="accent1"/>
-          </a:fillRef>
-          <a:effectRef idx="0">
-            <a:schemeClr val="accent1"/>
-          </a:effectRef>
-          <a:fontRef idx="minor">
-            <a:schemeClr val="lt1"/>
-          </a:fontRef>
-        </p:style>
-        <p:txBody>
-          <a:bodyPr rtlCol="0" anchor="ctr"/>
-          <a:lstStyle/>
-          <a:p>
-            <a:pPr algn="ctr"/>
-            <a:endParaRPr lang="en-US"/>
-          </a:p>
-        </p:txBody>
-      </p:sp>
-      <p:sp>
-        <p:nvSpPr>
-          <p:cNvPr id="2" name="Title 1">
-            <a:extLst>
-              <a:ext uri="{FF2B5EF4-FFF2-40B4-BE49-F238E27FC236}">
-                <a16:creationId xmlns:a16="http://schemas.microsoft.com/office/drawing/2014/main" id="{C653765D-1136-996C-0906-2FE825436F86}"/>
-              </a:ext>
-            </a:extLst>
-          </p:cNvPr>
-          <p:cNvSpPr>
-            <a:spLocks noGrp="1"/>
-          </p:cNvSpPr>
-          <p:nvPr>
-            <p:ph type="title"/>
-          </p:nvPr>
-        </p:nvSpPr>
-        <p:spPr>
-          <a:xfrm>
-            <a:off x="841248" y="334644"/>
-            <a:ext cx="10509504" cy="1076914"/>
-          </a:xfrm>
-        </p:spPr>
-        <p:txBody>
-          <a:bodyPr anchor="ctr">
-            <a:normAutofit/>
-          </a:bodyPr>
-          <a:lstStyle/>
-          <a:p>
-            <a:r>
-              <a:rPr lang="en-US" sz="4000"/>
-              <a:t>Exam question – the solution proposal</a:t>
-            </a:r>
-          </a:p>
-        </p:txBody>
-      </p:sp>
-      <p:sp>
-        <p:nvSpPr>
-          <p:cNvPr id="11" name="Rectangle 10">
-            <a:extLst>
-              <a:ext uri="{FF2B5EF4-FFF2-40B4-BE49-F238E27FC236}">
-                <a16:creationId xmlns:a16="http://schemas.microsoft.com/office/drawing/2014/main" id="{F7117410-A2A4-4085-9ADC-46744551DBDE}"/>
-              </a:ext>
-              <a:ext uri="{C183D7F6-B498-43B3-948B-1728B52AA6E4}">
-                <adec:decorative xmlns:adec="http://schemas.microsoft.com/office/drawing/2017/decorative" val="1"/>
-              </a:ext>
-            </a:extLst>
-          </p:cNvPr>
-          <p:cNvSpPr>
-            <a:spLocks noGrp="1" noRot="1" noChangeAspect="1" noMove="1" noResize="1" noEditPoints="1" noAdjustHandles="1" noChangeArrowheads="1" noChangeShapeType="1" noTextEdit="1"/>
-          </p:cNvSpPr>
-          <p:nvPr>
-            <p:extLst>
-              <p:ext uri="{386F3935-93C4-4BCD-93E2-E3B085C9AB24}">
-                <p16:designElem xmlns:p16="http://schemas.microsoft.com/office/powerpoint/2015/main" val="1"/>
-              </p:ext>
-            </p:extLst>
-          </p:nvPr>
-        </p:nvSpPr>
-        <p:spPr>
-          <a:xfrm>
-            <a:off x="842772" y="0"/>
-            <a:ext cx="10506456" cy="191386"/>
-          </a:xfrm>
-          <a:prstGeom prst="rect">
-            <a:avLst/>
-          </a:prstGeom>
-          <a:solidFill>
-            <a:schemeClr val="accent2"/>
-          </a:solidFill>
-          <a:ln>
-            <a:noFill/>
-          </a:ln>
-        </p:spPr>
-        <p:style>
-          <a:lnRef idx="2">
-            <a:schemeClr val="accent1">
-              <a:shade val="50000"/>
-            </a:schemeClr>
-          </a:lnRef>
-          <a:fillRef idx="1">
-            <a:schemeClr val="accent1"/>
-          </a:fillRef>
-          <a:effectRef idx="0">
-            <a:schemeClr val="accent1"/>
-          </a:effectRef>
-          <a:fontRef idx="minor">
-            <a:schemeClr val="lt1"/>
-          </a:fontRef>
-        </p:style>
-        <p:txBody>
-          <a:bodyPr rtlCol="0" anchor="ctr"/>
-          <a:lstStyle/>
-          <a:p>
-            <a:pPr algn="ctr"/>
-            <a:endParaRPr lang="en-US">
-              <a:solidFill>
-                <a:prstClr val="white"/>
-              </a:solidFill>
-              <a:latin typeface="Calibri" panose="020F0502020204030204"/>
-            </a:endParaRPr>
-          </a:p>
-        </p:txBody>
-      </p:sp>
-      <p:sp>
-        <p:nvSpPr>
-          <p:cNvPr id="13" name="Rectangle 12">
-            <a:extLst>
-              <a:ext uri="{FF2B5EF4-FFF2-40B4-BE49-F238E27FC236}">
-                <a16:creationId xmlns:a16="http://schemas.microsoft.com/office/drawing/2014/main" id="{99F74EB5-E547-4FB4-95F5-BCC788F3C4A0}"/>
-              </a:ext>
-              <a:ext uri="{C183D7F6-B498-43B3-948B-1728B52AA6E4}">
-                <adec:decorative xmlns:adec="http://schemas.microsoft.com/office/drawing/2017/decorative" val="1"/>
-              </a:ext>
-            </a:extLst>
-          </p:cNvPr>
-          <p:cNvSpPr>
-            <a:spLocks noGrp="1" noRot="1" noChangeAspect="1" noMove="1" noResize="1" noEditPoints="1" noAdjustHandles="1" noChangeArrowheads="1" noChangeShapeType="1" noTextEdit="1"/>
-          </p:cNvSpPr>
-          <p:nvPr>
-            <p:extLst>
-              <p:ext uri="{386F3935-93C4-4BCD-93E2-E3B085C9AB24}">
-                <p16:designElem xmlns:p16="http://schemas.microsoft.com/office/powerpoint/2015/main" val="1"/>
-              </p:ext>
-            </p:extLst>
-          </p:nvPr>
-        </p:nvSpPr>
-        <p:spPr>
-          <a:xfrm>
-            <a:off x="841248" y="1512994"/>
-            <a:ext cx="10506456" cy="18288"/>
-          </a:xfrm>
-          <a:prstGeom prst="rect">
-            <a:avLst/>
-          </a:prstGeom>
-          <a:solidFill>
-            <a:srgbClr val="D5D5D5"/>
-          </a:solidFill>
-          <a:ln w="3175">
-            <a:noFill/>
-          </a:ln>
-          <a:effectLst/>
-        </p:spPr>
-        <p:style>
-          <a:lnRef idx="2">
-            <a:schemeClr val="accent1">
-              <a:shade val="50000"/>
-            </a:schemeClr>
-          </a:lnRef>
-          <a:fillRef idx="1">
-            <a:schemeClr val="accent1"/>
-          </a:fillRef>
-          <a:effectRef idx="0">
-            <a:schemeClr val="accent1"/>
-          </a:effectRef>
-          <a:fontRef idx="minor">
-            <a:schemeClr val="lt1"/>
-          </a:fontRef>
-        </p:style>
-        <p:txBody>
-          <a:bodyPr rtlCol="0" anchor="ctr"/>
-          <a:lstStyle/>
-          <a:p>
-            <a:pPr marL="0" marR="0" lvl="0" indent="0" algn="ctr" defTabSz="914400" rtl="0" eaLnBrk="1" fontAlgn="auto" latinLnBrk="0" hangingPunct="1">
-              <a:lnSpc>
-                <a:spcPct val="100000"/>
-              </a:lnSpc>
-              <a:spcBef>
-                <a:spcPts val="0"/>
-              </a:spcBef>
-              <a:spcAft>
-                <a:spcPts val="0"/>
-              </a:spcAft>
-              <a:buClrTx/>
-              <a:buSzTx/>
-              <a:buFontTx/>
-              <a:buNone/>
-              <a:tabLst/>
-              <a:defRPr/>
-            </a:pPr>
-            <a:endParaRPr kumimoji="0" lang="en-US" sz="1800" b="0" i="0" u="none" strike="noStrike" kern="1200" cap="none" spc="0" normalizeH="0" baseline="0" noProof="0">
-              <a:ln>
-                <a:noFill/>
-              </a:ln>
-              <a:solidFill>
-                <a:prstClr val="white"/>
-              </a:solidFill>
-              <a:effectLst/>
-              <a:uLnTx/>
-              <a:uFillTx/>
-              <a:latin typeface="Calibri" panose="020F0502020204030204"/>
-              <a:ea typeface="+mn-ea"/>
-              <a:cs typeface="+mn-cs"/>
-            </a:endParaRPr>
-          </a:p>
-        </p:txBody>
-      </p:sp>
-      <p:graphicFrame>
-        <p:nvGraphicFramePr>
-          <p:cNvPr id="5" name="Content Placeholder 2">
-            <a:extLst>
-              <a:ext uri="{FF2B5EF4-FFF2-40B4-BE49-F238E27FC236}">
-                <a16:creationId xmlns:a16="http://schemas.microsoft.com/office/drawing/2014/main" id="{36FE2C78-BB0B-AF95-9938-1C6206F127A3}"/>
-              </a:ext>
-            </a:extLst>
-          </p:cNvPr>
-          <p:cNvGraphicFramePr>
-            <a:graphicFrameLocks noGrp="1"/>
-          </p:cNvGraphicFramePr>
-          <p:nvPr>
-            <p:ph idx="1"/>
-            <p:extLst>
-              <p:ext uri="{D42A27DB-BD31-4B8C-83A1-F6EECF244321}">
-                <p14:modId xmlns:p14="http://schemas.microsoft.com/office/powerpoint/2010/main" val="2129539206"/>
-              </p:ext>
-            </p:extLst>
-          </p:nvPr>
-        </p:nvGraphicFramePr>
-        <p:xfrm>
-          <a:off x="838200" y="1737360"/>
-          <a:ext cx="10506456" cy="4535424"/>
-        </p:xfrm>
-        <a:graphic>
-          <a:graphicData uri="http://schemas.openxmlformats.org/drawingml/2006/diagram">
-            <dgm:relIds xmlns:dgm="http://schemas.openxmlformats.org/drawingml/2006/diagram" xmlns:r="http://schemas.openxmlformats.org/officeDocument/2006/relationships" r:dm="rId2" r:lo="rId3" r:qs="rId4" r:cs="rId5"/>
-          </a:graphicData>
-        </a:graphic>
-      </p:graphicFrame>
-    </p:spTree>
-    <p:extLst>
-      <p:ext uri="{BB962C8B-B14F-4D97-AF65-F5344CB8AC3E}">
-        <p14:creationId xmlns:p14="http://schemas.microsoft.com/office/powerpoint/2010/main" val="1678823177"/>
-      </p:ext>
-    </p:extLst>
-  </p:cSld>
-  <p:clrMapOvr>
-    <a:masterClrMapping/>
-  </p:clrMapOvr>
-</p:sld>
-</file>
-
-<file path=ppt/slides/slide3.xml><?xml version="1.0" encoding="utf-8"?>
-<p:sld xmlns:a="http://schemas.openxmlformats.org/drawingml/2006/main" xmlns:r="http://schemas.openxmlformats.org/officeDocument/2006/relationships" xmlns:p="http://schemas.openxmlformats.org/presentationml/2006/main">
-  <p:cSld>
-    <p:bg>
-      <p:bgPr>
-        <a:solidFill>
-          <a:schemeClr val="bg1"/>
-        </a:solidFill>
-        <a:effectLst/>
-      </p:bgPr>
-    </p:bg>
-    <p:spTree>
-      <p:nvGrpSpPr>
-        <p:cNvPr id="1" name=""/>
-        <p:cNvGrpSpPr/>
-        <p:nvPr/>
-      </p:nvGrpSpPr>
-      <p:grpSpPr>
-        <a:xfrm>
-          <a:off x="0" y="0"/>
-          <a:ext cx="0" cy="0"/>
-          <a:chOff x="0" y="0"/>
-          <a:chExt cx="0" cy="0"/>
-        </a:xfrm>
-      </p:grpSpPr>
-      <p:sp>
-        <p:nvSpPr>
-          <p:cNvPr id="8" name="Rectangle 7">
-            <a:extLst>
-              <a:ext uri="{FF2B5EF4-FFF2-40B4-BE49-F238E27FC236}">
-                <a16:creationId xmlns:a16="http://schemas.microsoft.com/office/drawing/2014/main" id="{B34F5AD2-EDBD-4BBD-A55C-EAFFD0C7097A}"/>
-              </a:ext>
-              <a:ext uri="{C183D7F6-B498-43B3-948B-1728B52AA6E4}">
-                <adec:decorative xmlns:adec="http://schemas.microsoft.com/office/drawing/2017/decorative" val="1"/>
-              </a:ext>
-            </a:extLst>
-          </p:cNvPr>
-          <p:cNvSpPr>
-            <a:spLocks noGrp="1" noRot="1" noChangeAspect="1" noMove="1" noResize="1" noEditPoints="1" noAdjustHandles="1" noChangeArrowheads="1" noChangeShapeType="1" noTextEdit="1"/>
-          </p:cNvSpPr>
-          <p:nvPr>
-            <p:extLst>
-              <p:ext uri="{386F3935-93C4-4BCD-93E2-E3B085C9AB24}">
-                <p16:designElem xmlns:p16="http://schemas.microsoft.com/office/powerpoint/2015/main" val="1"/>
-              </p:ext>
-            </p:extLst>
-          </p:nvPr>
-        </p:nvSpPr>
-        <p:spPr>
-          <a:xfrm>
-            <a:off x="3740383" y="0"/>
-            <a:ext cx="8451607" cy="6858001"/>
-          </a:xfrm>
-          <a:prstGeom prst="rect">
-            <a:avLst/>
-          </a:prstGeom>
-          <a:solidFill>
-            <a:schemeClr val="bg1">
-              <a:lumMod val="95000"/>
-            </a:schemeClr>
-          </a:solidFill>
-          <a:ln>
-            <a:noFill/>
-          </a:ln>
-        </p:spPr>
-        <p:style>
-          <a:lnRef idx="2">
-            <a:schemeClr val="accent1">
-              <a:shade val="50000"/>
-            </a:schemeClr>
-          </a:lnRef>
-          <a:fillRef idx="1">
-            <a:schemeClr val="accent1"/>
-          </a:fillRef>
-          <a:effectRef idx="0">
-            <a:schemeClr val="accent1"/>
-          </a:effectRef>
-          <a:fontRef idx="minor">
-            <a:schemeClr val="lt1"/>
-          </a:fontRef>
-        </p:style>
-        <p:txBody>
-          <a:bodyPr rtlCol="0" anchor="ctr"/>
-          <a:lstStyle/>
-          <a:p>
-            <a:pPr algn="ctr"/>
-            <a:endParaRPr lang="en-US"/>
-          </a:p>
-        </p:txBody>
-      </p:sp>
-      <p:sp>
-        <p:nvSpPr>
-          <p:cNvPr id="10" name="Rectangle 9">
-            <a:extLst>
-              <a:ext uri="{FF2B5EF4-FFF2-40B4-BE49-F238E27FC236}">
-                <a16:creationId xmlns:a16="http://schemas.microsoft.com/office/drawing/2014/main" id="{C3896A03-3945-419A-B66B-4EE266EDD152}"/>
-              </a:ext>
-              <a:ext uri="{C183D7F6-B498-43B3-948B-1728B52AA6E4}">
-                <adec:decorative xmlns:adec="http://schemas.microsoft.com/office/drawing/2017/decorative" val="1"/>
-              </a:ext>
-            </a:extLst>
-          </p:cNvPr>
-          <p:cNvSpPr>
-            <a:spLocks noGrp="1" noRot="1" noChangeAspect="1" noMove="1" noResize="1" noEditPoints="1" noAdjustHandles="1" noChangeArrowheads="1" noChangeShapeType="1" noTextEdit="1"/>
-          </p:cNvSpPr>
-          <p:nvPr>
-            <p:extLst>
-              <p:ext uri="{386F3935-93C4-4BCD-93E2-E3B085C9AB24}">
-                <p16:designElem xmlns:p16="http://schemas.microsoft.com/office/powerpoint/2015/main" val="1"/>
-              </p:ext>
-            </p:extLst>
-          </p:nvPr>
-        </p:nvSpPr>
-        <p:spPr>
-          <a:xfrm>
-            <a:off x="10" y="0"/>
-            <a:ext cx="3745177" cy="6858001"/>
-          </a:xfrm>
-          <a:prstGeom prst="rect">
-            <a:avLst/>
-          </a:prstGeom>
-          <a:solidFill>
-            <a:schemeClr val="tx1">
-              <a:lumMod val="85000"/>
-              <a:lumOff val="15000"/>
-            </a:schemeClr>
-          </a:solidFill>
-          <a:ln>
-            <a:noFill/>
-          </a:ln>
-        </p:spPr>
-        <p:style>
-          <a:lnRef idx="2">
-            <a:schemeClr val="accent1">
-              <a:shade val="50000"/>
-            </a:schemeClr>
-          </a:lnRef>
-          <a:fillRef idx="1">
-            <a:schemeClr val="accent1"/>
-          </a:fillRef>
-          <a:effectRef idx="0">
-            <a:schemeClr val="accent1"/>
-          </a:effectRef>
-          <a:fontRef idx="minor">
-            <a:schemeClr val="lt1"/>
-          </a:fontRef>
-        </p:style>
-        <p:txBody>
-          <a:bodyPr rtlCol="0" anchor="ctr"/>
-          <a:lstStyle/>
-          <a:p>
-            <a:pPr algn="ctr"/>
-            <a:endParaRPr lang="en-US"/>
-          </a:p>
-        </p:txBody>
-      </p:sp>
-      <p:sp>
-        <p:nvSpPr>
-          <p:cNvPr id="2" name="Title 1">
-            <a:extLst>
-              <a:ext uri="{FF2B5EF4-FFF2-40B4-BE49-F238E27FC236}">
-                <a16:creationId xmlns:a16="http://schemas.microsoft.com/office/drawing/2014/main" id="{A71327BC-E52A-6E13-550C-FFFA2DB91907}"/>
-              </a:ext>
-            </a:extLst>
-          </p:cNvPr>
-          <p:cNvSpPr>
-            <a:spLocks noGrp="1"/>
-          </p:cNvSpPr>
-          <p:nvPr>
-            <p:ph type="title"/>
-          </p:nvPr>
-        </p:nvSpPr>
-        <p:spPr>
-          <a:xfrm>
-            <a:off x="1156852" y="637762"/>
-            <a:ext cx="2190782" cy="5576770"/>
-          </a:xfrm>
-        </p:spPr>
-        <p:txBody>
-          <a:bodyPr anchor="t">
-            <a:normAutofit/>
-          </a:bodyPr>
-          <a:lstStyle/>
-          <a:p>
-            <a:r>
-              <a:rPr lang="en-US" sz="3600">
-                <a:solidFill>
-                  <a:schemeClr val="bg1"/>
-                </a:solidFill>
-              </a:rPr>
-              <a:t>How to hand up homework with github</a:t>
-            </a:r>
-          </a:p>
-        </p:txBody>
-      </p:sp>
-      <p:sp>
-        <p:nvSpPr>
-          <p:cNvPr id="12" name="Rectangle 11">
-            <a:extLst>
-              <a:ext uri="{FF2B5EF4-FFF2-40B4-BE49-F238E27FC236}">
-                <a16:creationId xmlns:a16="http://schemas.microsoft.com/office/drawing/2014/main" id="{B8EAE243-3A9F-4A46-B0D9-04C723A8A1BD}"/>
-              </a:ext>
-              <a:ext uri="{C183D7F6-B498-43B3-948B-1728B52AA6E4}">
-                <adec:decorative xmlns:adec="http://schemas.microsoft.com/office/drawing/2017/decorative" val="1"/>
-              </a:ext>
-            </a:extLst>
-          </p:cNvPr>
-          <p:cNvSpPr>
-            <a:spLocks noGrp="1" noRot="1" noChangeAspect="1" noMove="1" noResize="1" noEditPoints="1" noAdjustHandles="1" noChangeArrowheads="1" noChangeShapeType="1" noTextEdit="1"/>
-          </p:cNvSpPr>
-          <p:nvPr>
-            <p:extLst>
-              <p:ext uri="{386F3935-93C4-4BCD-93E2-E3B085C9AB24}">
-                <p16:designElem xmlns:p16="http://schemas.microsoft.com/office/powerpoint/2015/main" val="1"/>
-              </p:ext>
-            </p:extLst>
-          </p:nvPr>
-        </p:nvSpPr>
-        <p:spPr>
-          <a:xfrm>
-            <a:off x="4654733" y="643465"/>
-            <a:ext cx="457200" cy="45720"/>
-          </a:xfrm>
-          <a:prstGeom prst="rect">
-            <a:avLst/>
-          </a:prstGeom>
-          <a:solidFill>
-            <a:schemeClr val="tx1"/>
-          </a:solidFill>
-          <a:ln>
-            <a:noFill/>
-          </a:ln>
-        </p:spPr>
-        <p:style>
-          <a:lnRef idx="2">
-            <a:schemeClr val="accent1">
-              <a:shade val="50000"/>
-            </a:schemeClr>
-          </a:lnRef>
-          <a:fillRef idx="1">
-            <a:schemeClr val="accent1"/>
-          </a:fillRef>
-          <a:effectRef idx="0">
-            <a:schemeClr val="accent1"/>
-          </a:effectRef>
-          <a:fontRef idx="minor">
-            <a:schemeClr val="lt1"/>
-          </a:fontRef>
-        </p:style>
-        <p:txBody>
-          <a:bodyPr rtlCol="0" anchor="ctr"/>
-          <a:lstStyle/>
-          <a:p>
-            <a:pPr algn="ctr"/>
-            <a:endParaRPr lang="en-US"/>
-          </a:p>
-        </p:txBody>
-      </p:sp>
-      <p:sp>
-        <p:nvSpPr>
-          <p:cNvPr id="3" name="Content Placeholder 2">
-            <a:extLst>
-              <a:ext uri="{FF2B5EF4-FFF2-40B4-BE49-F238E27FC236}">
-                <a16:creationId xmlns:a16="http://schemas.microsoft.com/office/drawing/2014/main" id="{23CFEE83-D5CD-87C8-93CF-C4FC5733DE0B}"/>
-              </a:ext>
-            </a:extLst>
-          </p:cNvPr>
-          <p:cNvSpPr>
-            <a:spLocks noGrp="1"/>
-          </p:cNvSpPr>
-          <p:nvPr>
-            <p:ph idx="1"/>
-          </p:nvPr>
-        </p:nvSpPr>
-        <p:spPr>
-          <a:xfrm>
-            <a:off x="4654732" y="850052"/>
-            <a:ext cx="6390623" cy="5326911"/>
-          </a:xfrm>
-        </p:spPr>
-        <p:txBody>
-          <a:bodyPr>
-            <a:normAutofit/>
-          </a:bodyPr>
-          <a:lstStyle/>
-          <a:p>
-            <a:r>
-              <a:rPr lang="en-US" sz="2400" dirty="0"/>
-              <a:t>Why am I going through all these trouble</a:t>
-            </a:r>
-          </a:p>
-          <a:p>
-            <a:pPr lvl="1"/>
-            <a:r>
-              <a:rPr lang="en-US" dirty="0"/>
-              <a:t>For students to get familiarized with the “real working world”</a:t>
-            </a:r>
-          </a:p>
-          <a:p>
-            <a:pPr lvl="1"/>
-            <a:endParaRPr lang="en-US" dirty="0"/>
-          </a:p>
-          <a:p>
-            <a:pPr lvl="1"/>
-            <a:endParaRPr lang="en-US" dirty="0"/>
-          </a:p>
-          <a:p>
-            <a:r>
-              <a:rPr lang="en-US" sz="2400" dirty="0" err="1"/>
-              <a:t>Github</a:t>
-            </a:r>
-            <a:r>
-              <a:rPr lang="en-US" sz="2400" dirty="0"/>
-              <a:t> App – have you downloaded?</a:t>
-            </a:r>
-          </a:p>
-          <a:p>
-            <a:pPr lvl="1"/>
-            <a:r>
-              <a:rPr lang="en-US" dirty="0"/>
-              <a:t>Android / iOS</a:t>
-            </a:r>
-          </a:p>
-          <a:p>
-            <a:r>
-              <a:rPr lang="en-US" sz="2400" dirty="0"/>
-              <a:t>Web app – could submit binary file (image file)</a:t>
-            </a:r>
-          </a:p>
-          <a:p>
-            <a:pPr marL="0" indent="0">
-              <a:buNone/>
-            </a:pPr>
-            <a:r>
-              <a:rPr lang="en-US" sz="2400" dirty="0"/>
-              <a:t>(Demo)</a:t>
-            </a:r>
-          </a:p>
-          <a:p>
-            <a:endParaRPr lang="en-US" sz="2400" dirty="0"/>
-          </a:p>
-          <a:p>
-            <a:r>
-              <a:rPr lang="en-US" sz="2400" dirty="0"/>
-              <a:t>Today to submit:</a:t>
-            </a:r>
-            <a:br>
-              <a:rPr lang="en-US" sz="2400" dirty="0"/>
-            </a:br>
-            <a:r>
-              <a:rPr lang="en-US" sz="2400" dirty="0"/>
-              <a:t>https://</a:t>
-            </a:r>
-            <a:r>
-              <a:rPr lang="en-US" sz="2400" dirty="0" err="1"/>
-              <a:t>classroom.github.com</a:t>
-            </a:r>
-            <a:r>
-              <a:rPr lang="en-US" sz="2400" dirty="0"/>
-              <a:t>/a/a7w6QKNN</a:t>
-            </a:r>
-          </a:p>
-          <a:p>
-            <a:endParaRPr lang="en-US" sz="2400" dirty="0"/>
-          </a:p>
-          <a:p>
-            <a:endParaRPr lang="en-US" sz="2400" dirty="0"/>
-          </a:p>
-        </p:txBody>
-      </p:sp>
-    </p:spTree>
-    <p:extLst>
-      <p:ext uri="{BB962C8B-B14F-4D97-AF65-F5344CB8AC3E}">
-        <p14:creationId xmlns:p14="http://schemas.microsoft.com/office/powerpoint/2010/main" val="1056844044"/>
-      </p:ext>
-    </p:extLst>
-  </p:cSld>
-  <p:clrMapOvr>
-    <a:masterClrMapping/>
-  </p:clrMapOvr>
-</p:sld>
-</file>
-
-<file path=ppt/slides/slide4.xml><?xml version="1.0" encoding="utf-8"?>
-<p:sld xmlns:a="http://schemas.openxmlformats.org/drawingml/2006/main" xmlns:r="http://schemas.openxmlformats.org/officeDocument/2006/relationships" xmlns:p="http://schemas.openxmlformats.org/presentationml/2006/main">
-  <p:cSld>
-    <p:bg>
-      <p:bgPr>
-        <a:solidFill>
-          <a:schemeClr val="bg1"/>
-        </a:solidFill>
-        <a:effectLst/>
-      </p:bgPr>
-    </p:bg>
-    <p:spTree>
-      <p:nvGrpSpPr>
-        <p:cNvPr id="1" name=""/>
-        <p:cNvGrpSpPr/>
-        <p:nvPr/>
-      </p:nvGrpSpPr>
-      <p:grpSpPr>
-        <a:xfrm>
-          <a:off x="0" y="0"/>
-          <a:ext cx="0" cy="0"/>
-          <a:chOff x="0" y="0"/>
-          <a:chExt cx="0" cy="0"/>
-        </a:xfrm>
-      </p:grpSpPr>
-      <p:sp useBgFill="1">
-        <p:nvSpPr>
-          <p:cNvPr id="15" name="Rectangle 14">
-            <a:extLst>
-              <a:ext uri="{FF2B5EF4-FFF2-40B4-BE49-F238E27FC236}">
-                <a16:creationId xmlns:a16="http://schemas.microsoft.com/office/drawing/2014/main" id="{F837543A-6020-4505-A233-C9DB4BF74011}"/>
-              </a:ext>
-              <a:ext uri="{C183D7F6-B498-43B3-948B-1728B52AA6E4}">
-                <adec:decorative xmlns:adec="http://schemas.microsoft.com/office/drawing/2017/decorative" val="1"/>
-              </a:ext>
-            </a:extLst>
-          </p:cNvPr>
-          <p:cNvSpPr>
-            <a:spLocks noGrp="1" noRot="1" noChangeAspect="1" noMove="1" noResize="1" noEditPoints="1" noAdjustHandles="1" noChangeArrowheads="1" noChangeShapeType="1" noTextEdit="1"/>
-          </p:cNvSpPr>
-          <p:nvPr>
-            <p:extLst>
-              <p:ext uri="{386F3935-93C4-4BCD-93E2-E3B085C9AB24}">
-                <p16:designElem xmlns:p16="http://schemas.microsoft.com/office/powerpoint/2015/main" val="1"/>
-              </p:ext>
-            </p:extLst>
-          </p:nvPr>
-        </p:nvSpPr>
-        <p:spPr>
-          <a:xfrm>
-            <a:off x="3048" y="0"/>
-            <a:ext cx="12188952" cy="6858000"/>
-          </a:xfrm>
-          <a:prstGeom prst="rect">
-            <a:avLst/>
-          </a:prstGeom>
-          <a:ln>
-            <a:noFill/>
-          </a:ln>
-        </p:spPr>
-        <p:style>
-          <a:lnRef idx="2">
-            <a:schemeClr val="accent1">
-              <a:shade val="50000"/>
-            </a:schemeClr>
-          </a:lnRef>
-          <a:fillRef idx="1">
-            <a:schemeClr val="accent1"/>
-          </a:fillRef>
-          <a:effectRef idx="0">
-            <a:schemeClr val="accent1"/>
-          </a:effectRef>
-          <a:fontRef idx="minor">
-            <a:schemeClr val="lt1"/>
-          </a:fontRef>
-        </p:style>
-        <p:txBody>
-          <a:bodyPr rtlCol="0" anchor="ctr"/>
-          <a:lstStyle/>
-          <a:p>
-            <a:pPr algn="ctr"/>
-            <a:endParaRPr lang="en-US"/>
-          </a:p>
-        </p:txBody>
-      </p:sp>
-      <p:sp>
-        <p:nvSpPr>
-          <p:cNvPr id="2" name="Title 1">
-            <a:extLst>
-              <a:ext uri="{FF2B5EF4-FFF2-40B4-BE49-F238E27FC236}">
-                <a16:creationId xmlns:a16="http://schemas.microsoft.com/office/drawing/2014/main" id="{9D6A9340-1B08-2197-D4C8-910C7E10DBF5}"/>
-              </a:ext>
-            </a:extLst>
-          </p:cNvPr>
-          <p:cNvSpPr>
-            <a:spLocks noGrp="1"/>
-          </p:cNvSpPr>
-          <p:nvPr>
-            <p:ph type="title"/>
-          </p:nvPr>
-        </p:nvSpPr>
-        <p:spPr>
-          <a:xfrm>
-            <a:off x="838200" y="365125"/>
-            <a:ext cx="5558489" cy="1325563"/>
-          </a:xfrm>
-        </p:spPr>
-        <p:txBody>
-          <a:bodyPr>
-            <a:normAutofit/>
-          </a:bodyPr>
-          <a:lstStyle/>
-          <a:p>
-            <a:r>
-              <a:rPr lang="en-US"/>
-              <a:t>What have I written in the 20 min?</a:t>
-            </a:r>
-          </a:p>
-        </p:txBody>
-      </p:sp>
-      <p:sp>
-        <p:nvSpPr>
-          <p:cNvPr id="17" name="Freeform: Shape 16">
-            <a:extLst>
-              <a:ext uri="{FF2B5EF4-FFF2-40B4-BE49-F238E27FC236}">
-                <a16:creationId xmlns:a16="http://schemas.microsoft.com/office/drawing/2014/main" id="{35B16301-FB18-48BA-A6DD-C37CAF6F9A18}"/>
-              </a:ext>
-              <a:ext uri="{C183D7F6-B498-43B3-948B-1728B52AA6E4}">
-                <adec:decorative xmlns:adec="http://schemas.microsoft.com/office/drawing/2017/decorative" val="1"/>
-              </a:ext>
-            </a:extLst>
-          </p:cNvPr>
-          <p:cNvSpPr>
-            <a:spLocks noGrp="1" noRot="1" noChangeAspect="1" noMove="1" noResize="1" noEditPoints="1" noAdjustHandles="1" noChangeArrowheads="1" noChangeShapeType="1" noTextEdit="1"/>
-          </p:cNvSpPr>
-          <p:nvPr>
-            <p:extLst>
-              <p:ext uri="{386F3935-93C4-4BCD-93E2-E3B085C9AB24}">
-                <p16:designElem xmlns:p16="http://schemas.microsoft.com/office/powerpoint/2015/main" val="1"/>
-              </p:ext>
-            </p:extLst>
-          </p:nvPr>
-        </p:nvSpPr>
-        <p:spPr>
-          <a:xfrm>
-            <a:off x="10208695" y="1"/>
-            <a:ext cx="1135066" cy="477997"/>
-          </a:xfrm>
-          <a:custGeom>
-            <a:avLst/>
-            <a:gdLst>
-              <a:gd name="connsiteX0" fmla="*/ 0 w 1135066"/>
-              <a:gd name="connsiteY0" fmla="*/ 0 h 477997"/>
-              <a:gd name="connsiteX1" fmla="*/ 1135066 w 1135066"/>
-              <a:gd name="connsiteY1" fmla="*/ 0 h 477997"/>
-              <a:gd name="connsiteX2" fmla="*/ 1133370 w 1135066"/>
-              <a:gd name="connsiteY2" fmla="*/ 16827 h 477997"/>
-              <a:gd name="connsiteX3" fmla="*/ 567533 w 1135066"/>
-              <a:gd name="connsiteY3" fmla="*/ 477997 h 477997"/>
-              <a:gd name="connsiteX4" fmla="*/ 1696 w 1135066"/>
-              <a:gd name="connsiteY4" fmla="*/ 16827 h 477997"/>
-            </a:gdLst>
-            <a:ahLst/>
-            <a:cxnLst>
-              <a:cxn ang="0">
-                <a:pos x="connsiteX0" y="connsiteY0"/>
-              </a:cxn>
-              <a:cxn ang="0">
-                <a:pos x="connsiteX1" y="connsiteY1"/>
-              </a:cxn>
-              <a:cxn ang="0">
-                <a:pos x="connsiteX2" y="connsiteY2"/>
-              </a:cxn>
-              <a:cxn ang="0">
-                <a:pos x="connsiteX3" y="connsiteY3"/>
-              </a:cxn>
-              <a:cxn ang="0">
-                <a:pos x="connsiteX4" y="connsiteY4"/>
-              </a:cxn>
-            </a:cxnLst>
-            <a:rect l="l" t="t" r="r" b="b"/>
-            <a:pathLst>
-              <a:path w="1135066" h="477997">
-                <a:moveTo>
-                  <a:pt x="0" y="0"/>
-                </a:moveTo>
-                <a:lnTo>
-                  <a:pt x="1135066" y="0"/>
-                </a:lnTo>
-                <a:lnTo>
-                  <a:pt x="1133370" y="16827"/>
-                </a:lnTo>
-                <a:cubicBezTo>
-                  <a:pt x="1079514" y="280016"/>
-                  <a:pt x="846644" y="477997"/>
-                  <a:pt x="567533" y="477997"/>
-                </a:cubicBezTo>
-                <a:cubicBezTo>
-                  <a:pt x="288422" y="477997"/>
-                  <a:pt x="55552" y="280016"/>
-                  <a:pt x="1696" y="16827"/>
-                </a:cubicBezTo>
-                <a:close/>
-              </a:path>
-            </a:pathLst>
-          </a:custGeom>
-          <a:solidFill>
-            <a:schemeClr val="accent5"/>
-          </a:solidFill>
-          <a:ln>
-            <a:noFill/>
-          </a:ln>
-        </p:spPr>
-        <p:style>
-          <a:lnRef idx="2">
-            <a:schemeClr val="accent1">
-              <a:shade val="50000"/>
-            </a:schemeClr>
-          </a:lnRef>
-          <a:fillRef idx="1">
-            <a:schemeClr val="accent1"/>
-          </a:fillRef>
-          <a:effectRef idx="0">
-            <a:schemeClr val="accent1"/>
-          </a:effectRef>
-          <a:fontRef idx="minor">
-            <a:schemeClr val="lt1"/>
-          </a:fontRef>
-        </p:style>
-        <p:txBody>
-          <a:bodyPr wrap="square" rtlCol="0" anchor="ctr">
-            <a:noAutofit/>
-          </a:bodyPr>
-          <a:lstStyle/>
-          <a:p>
-            <a:pPr algn="ctr"/>
-            <a:endParaRPr lang="en-US"/>
-          </a:p>
-        </p:txBody>
-      </p:sp>
-      <p:sp>
-        <p:nvSpPr>
-          <p:cNvPr id="3" name="Content Placeholder 2">
-            <a:extLst>
-              <a:ext uri="{FF2B5EF4-FFF2-40B4-BE49-F238E27FC236}">
-                <a16:creationId xmlns:a16="http://schemas.microsoft.com/office/drawing/2014/main" id="{2BB26A9D-A921-682D-9472-12BF557614C8}"/>
-              </a:ext>
-            </a:extLst>
-          </p:cNvPr>
-          <p:cNvSpPr>
-            <a:spLocks noGrp="1"/>
-          </p:cNvSpPr>
-          <p:nvPr>
-            <p:ph idx="1"/>
-          </p:nvPr>
-        </p:nvSpPr>
-        <p:spPr>
-          <a:xfrm>
-            <a:off x="838200" y="1825625"/>
-            <a:ext cx="5558489" cy="4351338"/>
-          </a:xfrm>
-        </p:spPr>
-        <p:txBody>
-          <a:bodyPr>
-            <a:normAutofit/>
-          </a:bodyPr>
-          <a:lstStyle/>
-          <a:p>
-            <a:r>
-              <a:rPr lang="en-US" sz="2200" dirty="0"/>
-              <a:t>As said, there is no right or wrong answer. This is just an exercise. But you need to do it as a learning process - we aren’t ducks to be fed</a:t>
-            </a:r>
-          </a:p>
-          <a:p>
-            <a:r>
-              <a:rPr lang="en-US" sz="2200" dirty="0"/>
-              <a:t>I am sharing my sample version of the 20 min technical writing here. What difference do you see between yours and mine?</a:t>
-            </a:r>
-          </a:p>
-          <a:p>
-            <a:r>
-              <a:rPr lang="en-US" sz="2200" dirty="0"/>
-              <a:t>10 min exercise: Write down Miro, what do you see the major difference between your answer and the sample answer. Is it difference in the focus? What have you learn?</a:t>
-            </a:r>
-          </a:p>
-        </p:txBody>
-      </p:sp>
-      <p:sp>
-        <p:nvSpPr>
-          <p:cNvPr id="19" name="Oval 18">
-            <a:extLst>
-              <a:ext uri="{FF2B5EF4-FFF2-40B4-BE49-F238E27FC236}">
-                <a16:creationId xmlns:a16="http://schemas.microsoft.com/office/drawing/2014/main" id="{C3C0D90E-074A-4F52-9B11-B52BEF4BCBE5}"/>
-              </a:ext>
-              <a:ext uri="{C183D7F6-B498-43B3-948B-1728B52AA6E4}">
-                <adec:decorative xmlns:adec="http://schemas.microsoft.com/office/drawing/2017/decorative" val="1"/>
-              </a:ext>
-            </a:extLst>
-          </p:cNvPr>
-          <p:cNvSpPr>
-            <a:spLocks noGrp="1" noRot="1" noChangeAspect="1" noMove="1" noResize="1" noEditPoints="1" noAdjustHandles="1" noChangeArrowheads="1" noChangeShapeType="1" noTextEdit="1"/>
-          </p:cNvSpPr>
-          <p:nvPr>
-            <p:extLst>
-              <p:ext uri="{386F3935-93C4-4BCD-93E2-E3B085C9AB24}">
-                <p16:designElem xmlns:p16="http://schemas.microsoft.com/office/powerpoint/2015/main" val="1"/>
-              </p:ext>
-            </p:extLst>
-          </p:nvPr>
-        </p:nvSpPr>
-        <p:spPr>
-          <a:xfrm>
-            <a:off x="6821310" y="2624479"/>
-            <a:ext cx="812427" cy="812427"/>
-          </a:xfrm>
-          <a:prstGeom prst="ellipse">
-            <a:avLst/>
-          </a:prstGeom>
-          <a:noFill/>
-          <a:ln w="127000">
-            <a:solidFill>
-              <a:schemeClr val="accent5"/>
-            </a:solidFill>
-          </a:ln>
-        </p:spPr>
-        <p:style>
-          <a:lnRef idx="2">
-            <a:schemeClr val="accent1">
-              <a:shade val="50000"/>
-            </a:schemeClr>
-          </a:lnRef>
-          <a:fillRef idx="1">
-            <a:schemeClr val="accent1"/>
-          </a:fillRef>
-          <a:effectRef idx="0">
-            <a:schemeClr val="accent1"/>
-          </a:effectRef>
-          <a:fontRef idx="minor">
-            <a:schemeClr val="lt1"/>
-          </a:fontRef>
-        </p:style>
-        <p:txBody>
-          <a:bodyPr rtlCol="0" anchor="ctr"/>
-          <a:lstStyle/>
-          <a:p>
-            <a:pPr algn="ctr"/>
-            <a:endParaRPr lang="en-US" dirty="0"/>
-          </a:p>
-        </p:txBody>
-      </p:sp>
-      <p:sp>
-        <p:nvSpPr>
-          <p:cNvPr id="21" name="Block Arc 20">
-            <a:extLst>
-              <a:ext uri="{FF2B5EF4-FFF2-40B4-BE49-F238E27FC236}">
-                <a16:creationId xmlns:a16="http://schemas.microsoft.com/office/drawing/2014/main" id="{CABBD4C1-E6F8-46F6-8152-A8A97490BF4D}"/>
-              </a:ext>
-              <a:ext uri="{C183D7F6-B498-43B3-948B-1728B52AA6E4}">
-                <adec:decorative xmlns:adec="http://schemas.microsoft.com/office/drawing/2017/decorative" val="1"/>
-              </a:ext>
-            </a:extLst>
-          </p:cNvPr>
-          <p:cNvSpPr>
-            <a:spLocks noGrp="1" noRot="1" noChangeAspect="1" noMove="1" noResize="1" noEditPoints="1" noAdjustHandles="1" noChangeArrowheads="1" noChangeShapeType="1" noTextEdit="1"/>
-          </p:cNvSpPr>
-          <p:nvPr>
-            <p:extLst>
-              <p:ext uri="{386F3935-93C4-4BCD-93E2-E3B085C9AB24}">
-                <p16:designElem xmlns:p16="http://schemas.microsoft.com/office/powerpoint/2015/main" val="1"/>
-              </p:ext>
-            </p:extLst>
-          </p:nvPr>
-        </p:nvSpPr>
-        <p:spPr>
-          <a:xfrm rot="16200000">
-            <a:off x="8912417" y="1218531"/>
-            <a:ext cx="2387600" cy="2387600"/>
-          </a:xfrm>
-          <a:prstGeom prst="blockArc">
-            <a:avLst/>
-          </a:prstGeom>
-          <a:solidFill>
-            <a:schemeClr val="accent2"/>
-          </a:solidFill>
-          <a:ln>
-            <a:noFill/>
-          </a:ln>
-        </p:spPr>
-        <p:style>
-          <a:lnRef idx="2">
-            <a:schemeClr val="accent1">
-              <a:shade val="50000"/>
-            </a:schemeClr>
-          </a:lnRef>
-          <a:fillRef idx="1">
-            <a:schemeClr val="accent1"/>
-          </a:fillRef>
-          <a:effectRef idx="0">
-            <a:schemeClr val="accent1"/>
-          </a:effectRef>
-          <a:fontRef idx="minor">
-            <a:schemeClr val="lt1"/>
-          </a:fontRef>
-        </p:style>
-        <p:txBody>
-          <a:bodyPr rtlCol="0" anchor="ctr"/>
-          <a:lstStyle/>
-          <a:p>
-            <a:pPr algn="ctr"/>
-            <a:endParaRPr lang="en-US">
-              <a:solidFill>
-                <a:schemeClr val="tx1"/>
-              </a:solidFill>
-            </a:endParaRPr>
-          </a:p>
-        </p:txBody>
-      </p:sp>
-      <p:sp>
-        <p:nvSpPr>
-          <p:cNvPr id="23" name="Freeform: Shape 22">
-            <a:extLst>
-              <a:ext uri="{FF2B5EF4-FFF2-40B4-BE49-F238E27FC236}">
-                <a16:creationId xmlns:a16="http://schemas.microsoft.com/office/drawing/2014/main" id="{83BA5EF5-1FE9-4BF9-83BB-269BCDDF6156}"/>
-              </a:ext>
-              <a:ext uri="{C183D7F6-B498-43B3-948B-1728B52AA6E4}">
-                <adec:decorative xmlns:adec="http://schemas.microsoft.com/office/drawing/2017/decorative" val="1"/>
-              </a:ext>
-            </a:extLst>
-          </p:cNvPr>
-          <p:cNvSpPr>
-            <a:spLocks noGrp="1" noRot="1" noChangeAspect="1" noMove="1" noResize="1" noEditPoints="1" noAdjustHandles="1" noChangeArrowheads="1" noChangeShapeType="1" noTextEdit="1"/>
-          </p:cNvSpPr>
-          <p:nvPr>
-            <p:extLst>
-              <p:ext uri="{386F3935-93C4-4BCD-93E2-E3B085C9AB24}">
-                <p16:designElem xmlns:p16="http://schemas.microsoft.com/office/powerpoint/2015/main" val="1"/>
-              </p:ext>
-            </p:extLst>
-          </p:nvPr>
-        </p:nvSpPr>
-        <p:spPr>
-          <a:xfrm>
-            <a:off x="6821310" y="0"/>
-            <a:ext cx="2315251" cy="1550992"/>
-          </a:xfrm>
-          <a:custGeom>
-            <a:avLst/>
-            <a:gdLst>
-              <a:gd name="connsiteX0" fmla="*/ 0 w 2315251"/>
-              <a:gd name="connsiteY0" fmla="*/ 0 h 1550992"/>
-              <a:gd name="connsiteX1" fmla="*/ 138700 w 2315251"/>
-              <a:gd name="connsiteY1" fmla="*/ 0 h 1550992"/>
-              <a:gd name="connsiteX2" fmla="*/ 138700 w 2315251"/>
-              <a:gd name="connsiteY2" fmla="*/ 1361400 h 1550992"/>
-              <a:gd name="connsiteX3" fmla="*/ 2107387 w 2315251"/>
-              <a:gd name="connsiteY3" fmla="*/ 222673 h 1550992"/>
-              <a:gd name="connsiteX4" fmla="*/ 1722420 w 2315251"/>
-              <a:gd name="connsiteY4" fmla="*/ 0 h 1550992"/>
-              <a:gd name="connsiteX5" fmla="*/ 1999436 w 2315251"/>
-              <a:gd name="connsiteY5" fmla="*/ 0 h 1550992"/>
-              <a:gd name="connsiteX6" fmla="*/ 2280549 w 2315251"/>
-              <a:gd name="connsiteY6" fmla="*/ 162605 h 1550992"/>
-              <a:gd name="connsiteX7" fmla="*/ 2305953 w 2315251"/>
-              <a:gd name="connsiteY7" fmla="*/ 257336 h 1550992"/>
-              <a:gd name="connsiteX8" fmla="*/ 2280549 w 2315251"/>
-              <a:gd name="connsiteY8" fmla="*/ 282740 h 1550992"/>
-              <a:gd name="connsiteX9" fmla="*/ 104026 w 2315251"/>
-              <a:gd name="connsiteY9" fmla="*/ 1541710 h 1550992"/>
-              <a:gd name="connsiteX10" fmla="*/ 69351 w 2315251"/>
-              <a:gd name="connsiteY10" fmla="*/ 1550992 h 1550992"/>
-              <a:gd name="connsiteX11" fmla="*/ 0 w 2315251"/>
-              <a:gd name="connsiteY11" fmla="*/ 1481643 h 1550992"/>
-            </a:gdLst>
-            <a:ahLst/>
-            <a:cxnLst>
-              <a:cxn ang="0">
-                <a:pos x="connsiteX0" y="connsiteY0"/>
-              </a:cxn>
-              <a:cxn ang="0">
-                <a:pos x="connsiteX1" y="connsiteY1"/>
-              </a:cxn>
-              <a:cxn ang="0">
-                <a:pos x="connsiteX2" y="connsiteY2"/>
-              </a:cxn>
-              <a:cxn ang="0">
-                <a:pos x="connsiteX3" y="connsiteY3"/>
-              </a:cxn>
-              <a:cxn ang="0">
-                <a:pos x="connsiteX4" y="connsiteY4"/>
-              </a:cxn>
-              <a:cxn ang="0">
-                <a:pos x="connsiteX5" y="connsiteY5"/>
-              </a:cxn>
-              <a:cxn ang="0">
-                <a:pos x="connsiteX6" y="connsiteY6"/>
-              </a:cxn>
-              <a:cxn ang="0">
-                <a:pos x="connsiteX7" y="connsiteY7"/>
-              </a:cxn>
-              <a:cxn ang="0">
-                <a:pos x="connsiteX8" y="connsiteY8"/>
-              </a:cxn>
-              <a:cxn ang="0">
-                <a:pos x="connsiteX9" y="connsiteY9"/>
-              </a:cxn>
-              <a:cxn ang="0">
-                <a:pos x="connsiteX10" y="connsiteY10"/>
-              </a:cxn>
-              <a:cxn ang="0">
-                <a:pos x="connsiteX11" y="connsiteY11"/>
-              </a:cxn>
-            </a:cxnLst>
-            <a:rect l="l" t="t" r="r" b="b"/>
-            <a:pathLst>
-              <a:path w="2315251" h="1550992">
-                <a:moveTo>
-                  <a:pt x="0" y="0"/>
-                </a:moveTo>
-                <a:lnTo>
-                  <a:pt x="138700" y="0"/>
-                </a:lnTo>
-                <a:lnTo>
-                  <a:pt x="138700" y="1361400"/>
-                </a:lnTo>
-                <a:lnTo>
-                  <a:pt x="2107387" y="222673"/>
-                </a:lnTo>
-                <a:lnTo>
-                  <a:pt x="1722420" y="0"/>
-                </a:lnTo>
-                <a:lnTo>
-                  <a:pt x="1999436" y="0"/>
-                </a:lnTo>
-                <a:lnTo>
-                  <a:pt x="2280549" y="162605"/>
-                </a:lnTo>
-                <a:cubicBezTo>
-                  <a:pt x="2313720" y="181745"/>
-                  <a:pt x="2325104" y="224155"/>
-                  <a:pt x="2305953" y="257336"/>
-                </a:cubicBezTo>
-                <a:cubicBezTo>
-                  <a:pt x="2299872" y="267889"/>
-                  <a:pt x="2291101" y="276648"/>
-                  <a:pt x="2280549" y="282740"/>
-                </a:cubicBezTo>
-                <a:lnTo>
-                  <a:pt x="104026" y="1541710"/>
-                </a:lnTo>
-                <a:cubicBezTo>
-                  <a:pt x="93484" y="1547802"/>
-                  <a:pt x="81523" y="1551003"/>
-                  <a:pt x="69351" y="1550992"/>
-                </a:cubicBezTo>
-                <a:cubicBezTo>
-                  <a:pt x="31049" y="1550992"/>
-                  <a:pt x="0" y="1519944"/>
-                  <a:pt x="0" y="1481643"/>
-                </a:cubicBezTo>
-                <a:close/>
-              </a:path>
-            </a:pathLst>
-          </a:custGeom>
-          <a:solidFill>
-            <a:schemeClr val="accent6"/>
-          </a:solidFill>
-          <a:ln w="9525" cap="flat">
-            <a:noFill/>
-            <a:prstDash val="solid"/>
-            <a:miter/>
-          </a:ln>
-        </p:spPr>
-        <p:txBody>
-          <a:bodyPr rtlCol="0" anchor="ctr"/>
-          <a:lstStyle/>
-          <a:p>
-            <a:endParaRPr lang="en-US" dirty="0"/>
-          </a:p>
-        </p:txBody>
-      </p:sp>
-      <p:cxnSp>
-        <p:nvCxnSpPr>
-          <p:cNvPr id="25" name="Straight Connector 24">
-            <a:extLst>
-              <a:ext uri="{FF2B5EF4-FFF2-40B4-BE49-F238E27FC236}">
-                <a16:creationId xmlns:a16="http://schemas.microsoft.com/office/drawing/2014/main" id="{4B3BCACB-5880-460B-9606-8C433A9AF99D}"/>
-              </a:ext>
-              <a:ext uri="{C183D7F6-B498-43B3-948B-1728B52AA6E4}">
-                <adec:decorative xmlns:adec="http://schemas.microsoft.com/office/drawing/2017/decorative" val="1"/>
-              </a:ext>
-            </a:extLst>
-          </p:cNvPr>
-          <p:cNvCxnSpPr>
-            <a:cxnSpLocks noGrp="1" noRot="1" noChangeAspect="1" noMove="1" noResize="1" noEditPoints="1" noAdjustHandles="1" noChangeArrowheads="1" noChangeShapeType="1"/>
-          </p:cNvCxnSpPr>
-          <p:nvPr>
-            <p:extLst>
-              <p:ext uri="{386F3935-93C4-4BCD-93E2-E3B085C9AB24}">
-                <p16:designElem xmlns:p16="http://schemas.microsoft.com/office/powerpoint/2015/main" val="1"/>
-              </p:ext>
-            </p:extLst>
-          </p:nvPr>
-        </p:nvCxnSpPr>
-        <p:spPr>
-          <a:xfrm>
-            <a:off x="11724638" y="1331572"/>
-            <a:ext cx="0" cy="1597708"/>
-          </a:xfrm>
-          <a:prstGeom prst="line">
-            <a:avLst/>
-          </a:prstGeom>
-          <a:ln w="127000" cap="rnd">
-            <a:solidFill>
-              <a:schemeClr val="accent4"/>
-            </a:solidFill>
-            <a:prstDash val="dash"/>
-          </a:ln>
-        </p:spPr>
-        <p:style>
-          <a:lnRef idx="1">
-            <a:schemeClr val="accent1"/>
-          </a:lnRef>
-          <a:fillRef idx="0">
-            <a:schemeClr val="accent1"/>
-          </a:fillRef>
-          <a:effectRef idx="0">
-            <a:schemeClr val="accent1"/>
-          </a:effectRef>
-          <a:fontRef idx="minor">
-            <a:schemeClr val="tx1"/>
-          </a:fontRef>
-        </p:style>
-      </p:cxnSp>
-      <p:sp>
-        <p:nvSpPr>
-          <p:cNvPr id="27" name="Freeform: Shape 26">
-            <a:extLst>
-              <a:ext uri="{FF2B5EF4-FFF2-40B4-BE49-F238E27FC236}">
-                <a16:creationId xmlns:a16="http://schemas.microsoft.com/office/drawing/2014/main" id="{88853921-7BC9-4BDE-ACAB-133C683C82D6}"/>
-              </a:ext>
-              <a:ext uri="{C183D7F6-B498-43B3-948B-1728B52AA6E4}">
-                <adec:decorative xmlns:adec="http://schemas.microsoft.com/office/drawing/2017/decorative" val="1"/>
-              </a:ext>
-            </a:extLst>
-          </p:cNvPr>
-          <p:cNvSpPr>
-            <a:spLocks noGrp="1" noRot="1" noChangeAspect="1" noMove="1" noResize="1" noEditPoints="1" noAdjustHandles="1" noChangeArrowheads="1" noChangeShapeType="1" noTextEdit="1"/>
-          </p:cNvSpPr>
-          <p:nvPr>
-            <p:extLst>
-              <p:ext uri="{386F3935-93C4-4BCD-93E2-E3B085C9AB24}">
-                <p16:designElem xmlns:p16="http://schemas.microsoft.com/office/powerpoint/2015/main" val="1"/>
-              </p:ext>
-            </p:extLst>
-          </p:nvPr>
-        </p:nvSpPr>
-        <p:spPr>
-          <a:xfrm>
-            <a:off x="11005550" y="4112081"/>
-            <a:ext cx="1186451" cy="1771650"/>
-          </a:xfrm>
-          <a:custGeom>
-            <a:avLst/>
-            <a:gdLst>
-              <a:gd name="connsiteX0" fmla="*/ 61913 w 1186451"/>
-              <a:gd name="connsiteY0" fmla="*/ 0 h 1771650"/>
-              <a:gd name="connsiteX1" fmla="*/ 1186451 w 1186451"/>
-              <a:gd name="connsiteY1" fmla="*/ 0 h 1771650"/>
-              <a:gd name="connsiteX2" fmla="*/ 1186451 w 1186451"/>
-              <a:gd name="connsiteY2" fmla="*/ 123825 h 1771650"/>
-              <a:gd name="connsiteX3" fmla="*/ 123825 w 1186451"/>
-              <a:gd name="connsiteY3" fmla="*/ 123825 h 1771650"/>
-              <a:gd name="connsiteX4" fmla="*/ 123825 w 1186451"/>
-              <a:gd name="connsiteY4" fmla="*/ 1647825 h 1771650"/>
-              <a:gd name="connsiteX5" fmla="*/ 1186451 w 1186451"/>
-              <a:gd name="connsiteY5" fmla="*/ 1647825 h 1771650"/>
-              <a:gd name="connsiteX6" fmla="*/ 1186451 w 1186451"/>
-              <a:gd name="connsiteY6" fmla="*/ 1771650 h 1771650"/>
-              <a:gd name="connsiteX7" fmla="*/ 61913 w 1186451"/>
-              <a:gd name="connsiteY7" fmla="*/ 1771650 h 1771650"/>
-              <a:gd name="connsiteX8" fmla="*/ 0 w 1186451"/>
-              <a:gd name="connsiteY8" fmla="*/ 1709738 h 1771650"/>
-              <a:gd name="connsiteX9" fmla="*/ 0 w 1186451"/>
-              <a:gd name="connsiteY9" fmla="*/ 61913 h 1771650"/>
-              <a:gd name="connsiteX10" fmla="*/ 61913 w 1186451"/>
-              <a:gd name="connsiteY10" fmla="*/ 0 h 1771650"/>
-            </a:gdLst>
-            <a:ahLst/>
-            <a:cxnLst>
-              <a:cxn ang="0">
-                <a:pos x="connsiteX0" y="connsiteY0"/>
-              </a:cxn>
-              <a:cxn ang="0">
-                <a:pos x="connsiteX1" y="connsiteY1"/>
-              </a:cxn>
-              <a:cxn ang="0">
-                <a:pos x="connsiteX2" y="connsiteY2"/>
-              </a:cxn>
-              <a:cxn ang="0">
-                <a:pos x="connsiteX3" y="connsiteY3"/>
-              </a:cxn>
-              <a:cxn ang="0">
-                <a:pos x="connsiteX4" y="connsiteY4"/>
-              </a:cxn>
-              <a:cxn ang="0">
-                <a:pos x="connsiteX5" y="connsiteY5"/>
-              </a:cxn>
-              <a:cxn ang="0">
-                <a:pos x="connsiteX6" y="connsiteY6"/>
-              </a:cxn>
-              <a:cxn ang="0">
-                <a:pos x="connsiteX7" y="connsiteY7"/>
-              </a:cxn>
-              <a:cxn ang="0">
-                <a:pos x="connsiteX8" y="connsiteY8"/>
-              </a:cxn>
-              <a:cxn ang="0">
-                <a:pos x="connsiteX9" y="connsiteY9"/>
-              </a:cxn>
-              <a:cxn ang="0">
-                <a:pos x="connsiteX10" y="connsiteY10"/>
-              </a:cxn>
-            </a:cxnLst>
-            <a:rect l="l" t="t" r="r" b="b"/>
-            <a:pathLst>
-              <a:path w="1186451" h="1771650">
-                <a:moveTo>
-                  <a:pt x="61913" y="0"/>
-                </a:moveTo>
-                <a:lnTo>
-                  <a:pt x="1186451" y="0"/>
-                </a:lnTo>
-                <a:lnTo>
-                  <a:pt x="1186451" y="123825"/>
-                </a:lnTo>
-                <a:lnTo>
-                  <a:pt x="123825" y="123825"/>
-                </a:lnTo>
-                <a:lnTo>
-                  <a:pt x="123825" y="1647825"/>
-                </a:lnTo>
-                <a:lnTo>
-                  <a:pt x="1186451" y="1647825"/>
-                </a:lnTo>
-                <a:lnTo>
-                  <a:pt x="1186451" y="1771650"/>
-                </a:lnTo>
-                <a:lnTo>
-                  <a:pt x="61913" y="1771650"/>
-                </a:lnTo>
-                <a:cubicBezTo>
-                  <a:pt x="27719" y="1771650"/>
-                  <a:pt x="0" y="1743932"/>
-                  <a:pt x="0" y="1709738"/>
-                </a:cubicBezTo>
-                <a:lnTo>
-                  <a:pt x="0" y="61913"/>
-                </a:lnTo>
-                <a:cubicBezTo>
-                  <a:pt x="0" y="27719"/>
-                  <a:pt x="27719" y="0"/>
-                  <a:pt x="61913" y="0"/>
-                </a:cubicBezTo>
-                <a:close/>
-              </a:path>
-            </a:pathLst>
-          </a:custGeom>
-          <a:solidFill>
-            <a:schemeClr val="accent6"/>
-          </a:solidFill>
-          <a:ln w="9525" cap="flat">
-            <a:noFill/>
-            <a:prstDash val="solid"/>
-            <a:miter/>
-          </a:ln>
-        </p:spPr>
-        <p:txBody>
-          <a:bodyPr rtlCol="0" anchor="ctr"/>
-          <a:lstStyle/>
-          <a:p>
-            <a:endParaRPr lang="en-US"/>
-          </a:p>
-        </p:txBody>
-      </p:sp>
-      <p:sp>
-        <p:nvSpPr>
-          <p:cNvPr id="29" name="Arc 28">
-            <a:extLst>
-              <a:ext uri="{FF2B5EF4-FFF2-40B4-BE49-F238E27FC236}">
-                <a16:creationId xmlns:a16="http://schemas.microsoft.com/office/drawing/2014/main" id="{09192968-3AE7-4470-A61C-97294BB92731}"/>
-              </a:ext>
-              <a:ext uri="{C183D7F6-B498-43B3-948B-1728B52AA6E4}">
-                <adec:decorative xmlns:adec="http://schemas.microsoft.com/office/drawing/2017/decorative" val="1"/>
-              </a:ext>
-            </a:extLst>
-          </p:cNvPr>
-          <p:cNvSpPr>
-            <a:spLocks noGrp="1" noRot="1" noChangeAspect="1" noMove="1" noResize="1" noEditPoints="1" noAdjustHandles="1" noChangeArrowheads="1" noChangeShapeType="1" noTextEdit="1"/>
-          </p:cNvSpPr>
-          <p:nvPr>
-            <p:extLst>
-              <p:ext uri="{386F3935-93C4-4BCD-93E2-E3B085C9AB24}">
-                <p16:designElem xmlns:p16="http://schemas.microsoft.com/office/powerpoint/2015/main" val="1"/>
-              </p:ext>
-            </p:extLst>
-          </p:nvPr>
-        </p:nvSpPr>
-        <p:spPr>
-          <a:xfrm rot="20992895">
-            <a:off x="6086940" y="4145122"/>
-            <a:ext cx="4083433" cy="4083433"/>
-          </a:xfrm>
-          <a:prstGeom prst="arc">
-            <a:avLst/>
-          </a:prstGeom>
-          <a:ln w="127000" cap="rnd">
-            <a:solidFill>
-              <a:schemeClr val="accent4"/>
-            </a:solidFill>
-            <a:prstDash val="dash"/>
-          </a:ln>
-        </p:spPr>
-        <p:style>
-          <a:lnRef idx="1">
-            <a:schemeClr val="accent1"/>
-          </a:lnRef>
-          <a:fillRef idx="0">
-            <a:schemeClr val="accent1"/>
-          </a:fillRef>
-          <a:effectRef idx="0">
-            <a:schemeClr val="accent1"/>
-          </a:effectRef>
-          <a:fontRef idx="minor">
-            <a:schemeClr val="tx1"/>
-          </a:fontRef>
-        </p:style>
-        <p:txBody>
-          <a:bodyPr rtlCol="0" anchor="ctr"/>
-          <a:lstStyle/>
-          <a:p>
-            <a:pPr algn="ctr"/>
-            <a:endParaRPr lang="en-US" dirty="0"/>
-          </a:p>
-        </p:txBody>
-      </p:sp>
-      <p:sp>
-        <p:nvSpPr>
-          <p:cNvPr id="31" name="Freeform: Shape 30">
-            <a:extLst>
-              <a:ext uri="{FF2B5EF4-FFF2-40B4-BE49-F238E27FC236}">
-                <a16:creationId xmlns:a16="http://schemas.microsoft.com/office/drawing/2014/main" id="{3AB72E55-43E4-4356-BFE8-E2102CB0B505}"/>
-              </a:ext>
-              <a:ext uri="{C183D7F6-B498-43B3-948B-1728B52AA6E4}">
-                <adec:decorative xmlns:adec="http://schemas.microsoft.com/office/drawing/2017/decorative" val="1"/>
-              </a:ext>
-            </a:extLst>
-          </p:cNvPr>
-          <p:cNvSpPr>
-            <a:spLocks noGrp="1" noRot="1" noChangeAspect="1" noMove="1" noResize="1" noEditPoints="1" noAdjustHandles="1" noChangeArrowheads="1" noChangeShapeType="1" noTextEdit="1"/>
-          </p:cNvSpPr>
-          <p:nvPr>
-            <p:extLst>
-              <p:ext uri="{386F3935-93C4-4BCD-93E2-E3B085C9AB24}">
-                <p16:designElem xmlns:p16="http://schemas.microsoft.com/office/powerpoint/2015/main" val="1"/>
-              </p:ext>
-            </p:extLst>
-          </p:nvPr>
-        </p:nvSpPr>
-        <p:spPr>
-          <a:xfrm>
-            <a:off x="6821310" y="4962670"/>
-            <a:ext cx="2643352" cy="1895331"/>
-          </a:xfrm>
-          <a:custGeom>
-            <a:avLst/>
-            <a:gdLst>
-              <a:gd name="connsiteX0" fmla="*/ 1321676 w 2643352"/>
-              <a:gd name="connsiteY0" fmla="*/ 0 h 1895331"/>
-              <a:gd name="connsiteX1" fmla="*/ 2643352 w 2643352"/>
-              <a:gd name="connsiteY1" fmla="*/ 1321676 h 1895331"/>
-              <a:gd name="connsiteX2" fmla="*/ 2539488 w 2643352"/>
-              <a:gd name="connsiteY2" fmla="*/ 1836132 h 1895331"/>
-              <a:gd name="connsiteX3" fmla="*/ 2510970 w 2643352"/>
-              <a:gd name="connsiteY3" fmla="*/ 1895331 h 1895331"/>
-              <a:gd name="connsiteX4" fmla="*/ 132382 w 2643352"/>
-              <a:gd name="connsiteY4" fmla="*/ 1895331 h 1895331"/>
-              <a:gd name="connsiteX5" fmla="*/ 103864 w 2643352"/>
-              <a:gd name="connsiteY5" fmla="*/ 1836132 h 1895331"/>
-              <a:gd name="connsiteX6" fmla="*/ 0 w 2643352"/>
-              <a:gd name="connsiteY6" fmla="*/ 1321676 h 1895331"/>
-              <a:gd name="connsiteX7" fmla="*/ 1321676 w 2643352"/>
-              <a:gd name="connsiteY7" fmla="*/ 0 h 1895331"/>
-            </a:gdLst>
-            <a:ahLst/>
-            <a:cxnLst>
-              <a:cxn ang="0">
-                <a:pos x="connsiteX0" y="connsiteY0"/>
-              </a:cxn>
-              <a:cxn ang="0">
-                <a:pos x="connsiteX1" y="connsiteY1"/>
-              </a:cxn>
-              <a:cxn ang="0">
-                <a:pos x="connsiteX2" y="connsiteY2"/>
-              </a:cxn>
-              <a:cxn ang="0">
-                <a:pos x="connsiteX3" y="connsiteY3"/>
-              </a:cxn>
-              <a:cxn ang="0">
-                <a:pos x="connsiteX4" y="connsiteY4"/>
-              </a:cxn>
-              <a:cxn ang="0">
-                <a:pos x="connsiteX5" y="connsiteY5"/>
-              </a:cxn>
-              <a:cxn ang="0">
-                <a:pos x="connsiteX6" y="connsiteY6"/>
-              </a:cxn>
-              <a:cxn ang="0">
-                <a:pos x="connsiteX7" y="connsiteY7"/>
-              </a:cxn>
-            </a:cxnLst>
-            <a:rect l="l" t="t" r="r" b="b"/>
-            <a:pathLst>
-              <a:path w="2643352" h="1895331">
-                <a:moveTo>
-                  <a:pt x="1321676" y="0"/>
-                </a:moveTo>
-                <a:cubicBezTo>
-                  <a:pt x="2051617" y="0"/>
-                  <a:pt x="2643352" y="591735"/>
-                  <a:pt x="2643352" y="1321676"/>
-                </a:cubicBezTo>
-                <a:cubicBezTo>
-                  <a:pt x="2643352" y="1504161"/>
-                  <a:pt x="2606369" y="1678009"/>
-                  <a:pt x="2539488" y="1836132"/>
-                </a:cubicBezTo>
-                <a:lnTo>
-                  <a:pt x="2510970" y="1895331"/>
-                </a:lnTo>
-                <a:lnTo>
-                  <a:pt x="132382" y="1895331"/>
-                </a:lnTo>
-                <a:lnTo>
-                  <a:pt x="103864" y="1836132"/>
-                </a:lnTo>
-                <a:cubicBezTo>
-                  <a:pt x="36984" y="1678009"/>
-                  <a:pt x="0" y="1504161"/>
-                  <a:pt x="0" y="1321676"/>
-                </a:cubicBezTo>
-                <a:cubicBezTo>
-                  <a:pt x="0" y="591735"/>
-                  <a:pt x="591735" y="0"/>
-                  <a:pt x="1321676" y="0"/>
-                </a:cubicBezTo>
-                <a:close/>
-              </a:path>
-            </a:pathLst>
-          </a:custGeom>
-          <a:solidFill>
-            <a:schemeClr val="accent2"/>
-          </a:solidFill>
-          <a:ln>
-            <a:noFill/>
-          </a:ln>
-        </p:spPr>
-        <p:style>
-          <a:lnRef idx="2">
-            <a:schemeClr val="accent1">
-              <a:shade val="50000"/>
-            </a:schemeClr>
-          </a:lnRef>
-          <a:fillRef idx="1">
-            <a:schemeClr val="accent1"/>
-          </a:fillRef>
-          <a:effectRef idx="0">
-            <a:schemeClr val="accent1"/>
-          </a:effectRef>
-          <a:fontRef idx="minor">
-            <a:schemeClr val="lt1"/>
-          </a:fontRef>
-        </p:style>
-        <p:txBody>
-          <a:bodyPr rtlCol="0" anchor="ctr"/>
-          <a:lstStyle/>
-          <a:p>
-            <a:pPr algn="ctr"/>
-            <a:endParaRPr lang="en-US"/>
-          </a:p>
-        </p:txBody>
-      </p:sp>
-    </p:spTree>
-    <p:extLst>
-      <p:ext uri="{BB962C8B-B14F-4D97-AF65-F5344CB8AC3E}">
-        <p14:creationId xmlns:p14="http://schemas.microsoft.com/office/powerpoint/2010/main" val="3328688464"/>
-      </p:ext>
-    </p:extLst>
-  </p:cSld>
-  <p:clrMapOvr>
-    <a:masterClrMapping/>
-  </p:clrMapOvr>
-</p:sld>
-</file>
-
-<file path=ppt/slides/slide5.xml><?xml version="1.0" encoding="utf-8"?>
-<p:sld xmlns:a="http://schemas.openxmlformats.org/drawingml/2006/main" xmlns:r="http://schemas.openxmlformats.org/officeDocument/2006/relationships" xmlns:p="http://schemas.openxmlformats.org/presentationml/2006/main">
-  <p:cSld>
-    <p:bg>
-      <p:bgPr>
-        <a:solidFill>
-          <a:schemeClr val="bg1"/>
-        </a:solidFill>
-        <a:effectLst/>
-      </p:bgPr>
-    </p:bg>
-    <p:spTree>
-      <p:nvGrpSpPr>
-        <p:cNvPr id="1" name=""/>
-        <p:cNvGrpSpPr/>
-        <p:nvPr/>
-      </p:nvGrpSpPr>
-      <p:grpSpPr>
-        <a:xfrm>
-          <a:off x="0" y="0"/>
-          <a:ext cx="0" cy="0"/>
-          <a:chOff x="0" y="0"/>
-          <a:chExt cx="0" cy="0"/>
-        </a:xfrm>
-      </p:grpSpPr>
-      <p:sp>
-        <p:nvSpPr>
-          <p:cNvPr id="2" name="Title 1">
-            <a:extLst>
-              <a:ext uri="{FF2B5EF4-FFF2-40B4-BE49-F238E27FC236}">
-                <a16:creationId xmlns:a16="http://schemas.microsoft.com/office/drawing/2014/main" id="{65F8D9E9-ECA4-F184-B926-A9ED73C2DF95}"/>
-              </a:ext>
-            </a:extLst>
-          </p:cNvPr>
-          <p:cNvSpPr>
-            <a:spLocks noGrp="1"/>
-          </p:cNvSpPr>
-          <p:nvPr>
-            <p:ph type="title"/>
-          </p:nvPr>
-        </p:nvSpPr>
-        <p:spPr>
-          <a:xfrm>
-            <a:off x="5868557" y="1138036"/>
-            <a:ext cx="5444382" cy="1402470"/>
-          </a:xfrm>
-        </p:spPr>
-        <p:txBody>
-          <a:bodyPr anchor="t">
-            <a:normAutofit/>
-          </a:bodyPr>
-          <a:lstStyle/>
-          <a:p>
-            <a:r>
-              <a:rPr lang="en-US" sz="3200"/>
-              <a:t>Sample Solution..</a:t>
-            </a:r>
-          </a:p>
-        </p:txBody>
-      </p:sp>
-      <p:cxnSp>
-        <p:nvCxnSpPr>
-          <p:cNvPr id="14" name="Straight Connector 13">
-            <a:extLst>
-              <a:ext uri="{FF2B5EF4-FFF2-40B4-BE49-F238E27FC236}">
-                <a16:creationId xmlns:a16="http://schemas.microsoft.com/office/drawing/2014/main" id="{1503BFE4-729B-D9D0-C17B-501E6AF1127A}"/>
-              </a:ext>
-              <a:ext uri="{C183D7F6-B498-43B3-948B-1728B52AA6E4}">
-                <adec:decorative xmlns:adec="http://schemas.microsoft.com/office/drawing/2017/decorative" val="1"/>
-              </a:ext>
-            </a:extLst>
-          </p:cNvPr>
-          <p:cNvCxnSpPr>
-            <a:cxnSpLocks noGrp="1" noRot="1" noChangeAspect="1" noMove="1" noResize="1" noEditPoints="1" noAdjustHandles="1" noChangeArrowheads="1" noChangeShapeType="1"/>
-          </p:cNvCxnSpPr>
-          <p:nvPr>
-            <p:extLst>
-              <p:ext uri="{386F3935-93C4-4BCD-93E2-E3B085C9AB24}">
-                <p16:designElem xmlns:p16="http://schemas.microsoft.com/office/powerpoint/2015/main" val="1"/>
-              </p:ext>
-            </p:extLst>
-          </p:nvPr>
-        </p:nvCxnSpPr>
-        <p:spPr>
-          <a:xfrm>
-            <a:off x="5971697" y="871146"/>
-            <a:ext cx="736939" cy="0"/>
-          </a:xfrm>
-          <a:prstGeom prst="line">
-            <a:avLst/>
-          </a:prstGeom>
-          <a:ln w="57150">
-            <a:solidFill>
-              <a:schemeClr val="accent4"/>
-            </a:solidFill>
-          </a:ln>
-        </p:spPr>
-        <p:style>
-          <a:lnRef idx="1">
-            <a:schemeClr val="accent1"/>
-          </a:lnRef>
-          <a:fillRef idx="0">
-            <a:schemeClr val="accent1"/>
-          </a:fillRef>
-          <a:effectRef idx="0">
-            <a:schemeClr val="accent1"/>
-          </a:effectRef>
-          <a:fontRef idx="minor">
-            <a:schemeClr val="tx1"/>
-          </a:fontRef>
-        </p:style>
-      </p:cxnSp>
-      <p:sp>
-        <p:nvSpPr>
-          <p:cNvPr id="9" name="Content Placeholder 8">
-            <a:extLst>
-              <a:ext uri="{FF2B5EF4-FFF2-40B4-BE49-F238E27FC236}">
-                <a16:creationId xmlns:a16="http://schemas.microsoft.com/office/drawing/2014/main" id="{5C451BD3-79D8-1C5B-6FCC-EED97B52D47D}"/>
-              </a:ext>
-            </a:extLst>
-          </p:cNvPr>
-          <p:cNvSpPr>
-            <a:spLocks noGrp="1"/>
-          </p:cNvSpPr>
-          <p:nvPr>
-            <p:ph idx="1"/>
-          </p:nvPr>
-        </p:nvSpPr>
-        <p:spPr>
-          <a:xfrm>
-            <a:off x="5868557" y="2551176"/>
-            <a:ext cx="5444382" cy="3591207"/>
-          </a:xfrm>
-        </p:spPr>
-        <p:txBody>
-          <a:bodyPr>
-            <a:normAutofit/>
-          </a:bodyPr>
-          <a:lstStyle/>
-          <a:p>
-            <a:r>
-              <a:rPr lang="en-US" sz="2000" dirty="0"/>
-              <a:t>Nobody is prefect.. This is only a reference</a:t>
-            </a:r>
-          </a:p>
-          <a:p>
-            <a:endParaRPr lang="en-US" sz="2000" dirty="0"/>
-          </a:p>
-          <a:p>
-            <a:r>
-              <a:rPr lang="en-US" sz="2000" dirty="0"/>
-              <a:t>Compare your answer to this sample:</a:t>
-            </a:r>
-          </a:p>
-          <a:p>
-            <a:r>
-              <a:rPr lang="en-US" sz="2000" dirty="0">
-                <a:hlinkClick r:id="rId2"/>
-              </a:rPr>
-              <a:t>https://miro.com/app/board/uXjVLNTuDhY=/</a:t>
-            </a:r>
-            <a:endParaRPr lang="en-US" sz="2000" dirty="0"/>
-          </a:p>
-          <a:p>
-            <a:endParaRPr lang="en-US" sz="2000" dirty="0"/>
-          </a:p>
-          <a:p>
-            <a:r>
-              <a:rPr lang="en-US" sz="2000" dirty="0"/>
-              <a:t>Submit to here:</a:t>
-            </a:r>
-          </a:p>
-          <a:p>
-            <a:r>
-              <a:rPr lang="en-US" sz="2000" dirty="0">
-                <a:hlinkClick r:id="rId3"/>
-              </a:rPr>
-              <a:t>https://classroom.github.com/a/J21YRYuh</a:t>
-            </a:r>
-            <a:endParaRPr lang="en-US" sz="2000" dirty="0"/>
-          </a:p>
-          <a:p>
-            <a:endParaRPr lang="en-US" sz="2000" dirty="0"/>
-          </a:p>
-          <a:p>
-            <a:endParaRPr lang="en-US" sz="2000" dirty="0"/>
-          </a:p>
-        </p:txBody>
-      </p:sp>
-      <p:pic>
-        <p:nvPicPr>
-          <p:cNvPr id="7" name="Picture 6" descr="A paper with writing on it&#10;&#10;Description automatically generated">
-            <a:extLst>
-              <a:ext uri="{FF2B5EF4-FFF2-40B4-BE49-F238E27FC236}">
-                <a16:creationId xmlns:a16="http://schemas.microsoft.com/office/drawing/2014/main" id="{D87920C2-BB38-0BE9-40D1-254D37FB5C30}"/>
-              </a:ext>
-            </a:extLst>
-          </p:cNvPr>
-          <p:cNvPicPr>
-            <a:picLocks noChangeAspect="1"/>
-          </p:cNvPicPr>
-          <p:nvPr/>
-        </p:nvPicPr>
-        <p:blipFill>
-          <a:blip r:embed="rId4">
-            <a:extLst>
-              <a:ext uri="{28A0092B-C50C-407E-A947-70E740481C1C}">
-                <a14:useLocalDpi xmlns:a14="http://schemas.microsoft.com/office/drawing/2010/main" val="0"/>
-              </a:ext>
-            </a:extLst>
-          </a:blip>
-          <a:stretch>
-            <a:fillRect/>
-          </a:stretch>
-        </p:blipFill>
-        <p:spPr>
-          <a:xfrm rot="5400000">
-            <a:off x="-857250" y="857250"/>
-            <a:ext cx="6858000" cy="5143500"/>
-          </a:xfrm>
-          <a:prstGeom prst="rect">
-            <a:avLst/>
-          </a:prstGeom>
-        </p:spPr>
-      </p:pic>
-    </p:spTree>
-    <p:extLst>
-      <p:ext uri="{BB962C8B-B14F-4D97-AF65-F5344CB8AC3E}">
-        <p14:creationId xmlns:p14="http://schemas.microsoft.com/office/powerpoint/2010/main" val="1823794922"/>
-      </p:ext>
-    </p:extLst>
-  </p:cSld>
-  <p:clrMapOvr>
-    <a:masterClrMapping/>
-  </p:clrMapOvr>
-</p:sld>
-</file>
-
-<file path=ppt/slides/slide6.xml><?xml version="1.0" encoding="utf-8"?>
-<p:sld xmlns:a="http://schemas.openxmlformats.org/drawingml/2006/main" xmlns:r="http://schemas.openxmlformats.org/officeDocument/2006/relationships" xmlns:p="http://schemas.openxmlformats.org/presentationml/2006/main">
-  <p:cSld>
-    <p:bg>
-      <p:bgPr>
-        <a:solidFill>
-          <a:schemeClr val="bg1"/>
-        </a:solidFill>
-        <a:effectLst/>
-      </p:bgPr>
-    </p:bg>
-    <p:spTree>
-      <p:nvGrpSpPr>
-        <p:cNvPr id="1" name=""/>
-        <p:cNvGrpSpPr/>
-        <p:nvPr/>
-      </p:nvGrpSpPr>
-      <p:grpSpPr>
-        <a:xfrm>
-          <a:off x="0" y="0"/>
-          <a:ext cx="0" cy="0"/>
-          <a:chOff x="0" y="0"/>
-          <a:chExt cx="0" cy="0"/>
-        </a:xfrm>
-      </p:grpSpPr>
-      <p:sp useBgFill="1">
-        <p:nvSpPr>
-          <p:cNvPr id="9" name="Rectangle 8">
-            <a:extLst>
-              <a:ext uri="{FF2B5EF4-FFF2-40B4-BE49-F238E27FC236}">
-                <a16:creationId xmlns:a16="http://schemas.microsoft.com/office/drawing/2014/main" id="{2B97F24A-32CE-4C1C-A50D-3016B394DCFB}"/>
-              </a:ext>
-              <a:ext uri="{C183D7F6-B498-43B3-948B-1728B52AA6E4}">
-                <adec:decorative xmlns:adec="http://schemas.microsoft.com/office/drawing/2017/decorative" val="1"/>
-              </a:ext>
-            </a:extLst>
-          </p:cNvPr>
-          <p:cNvSpPr>
-            <a:spLocks noGrp="1" noRot="1" noChangeAspect="1" noMove="1" noResize="1" noEditPoints="1" noAdjustHandles="1" noChangeArrowheads="1" noChangeShapeType="1" noTextEdit="1"/>
-          </p:cNvSpPr>
-          <p:nvPr>
-            <p:extLst>
-              <p:ext uri="{386F3935-93C4-4BCD-93E2-E3B085C9AB24}">
-                <p16:designElem xmlns:p16="http://schemas.microsoft.com/office/powerpoint/2015/main" val="1"/>
-              </p:ext>
-            </p:extLst>
-          </p:nvPr>
-        </p:nvSpPr>
-        <p:spPr>
-          <a:xfrm>
-            <a:off x="0" y="0"/>
-            <a:ext cx="12192000" cy="6858000"/>
-          </a:xfrm>
-          <a:prstGeom prst="rect">
-            <a:avLst/>
-          </a:prstGeom>
-          <a:ln>
-            <a:noFill/>
-          </a:ln>
-        </p:spPr>
-        <p:style>
-          <a:lnRef idx="2">
-            <a:schemeClr val="accent1">
-              <a:shade val="50000"/>
-            </a:schemeClr>
-          </a:lnRef>
-          <a:fillRef idx="1">
-            <a:schemeClr val="accent1"/>
-          </a:fillRef>
-          <a:effectRef idx="0">
-            <a:schemeClr val="accent1"/>
-          </a:effectRef>
-          <a:fontRef idx="minor">
-            <a:schemeClr val="lt1"/>
-          </a:fontRef>
-        </p:style>
-        <p:txBody>
-          <a:bodyPr rtlCol="0" anchor="ctr"/>
-          <a:lstStyle/>
-          <a:p>
-            <a:pPr algn="ctr"/>
-            <a:endParaRPr lang="en-US"/>
-          </a:p>
-        </p:txBody>
-      </p:sp>
-      <p:sp>
-        <p:nvSpPr>
-          <p:cNvPr id="2" name="Title 1">
-            <a:extLst>
-              <a:ext uri="{FF2B5EF4-FFF2-40B4-BE49-F238E27FC236}">
-                <a16:creationId xmlns:a16="http://schemas.microsoft.com/office/drawing/2014/main" id="{BB4526DD-91F5-35C0-EA32-1403E286F6BF}"/>
-              </a:ext>
-            </a:extLst>
-          </p:cNvPr>
-          <p:cNvSpPr>
-            <a:spLocks noGrp="1"/>
-          </p:cNvSpPr>
-          <p:nvPr>
-            <p:ph type="title"/>
-          </p:nvPr>
-        </p:nvSpPr>
-        <p:spPr>
-          <a:xfrm>
-            <a:off x="630936" y="639520"/>
-            <a:ext cx="3429000" cy="1719072"/>
-          </a:xfrm>
-        </p:spPr>
-        <p:txBody>
-          <a:bodyPr anchor="b">
-            <a:normAutofit/>
-          </a:bodyPr>
-          <a:lstStyle/>
-          <a:p>
-            <a:r>
-              <a:rPr lang="en-US" sz="3800"/>
-              <a:t>Update on the discussion board – 10 min</a:t>
-            </a:r>
-          </a:p>
-        </p:txBody>
-      </p:sp>
-      <p:sp>
-        <p:nvSpPr>
-          <p:cNvPr id="11" name="sketch line">
-            <a:extLst>
-              <a:ext uri="{FF2B5EF4-FFF2-40B4-BE49-F238E27FC236}">
-                <a16:creationId xmlns:a16="http://schemas.microsoft.com/office/drawing/2014/main" id="{CD8B4F24-440B-49E9-B85D-733523DC064B}"/>
-              </a:ext>
-              <a:ext uri="{C183D7F6-B498-43B3-948B-1728B52AA6E4}">
-                <adec:decorative xmlns:adec="http://schemas.microsoft.com/office/drawing/2017/decorative" val="1"/>
-              </a:ext>
-            </a:extLst>
-          </p:cNvPr>
-          <p:cNvSpPr>
-            <a:spLocks noGrp="1" noRot="1" noChangeAspect="1" noMove="1" noResize="1" noEditPoints="1" noAdjustHandles="1" noChangeArrowheads="1" noChangeShapeType="1" noTextEdit="1"/>
-          </p:cNvSpPr>
-          <p:nvPr>
-            <p:extLst>
-              <p:ext uri="{386F3935-93C4-4BCD-93E2-E3B085C9AB24}">
-                <p16:designElem xmlns:p16="http://schemas.microsoft.com/office/powerpoint/2015/main" val="1"/>
-              </p:ext>
-            </p:extLst>
-          </p:nvPr>
-        </p:nvSpPr>
-        <p:spPr>
-          <a:xfrm>
-            <a:off x="643278" y="2573756"/>
-            <a:ext cx="3255095" cy="18288"/>
-          </a:xfrm>
-          <a:custGeom>
-            <a:avLst/>
-            <a:gdLst>
-              <a:gd name="connsiteX0" fmla="*/ 0 w 3255095"/>
-              <a:gd name="connsiteY0" fmla="*/ 0 h 18288"/>
-              <a:gd name="connsiteX1" fmla="*/ 618468 w 3255095"/>
-              <a:gd name="connsiteY1" fmla="*/ 0 h 18288"/>
-              <a:gd name="connsiteX2" fmla="*/ 1269487 w 3255095"/>
-              <a:gd name="connsiteY2" fmla="*/ 0 h 18288"/>
-              <a:gd name="connsiteX3" fmla="*/ 1953057 w 3255095"/>
-              <a:gd name="connsiteY3" fmla="*/ 0 h 18288"/>
-              <a:gd name="connsiteX4" fmla="*/ 2636627 w 3255095"/>
-              <a:gd name="connsiteY4" fmla="*/ 0 h 18288"/>
-              <a:gd name="connsiteX5" fmla="*/ 3255095 w 3255095"/>
-              <a:gd name="connsiteY5" fmla="*/ 0 h 18288"/>
-              <a:gd name="connsiteX6" fmla="*/ 3255095 w 3255095"/>
-              <a:gd name="connsiteY6" fmla="*/ 18288 h 18288"/>
-              <a:gd name="connsiteX7" fmla="*/ 2538974 w 3255095"/>
-              <a:gd name="connsiteY7" fmla="*/ 18288 h 18288"/>
-              <a:gd name="connsiteX8" fmla="*/ 1822853 w 3255095"/>
-              <a:gd name="connsiteY8" fmla="*/ 18288 h 18288"/>
-              <a:gd name="connsiteX9" fmla="*/ 1171834 w 3255095"/>
-              <a:gd name="connsiteY9" fmla="*/ 18288 h 18288"/>
-              <a:gd name="connsiteX10" fmla="*/ 0 w 3255095"/>
-              <a:gd name="connsiteY10" fmla="*/ 18288 h 18288"/>
-              <a:gd name="connsiteX11" fmla="*/ 0 w 3255095"/>
-              <a:gd name="connsiteY11" fmla="*/ 0 h 18288"/>
-            </a:gdLst>
-            <a:ahLst/>
-            <a:cxnLst>
-              <a:cxn ang="0">
-                <a:pos x="connsiteX0" y="connsiteY0"/>
-              </a:cxn>
-              <a:cxn ang="0">
-                <a:pos x="connsiteX1" y="connsiteY1"/>
-              </a:cxn>
-              <a:cxn ang="0">
-                <a:pos x="connsiteX2" y="connsiteY2"/>
-              </a:cxn>
-              <a:cxn ang="0">
-                <a:pos x="connsiteX3" y="connsiteY3"/>
-              </a:cxn>
-              <a:cxn ang="0">
-                <a:pos x="connsiteX4" y="connsiteY4"/>
-              </a:cxn>
-              <a:cxn ang="0">
-                <a:pos x="connsiteX5" y="connsiteY5"/>
-              </a:cxn>
-              <a:cxn ang="0">
-                <a:pos x="connsiteX6" y="connsiteY6"/>
-              </a:cxn>
-              <a:cxn ang="0">
-                <a:pos x="connsiteX7" y="connsiteY7"/>
-              </a:cxn>
-              <a:cxn ang="0">
-                <a:pos x="connsiteX8" y="connsiteY8"/>
-              </a:cxn>
-              <a:cxn ang="0">
-                <a:pos x="connsiteX9" y="connsiteY9"/>
-              </a:cxn>
-              <a:cxn ang="0">
-                <a:pos x="connsiteX10" y="connsiteY10"/>
-              </a:cxn>
-              <a:cxn ang="0">
-                <a:pos x="connsiteX11" y="connsiteY11"/>
-              </a:cxn>
-            </a:cxnLst>
-            <a:rect l="l" t="t" r="r" b="b"/>
-            <a:pathLst>
-              <a:path w="3255095" h="18288" fill="none" extrusionOk="0">
-                <a:moveTo>
-                  <a:pt x="0" y="0"/>
-                </a:moveTo>
-                <a:cubicBezTo>
-                  <a:pt x="240201" y="-22123"/>
-                  <a:pt x="462021" y="-19623"/>
-                  <a:pt x="618468" y="0"/>
-                </a:cubicBezTo>
-                <a:cubicBezTo>
-                  <a:pt x="774915" y="19623"/>
-                  <a:pt x="974734" y="2035"/>
-                  <a:pt x="1269487" y="0"/>
-                </a:cubicBezTo>
-                <a:cubicBezTo>
-                  <a:pt x="1564240" y="-2035"/>
-                  <a:pt x="1733579" y="10639"/>
-                  <a:pt x="1953057" y="0"/>
-                </a:cubicBezTo>
-                <a:cubicBezTo>
-                  <a:pt x="2172535" y="-10639"/>
-                  <a:pt x="2453962" y="14018"/>
-                  <a:pt x="2636627" y="0"/>
-                </a:cubicBezTo>
-                <a:cubicBezTo>
-                  <a:pt x="2819292" y="-14018"/>
-                  <a:pt x="3121375" y="5399"/>
-                  <a:pt x="3255095" y="0"/>
-                </a:cubicBezTo>
-                <a:cubicBezTo>
-                  <a:pt x="3254386" y="8157"/>
-                  <a:pt x="3254682" y="12125"/>
-                  <a:pt x="3255095" y="18288"/>
-                </a:cubicBezTo>
-                <a:cubicBezTo>
-                  <a:pt x="3088545" y="23203"/>
-                  <a:pt x="2687475" y="7419"/>
-                  <a:pt x="2538974" y="18288"/>
-                </a:cubicBezTo>
-                <a:cubicBezTo>
-                  <a:pt x="2390473" y="29157"/>
-                  <a:pt x="2137381" y="-8959"/>
-                  <a:pt x="1822853" y="18288"/>
-                </a:cubicBezTo>
-                <a:cubicBezTo>
-                  <a:pt x="1508325" y="45535"/>
-                  <a:pt x="1466437" y="20385"/>
-                  <a:pt x="1171834" y="18288"/>
-                </a:cubicBezTo>
-                <a:cubicBezTo>
-                  <a:pt x="877231" y="16191"/>
-                  <a:pt x="561097" y="37643"/>
-                  <a:pt x="0" y="18288"/>
-                </a:cubicBezTo>
-                <a:cubicBezTo>
-                  <a:pt x="-46" y="12483"/>
-                  <a:pt x="-203" y="6491"/>
-                  <a:pt x="0" y="0"/>
-                </a:cubicBezTo>
-                <a:close/>
-              </a:path>
-              <a:path w="3255095" h="18288" stroke="0" extrusionOk="0">
-                <a:moveTo>
-                  <a:pt x="0" y="0"/>
-                </a:moveTo>
-                <a:cubicBezTo>
-                  <a:pt x="291965" y="19429"/>
-                  <a:pt x="363155" y="8568"/>
-                  <a:pt x="618468" y="0"/>
-                </a:cubicBezTo>
-                <a:cubicBezTo>
-                  <a:pt x="873781" y="-8568"/>
-                  <a:pt x="904459" y="-19505"/>
-                  <a:pt x="1171834" y="0"/>
-                </a:cubicBezTo>
-                <a:cubicBezTo>
-                  <a:pt x="1439209" y="19505"/>
-                  <a:pt x="1744369" y="9790"/>
-                  <a:pt x="1887955" y="0"/>
-                </a:cubicBezTo>
-                <a:cubicBezTo>
-                  <a:pt x="2031541" y="-9790"/>
-                  <a:pt x="2346378" y="21240"/>
-                  <a:pt x="2506423" y="0"/>
-                </a:cubicBezTo>
-                <a:cubicBezTo>
-                  <a:pt x="2666468" y="-21240"/>
-                  <a:pt x="2990257" y="30414"/>
-                  <a:pt x="3255095" y="0"/>
-                </a:cubicBezTo>
-                <a:cubicBezTo>
-                  <a:pt x="3254831" y="4493"/>
-                  <a:pt x="3255479" y="9472"/>
-                  <a:pt x="3255095" y="18288"/>
-                </a:cubicBezTo>
-                <a:cubicBezTo>
-                  <a:pt x="3120743" y="16690"/>
-                  <a:pt x="2759628" y="42462"/>
-                  <a:pt x="2604076" y="18288"/>
-                </a:cubicBezTo>
-                <a:cubicBezTo>
-                  <a:pt x="2448524" y="-5886"/>
-                  <a:pt x="2184336" y="19599"/>
-                  <a:pt x="1887955" y="18288"/>
-                </a:cubicBezTo>
-                <a:cubicBezTo>
-                  <a:pt x="1591574" y="16977"/>
-                  <a:pt x="1548845" y="6870"/>
-                  <a:pt x="1334589" y="18288"/>
-                </a:cubicBezTo>
-                <a:cubicBezTo>
-                  <a:pt x="1120333" y="29706"/>
-                  <a:pt x="996014" y="9662"/>
-                  <a:pt x="683570" y="18288"/>
-                </a:cubicBezTo>
-                <a:cubicBezTo>
-                  <a:pt x="371126" y="26914"/>
-                  <a:pt x="198687" y="16167"/>
-                  <a:pt x="0" y="18288"/>
-                </a:cubicBezTo>
-                <a:cubicBezTo>
-                  <a:pt x="843" y="9577"/>
-                  <a:pt x="371" y="6900"/>
-                  <a:pt x="0" y="0"/>
-                </a:cubicBezTo>
-                <a:close/>
-              </a:path>
-            </a:pathLst>
-          </a:custGeom>
-          <a:solidFill>
-            <a:schemeClr val="accent2"/>
-          </a:solidFill>
-          <a:ln w="38100" cap="rnd">
-            <a:solidFill>
-              <a:schemeClr val="accent2"/>
-            </a:solidFill>
-            <a:round/>
-            <a:extLst>
-              <a:ext uri="{C807C97D-BFC1-408E-A445-0C87EB9F89A2}">
-                <ask:lineSketchStyleProps xmlns:ask="http://schemas.microsoft.com/office/drawing/2018/sketchyshapes" sd="1219033472">
-                  <a:prstGeom prst="rect">
-                    <a:avLst/>
-                  </a:prstGeom>
-                  <ask:type>
-                    <ask:lineSketchFreehand/>
-                  </ask:type>
-                </ask:lineSketchStyleProps>
-              </a:ext>
-            </a:extLst>
-          </a:ln>
-        </p:spPr>
-        <p:style>
-          <a:lnRef idx="2">
-            <a:schemeClr val="accent1">
-              <a:shade val="50000"/>
-            </a:schemeClr>
-          </a:lnRef>
-          <a:fillRef idx="1">
-            <a:schemeClr val="accent1"/>
-          </a:fillRef>
-          <a:effectRef idx="0">
-            <a:schemeClr val="accent1"/>
-          </a:effectRef>
-          <a:fontRef idx="minor">
-            <a:schemeClr val="lt1"/>
-          </a:fontRef>
-        </p:style>
-        <p:txBody>
-          <a:bodyPr rtlCol="0" anchor="ctr"/>
-          <a:lstStyle/>
-          <a:p>
-            <a:pPr algn="ctr"/>
-            <a:endParaRPr lang="en-US"/>
-          </a:p>
-        </p:txBody>
-      </p:sp>
-      <p:sp>
-        <p:nvSpPr>
-          <p:cNvPr id="3" name="Content Placeholder 2">
-            <a:extLst>
-              <a:ext uri="{FF2B5EF4-FFF2-40B4-BE49-F238E27FC236}">
-                <a16:creationId xmlns:a16="http://schemas.microsoft.com/office/drawing/2014/main" id="{F447D734-ADA3-1757-B707-41833EA764FF}"/>
-              </a:ext>
-            </a:extLst>
-          </p:cNvPr>
-          <p:cNvSpPr>
-            <a:spLocks noGrp="1"/>
-          </p:cNvSpPr>
-          <p:nvPr>
-            <p:ph idx="1"/>
-          </p:nvPr>
-        </p:nvSpPr>
-        <p:spPr>
-          <a:xfrm>
-            <a:off x="630936" y="2807208"/>
-            <a:ext cx="3429000" cy="3410712"/>
-          </a:xfrm>
-        </p:spPr>
-        <p:txBody>
-          <a:bodyPr anchor="t">
-            <a:normAutofit/>
-          </a:bodyPr>
-          <a:lstStyle/>
-          <a:p>
-            <a:r>
-              <a:rPr lang="en-US" sz="1500" dirty="0"/>
-              <a:t>https://</a:t>
-            </a:r>
-            <a:r>
-              <a:rPr lang="en-US" sz="1500" dirty="0" err="1"/>
-              <a:t>miro.com</a:t>
-            </a:r>
-            <a:r>
-              <a:rPr lang="en-US" sz="1500" dirty="0"/>
-              <a:t>/app/board/</a:t>
-            </a:r>
-            <a:r>
-              <a:rPr lang="en-US" sz="1500" dirty="0" err="1"/>
-              <a:t>uXjVLNTuDhY</a:t>
-            </a:r>
-            <a:r>
-              <a:rPr lang="en-US" sz="1500" dirty="0"/>
-              <a:t>=/</a:t>
-            </a:r>
-          </a:p>
-          <a:p>
-            <a:r>
-              <a:rPr lang="en-US" sz="1500" dirty="0"/>
-              <a:t>Find your old board with system</a:t>
-            </a:r>
-          </a:p>
-          <a:p>
-            <a:r>
-              <a:rPr lang="en-US" sz="1500" dirty="0"/>
-              <a:t>Add a photo (so I can tell who you are)</a:t>
-            </a:r>
-          </a:p>
-          <a:p>
-            <a:r>
-              <a:rPr lang="en-US" sz="1500" dirty="0"/>
-              <a:t>Paste a copy of your answer</a:t>
-            </a:r>
-          </a:p>
-          <a:p>
-            <a:r>
-              <a:rPr lang="en-US" sz="1500" dirty="0"/>
-              <a:t>Tell us what you think between your answer and the sample answer</a:t>
-            </a:r>
-          </a:p>
-          <a:p>
-            <a:r>
-              <a:rPr lang="en-US" sz="1500" dirty="0"/>
-              <a:t>Do a screen capture of this – will be submitting</a:t>
-            </a:r>
-          </a:p>
-          <a:p>
-            <a:r>
-              <a:rPr lang="en-US" sz="1500" dirty="0"/>
-              <a:t>(if this is too slow, you can do it on your own board)</a:t>
-            </a:r>
-          </a:p>
-          <a:p>
-            <a:endParaRPr lang="en-US" sz="1500" dirty="0"/>
-          </a:p>
-        </p:txBody>
-      </p:sp>
-      <p:pic>
-        <p:nvPicPr>
-          <p:cNvPr id="4" name="Picture 3">
-            <a:extLst>
-              <a:ext uri="{FF2B5EF4-FFF2-40B4-BE49-F238E27FC236}">
-                <a16:creationId xmlns:a16="http://schemas.microsoft.com/office/drawing/2014/main" id="{77C5C9B9-EBA6-83B3-A4E7-8ECE63B0A007}"/>
-              </a:ext>
-            </a:extLst>
-          </p:cNvPr>
-          <p:cNvPicPr>
-            <a:picLocks noChangeAspect="1"/>
-          </p:cNvPicPr>
-          <p:nvPr/>
-        </p:nvPicPr>
-        <p:blipFill>
-          <a:blip/>
-          <a:stretch>
-            <a:fillRect/>
-          </a:stretch>
-        </p:blipFill>
-        <p:spPr>
-          <a:xfrm>
-            <a:off x="4654296" y="1599515"/>
-            <a:ext cx="6903720" cy="3658970"/>
-          </a:xfrm>
-          <a:prstGeom prst="rect">
-            <a:avLst/>
-          </a:prstGeom>
-        </p:spPr>
-      </p:pic>
-      <p:sp>
-        <p:nvSpPr>
-          <p:cNvPr id="5" name="TextBox 4">
-            <a:extLst>
-              <a:ext uri="{FF2B5EF4-FFF2-40B4-BE49-F238E27FC236}">
-                <a16:creationId xmlns:a16="http://schemas.microsoft.com/office/drawing/2014/main" id="{2E7F56D1-0EC6-6461-E07A-A5E0462E9583}"/>
-              </a:ext>
-            </a:extLst>
-          </p:cNvPr>
-          <p:cNvSpPr txBox="1"/>
-          <p:nvPr/>
-        </p:nvSpPr>
-        <p:spPr>
-          <a:xfrm>
-            <a:off x="5459506" y="5957047"/>
-            <a:ext cx="4359399" cy="369332"/>
-          </a:xfrm>
-          <a:prstGeom prst="rect">
-            <a:avLst/>
-          </a:prstGeom>
-          <a:noFill/>
-        </p:spPr>
-        <p:txBody>
-          <a:bodyPr wrap="none" rtlCol="0">
-            <a:spAutoFit/>
-          </a:bodyPr>
-          <a:lstStyle/>
-          <a:p>
-            <a:r>
-              <a:rPr lang="en-US" dirty="0"/>
-              <a:t>https://</a:t>
-            </a:r>
-            <a:r>
-              <a:rPr lang="en-US" dirty="0" err="1"/>
-              <a:t>classroom.github.com</a:t>
-            </a:r>
-            <a:r>
-              <a:rPr lang="en-US" dirty="0"/>
-              <a:t>/a/J21YRYuh</a:t>
-            </a:r>
-          </a:p>
-        </p:txBody>
-      </p:sp>
-    </p:spTree>
-    <p:extLst>
-      <p:ext uri="{BB962C8B-B14F-4D97-AF65-F5344CB8AC3E}">
-        <p14:creationId xmlns:p14="http://schemas.microsoft.com/office/powerpoint/2010/main" val="1548512231"/>
-      </p:ext>
-    </p:extLst>
-  </p:cSld>
-  <p:clrMapOvr>
-    <a:masterClrMapping/>
-  </p:clrMapOvr>
-</p:sld>
-</file>
-
-<file path=ppt/slides/slide7.xml><?xml version="1.0" encoding="utf-8"?>
-<p:sld xmlns:a="http://schemas.openxmlformats.org/drawingml/2006/main" xmlns:r="http://schemas.openxmlformats.org/officeDocument/2006/relationships" xmlns:p="http://schemas.openxmlformats.org/presentationml/2006/main">
-  <p:cSld>
-    <p:spTree>
-      <p:nvGrpSpPr>
-        <p:cNvPr id="1" name=""/>
-        <p:cNvGrpSpPr/>
-        <p:nvPr/>
-      </p:nvGrpSpPr>
-      <p:grpSpPr>
-        <a:xfrm>
-          <a:off x="0" y="0"/>
-          <a:ext cx="0" cy="0"/>
-          <a:chOff x="0" y="0"/>
-          <a:chExt cx="0" cy="0"/>
-        </a:xfrm>
-      </p:grpSpPr>
-      <p:sp>
-        <p:nvSpPr>
-          <p:cNvPr id="2" name="Title 1">
-            <a:extLst>
-              <a:ext uri="{FF2B5EF4-FFF2-40B4-BE49-F238E27FC236}">
-                <a16:creationId xmlns:a16="http://schemas.microsoft.com/office/drawing/2014/main" id="{5EBFDEBC-BD49-D23C-F1A0-9ED9011B5DE8}"/>
-              </a:ext>
-            </a:extLst>
-          </p:cNvPr>
-          <p:cNvSpPr>
-            <a:spLocks noGrp="1"/>
-          </p:cNvSpPr>
-          <p:nvPr>
-            <p:ph type="title"/>
-          </p:nvPr>
-        </p:nvSpPr>
-        <p:spPr/>
-        <p:txBody>
-          <a:bodyPr/>
-          <a:lstStyle/>
-          <a:p>
-            <a:r>
-              <a:rPr lang="en-US" dirty="0"/>
-              <a:t>Different Types of technical writings [5 min]</a:t>
-            </a:r>
-          </a:p>
-        </p:txBody>
-      </p:sp>
-      <p:sp>
-        <p:nvSpPr>
-          <p:cNvPr id="3" name="Content Placeholder 2">
-            <a:extLst>
-              <a:ext uri="{FF2B5EF4-FFF2-40B4-BE49-F238E27FC236}">
-                <a16:creationId xmlns:a16="http://schemas.microsoft.com/office/drawing/2014/main" id="{EFD67BB4-BCC0-EA4E-480D-DD8899ADFD67}"/>
-              </a:ext>
-            </a:extLst>
-          </p:cNvPr>
-          <p:cNvSpPr>
-            <a:spLocks noGrp="1"/>
-          </p:cNvSpPr>
-          <p:nvPr>
-            <p:ph idx="1"/>
-          </p:nvPr>
-        </p:nvSpPr>
-        <p:spPr/>
-        <p:txBody>
-          <a:bodyPr/>
-          <a:lstStyle/>
-          <a:p>
-            <a:r>
-              <a:rPr lang="en-US" sz="2800" dirty="0"/>
-              <a:t>https://</a:t>
-            </a:r>
-            <a:r>
-              <a:rPr lang="en-US" sz="2800" dirty="0" err="1"/>
-              <a:t>miro.com</a:t>
-            </a:r>
-            <a:r>
-              <a:rPr lang="en-US" sz="2800" dirty="0"/>
-              <a:t>/app/board/</a:t>
-            </a:r>
-            <a:r>
-              <a:rPr lang="en-US" sz="2800" dirty="0" err="1"/>
-              <a:t>uXjVLNTuDhY</a:t>
-            </a:r>
-            <a:r>
-              <a:rPr lang="en-US" sz="2800" dirty="0"/>
-              <a:t>=/</a:t>
-            </a:r>
-          </a:p>
-          <a:p>
-            <a:endParaRPr lang="en-US" dirty="0"/>
-          </a:p>
-          <a:p>
-            <a:endParaRPr lang="en-US" dirty="0"/>
-          </a:p>
-          <a:p>
-            <a:r>
-              <a:rPr lang="en-US" dirty="0"/>
-              <a:t>Academic Paper</a:t>
-            </a:r>
-          </a:p>
-          <a:p>
-            <a:r>
-              <a:rPr lang="en-US" dirty="0"/>
-              <a:t>Technical specification</a:t>
-            </a:r>
-          </a:p>
-          <a:p>
-            <a:r>
-              <a:rPr lang="en-US" dirty="0"/>
-              <a:t>Patents</a:t>
-            </a:r>
-          </a:p>
-          <a:p>
-            <a:r>
-              <a:rPr lang="en-US" dirty="0"/>
-              <a:t>??</a:t>
-            </a:r>
-          </a:p>
-          <a:p>
-            <a:r>
-              <a:rPr lang="en-US" dirty="0"/>
-              <a:t>??</a:t>
-            </a:r>
-          </a:p>
-          <a:p>
-            <a:endParaRPr lang="en-US" dirty="0"/>
-          </a:p>
-        </p:txBody>
-      </p:sp>
-    </p:spTree>
-    <p:extLst>
-      <p:ext uri="{BB962C8B-B14F-4D97-AF65-F5344CB8AC3E}">
-        <p14:creationId xmlns:p14="http://schemas.microsoft.com/office/powerpoint/2010/main" val="3778967687"/>
-      </p:ext>
-    </p:extLst>
-  </p:cSld>
-  <p:clrMapOvr>
-    <a:masterClrMapping/>
-  </p:clrMapOvr>
-</p:sld>
-</file>
-
-<file path=ppt/slides/slide8.xml><?xml version="1.0" encoding="utf-8"?>
-<p:sld xmlns:a="http://schemas.openxmlformats.org/drawingml/2006/main" xmlns:r="http://schemas.openxmlformats.org/officeDocument/2006/relationships" xmlns:p="http://schemas.openxmlformats.org/presentationml/2006/main">
-  <p:cSld>
-    <p:spTree>
-      <p:nvGrpSpPr>
-        <p:cNvPr id="1" name=""/>
-        <p:cNvGrpSpPr/>
-        <p:nvPr/>
-      </p:nvGrpSpPr>
-      <p:grpSpPr>
-        <a:xfrm>
-          <a:off x="0" y="0"/>
-          <a:ext cx="0" cy="0"/>
-          <a:chOff x="0" y="0"/>
-          <a:chExt cx="0" cy="0"/>
-        </a:xfrm>
-      </p:grpSpPr>
-      <p:sp>
-        <p:nvSpPr>
-          <p:cNvPr id="2" name="Title 1">
-            <a:extLst>
-              <a:ext uri="{FF2B5EF4-FFF2-40B4-BE49-F238E27FC236}">
-                <a16:creationId xmlns:a16="http://schemas.microsoft.com/office/drawing/2014/main" id="{A4524DBF-585C-8D4C-D08F-5424C8510F7D}"/>
-              </a:ext>
-            </a:extLst>
-          </p:cNvPr>
-          <p:cNvSpPr>
-            <a:spLocks noGrp="1"/>
-          </p:cNvSpPr>
-          <p:nvPr>
-            <p:ph type="title"/>
-          </p:nvPr>
-        </p:nvSpPr>
-        <p:spPr/>
-        <p:txBody>
-          <a:bodyPr/>
-          <a:lstStyle/>
-          <a:p>
-            <a:r>
-              <a:rPr lang="en-US" dirty="0"/>
-              <a:t>Patents</a:t>
-            </a:r>
-          </a:p>
-        </p:txBody>
-      </p:sp>
-      <p:sp>
-        <p:nvSpPr>
-          <p:cNvPr id="3" name="Content Placeholder 2">
-            <a:extLst>
-              <a:ext uri="{FF2B5EF4-FFF2-40B4-BE49-F238E27FC236}">
-                <a16:creationId xmlns:a16="http://schemas.microsoft.com/office/drawing/2014/main" id="{AF9FDE2F-43D7-3DEA-1086-0672F01E3E87}"/>
-              </a:ext>
-            </a:extLst>
-          </p:cNvPr>
-          <p:cNvSpPr>
-            <a:spLocks noGrp="1"/>
-          </p:cNvSpPr>
-          <p:nvPr>
-            <p:ph idx="1"/>
-          </p:nvPr>
-        </p:nvSpPr>
-        <p:spPr/>
-        <p:txBody>
-          <a:bodyPr/>
-          <a:lstStyle/>
-          <a:p>
-            <a:r>
-              <a:rPr lang="en-US" dirty="0"/>
-              <a:t>About Patent</a:t>
-            </a:r>
-          </a:p>
-        </p:txBody>
-      </p:sp>
-      <p:pic>
-        <p:nvPicPr>
-          <p:cNvPr id="4" name="Picture 3">
-            <a:extLst>
-              <a:ext uri="{FF2B5EF4-FFF2-40B4-BE49-F238E27FC236}">
-                <a16:creationId xmlns:a16="http://schemas.microsoft.com/office/drawing/2014/main" id="{A571F8F7-8E32-5683-D011-1693794EC5A1}"/>
-              </a:ext>
-            </a:extLst>
-          </p:cNvPr>
-          <p:cNvPicPr>
-            <a:picLocks noChangeAspect="1"/>
-          </p:cNvPicPr>
-          <p:nvPr/>
-        </p:nvPicPr>
-        <p:blipFill>
-          <a:blip r:embed="rId2"/>
-          <a:stretch>
-            <a:fillRect/>
-          </a:stretch>
-        </p:blipFill>
-        <p:spPr>
-          <a:xfrm>
-            <a:off x="3797531" y="365125"/>
-            <a:ext cx="7772400" cy="4394228"/>
-          </a:xfrm>
-          <a:prstGeom prst="rect">
-            <a:avLst/>
-          </a:prstGeom>
-        </p:spPr>
-      </p:pic>
-    </p:spTree>
-    <p:extLst>
-      <p:ext uri="{BB962C8B-B14F-4D97-AF65-F5344CB8AC3E}">
-        <p14:creationId xmlns:p14="http://schemas.microsoft.com/office/powerpoint/2010/main" val="3380454873"/>
-      </p:ext>
-    </p:extLst>
-  </p:cSld>
-  <p:clrMapOvr>
-    <a:masterClrMapping/>
-  </p:clrMapOvr>
-</p:sld>
-</file>
-
-<file path=ppt/slides/slide9.xml><?xml version="1.0" encoding="utf-8"?>
 <p:sld xmlns:a="http://schemas.openxmlformats.org/drawingml/2006/main" xmlns:r="http://schemas.openxmlformats.org/officeDocument/2006/relationships" xmlns:p="http://schemas.openxmlformats.org/presentationml/2006/main">
   <p:cSld>
     <p:bg>
@@ -10407,6 +7522,3616 @@
       <p:bldP spid="2" grpId="0"/>
     </p:bldLst>
   </p:timing>
+</p:sld>
+</file>
+
+<file path=ppt/slides/slide11.xml><?xml version="1.0" encoding="utf-8"?>
+<p:sld xmlns:a="http://schemas.openxmlformats.org/drawingml/2006/main" xmlns:r="http://schemas.openxmlformats.org/officeDocument/2006/relationships" xmlns:p="http://schemas.openxmlformats.org/presentationml/2006/main">
+  <p:cSld>
+    <p:bg>
+      <p:bgPr>
+        <a:solidFill>
+          <a:schemeClr val="bg1"/>
+        </a:solidFill>
+        <a:effectLst/>
+      </p:bgPr>
+    </p:bg>
+    <p:spTree>
+      <p:nvGrpSpPr>
+        <p:cNvPr id="1" name=""/>
+        <p:cNvGrpSpPr/>
+        <p:nvPr/>
+      </p:nvGrpSpPr>
+      <p:grpSpPr>
+        <a:xfrm>
+          <a:off x="0" y="0"/>
+          <a:ext cx="0" cy="0"/>
+          <a:chOff x="0" y="0"/>
+          <a:chExt cx="0" cy="0"/>
+        </a:xfrm>
+      </p:grpSpPr>
+      <p:sp useBgFill="1">
+        <p:nvSpPr>
+          <p:cNvPr id="8" name="Rectangle 7">
+            <a:extLst>
+              <a:ext uri="{FF2B5EF4-FFF2-40B4-BE49-F238E27FC236}">
+                <a16:creationId xmlns:a16="http://schemas.microsoft.com/office/drawing/2014/main" id="{907EF6B7-1338-4443-8C46-6A318D952DFD}"/>
+              </a:ext>
+              <a:ext uri="{C183D7F6-B498-43B3-948B-1728B52AA6E4}">
+                <adec:decorative xmlns:adec="http://schemas.microsoft.com/office/drawing/2017/decorative" val="1"/>
+              </a:ext>
+            </a:extLst>
+          </p:cNvPr>
+          <p:cNvSpPr>
+            <a:spLocks noGrp="1" noRot="1" noChangeAspect="1" noMove="1" noResize="1" noEditPoints="1" noAdjustHandles="1" noChangeArrowheads="1" noChangeShapeType="1" noTextEdit="1"/>
+          </p:cNvSpPr>
+          <p:nvPr>
+            <p:extLst>
+              <p:ext uri="{386F3935-93C4-4BCD-93E2-E3B085C9AB24}">
+                <p16:designElem xmlns:p16="http://schemas.microsoft.com/office/powerpoint/2015/main" val="1"/>
+              </p:ext>
+            </p:extLst>
+          </p:nvPr>
+        </p:nvSpPr>
+        <p:spPr>
+          <a:xfrm>
+            <a:off x="3048" y="0"/>
+            <a:ext cx="12188952" cy="6858000"/>
+          </a:xfrm>
+          <a:prstGeom prst="rect">
+            <a:avLst/>
+          </a:prstGeom>
+          <a:ln>
+            <a:noFill/>
+          </a:ln>
+        </p:spPr>
+        <p:style>
+          <a:lnRef idx="2">
+            <a:schemeClr val="accent1">
+              <a:shade val="50000"/>
+            </a:schemeClr>
+          </a:lnRef>
+          <a:fillRef idx="1">
+            <a:schemeClr val="accent1"/>
+          </a:fillRef>
+          <a:effectRef idx="0">
+            <a:schemeClr val="accent1"/>
+          </a:effectRef>
+          <a:fontRef idx="minor">
+            <a:schemeClr val="lt1"/>
+          </a:fontRef>
+        </p:style>
+        <p:txBody>
+          <a:bodyPr rtlCol="0" anchor="ctr"/>
+          <a:lstStyle/>
+          <a:p>
+            <a:pPr algn="ctr"/>
+            <a:endParaRPr lang="en-US"/>
+          </a:p>
+        </p:txBody>
+      </p:sp>
+      <p:sp>
+        <p:nvSpPr>
+          <p:cNvPr id="10" name="Freeform: Shape 9">
+            <a:extLst>
+              <a:ext uri="{FF2B5EF4-FFF2-40B4-BE49-F238E27FC236}">
+                <a16:creationId xmlns:a16="http://schemas.microsoft.com/office/drawing/2014/main" id="{DAAE4CDD-124C-4DCF-9584-B6033B545DD5}"/>
+              </a:ext>
+              <a:ext uri="{C183D7F6-B498-43B3-948B-1728B52AA6E4}">
+                <adec:decorative xmlns:adec="http://schemas.microsoft.com/office/drawing/2017/decorative" val="1"/>
+              </a:ext>
+            </a:extLst>
+          </p:cNvPr>
+          <p:cNvSpPr>
+            <a:spLocks noGrp="1" noRot="1" noChangeAspect="1" noMove="1" noResize="1" noEditPoints="1" noAdjustHandles="1" noChangeArrowheads="1" noChangeShapeType="1" noTextEdit="1"/>
+          </p:cNvSpPr>
+          <p:nvPr>
+            <p:extLst>
+              <p:ext uri="{386F3935-93C4-4BCD-93E2-E3B085C9AB24}">
+                <p16:designElem xmlns:p16="http://schemas.microsoft.com/office/powerpoint/2015/main" val="1"/>
+              </p:ext>
+            </p:extLst>
+          </p:nvPr>
+        </p:nvSpPr>
+        <p:spPr>
+          <a:xfrm>
+            <a:off x="1" y="0"/>
+            <a:ext cx="4167271" cy="6858000"/>
+          </a:xfrm>
+          <a:custGeom>
+            <a:avLst/>
+            <a:gdLst>
+              <a:gd name="connsiteX0" fmla="*/ 0 w 4167271"/>
+              <a:gd name="connsiteY0" fmla="*/ 0 h 6858000"/>
+              <a:gd name="connsiteX1" fmla="*/ 2259550 w 4167271"/>
+              <a:gd name="connsiteY1" fmla="*/ 0 h 6858000"/>
+              <a:gd name="connsiteX2" fmla="*/ 2387803 w 4167271"/>
+              <a:gd name="connsiteY2" fmla="*/ 82222 h 6858000"/>
+              <a:gd name="connsiteX3" fmla="*/ 4167271 w 4167271"/>
+              <a:gd name="connsiteY3" fmla="*/ 3429000 h 6858000"/>
+              <a:gd name="connsiteX4" fmla="*/ 2387803 w 4167271"/>
+              <a:gd name="connsiteY4" fmla="*/ 6775779 h 6858000"/>
+              <a:gd name="connsiteX5" fmla="*/ 2259550 w 4167271"/>
+              <a:gd name="connsiteY5" fmla="*/ 6858000 h 6858000"/>
+              <a:gd name="connsiteX6" fmla="*/ 0 w 4167271"/>
+              <a:gd name="connsiteY6" fmla="*/ 6858000 h 6858000"/>
+            </a:gdLst>
+            <a:ahLst/>
+            <a:cxnLst>
+              <a:cxn ang="0">
+                <a:pos x="connsiteX0" y="connsiteY0"/>
+              </a:cxn>
+              <a:cxn ang="0">
+                <a:pos x="connsiteX1" y="connsiteY1"/>
+              </a:cxn>
+              <a:cxn ang="0">
+                <a:pos x="connsiteX2" y="connsiteY2"/>
+              </a:cxn>
+              <a:cxn ang="0">
+                <a:pos x="connsiteX3" y="connsiteY3"/>
+              </a:cxn>
+              <a:cxn ang="0">
+                <a:pos x="connsiteX4" y="connsiteY4"/>
+              </a:cxn>
+              <a:cxn ang="0">
+                <a:pos x="connsiteX5" y="connsiteY5"/>
+              </a:cxn>
+              <a:cxn ang="0">
+                <a:pos x="connsiteX6" y="connsiteY6"/>
+              </a:cxn>
+            </a:cxnLst>
+            <a:rect l="l" t="t" r="r" b="b"/>
+            <a:pathLst>
+              <a:path w="4167271" h="6858000">
+                <a:moveTo>
+                  <a:pt x="0" y="0"/>
+                </a:moveTo>
+                <a:lnTo>
+                  <a:pt x="2259550" y="0"/>
+                </a:lnTo>
+                <a:lnTo>
+                  <a:pt x="2387803" y="82222"/>
+                </a:lnTo>
+                <a:cubicBezTo>
+                  <a:pt x="3461407" y="807534"/>
+                  <a:pt x="4167271" y="2035835"/>
+                  <a:pt x="4167271" y="3429000"/>
+                </a:cubicBezTo>
+                <a:cubicBezTo>
+                  <a:pt x="4167271" y="4822165"/>
+                  <a:pt x="3461407" y="6050467"/>
+                  <a:pt x="2387803" y="6775779"/>
+                </a:cubicBezTo>
+                <a:lnTo>
+                  <a:pt x="2259550" y="6858000"/>
+                </a:lnTo>
+                <a:lnTo>
+                  <a:pt x="0" y="6858000"/>
+                </a:lnTo>
+                <a:close/>
+              </a:path>
+            </a:pathLst>
+          </a:custGeom>
+          <a:solidFill>
+            <a:schemeClr val="accent2"/>
+          </a:solidFill>
+          <a:ln>
+            <a:noFill/>
+          </a:ln>
+        </p:spPr>
+        <p:style>
+          <a:lnRef idx="2">
+            <a:schemeClr val="accent1">
+              <a:shade val="50000"/>
+            </a:schemeClr>
+          </a:lnRef>
+          <a:fillRef idx="1">
+            <a:schemeClr val="accent1"/>
+          </a:fillRef>
+          <a:effectRef idx="0">
+            <a:schemeClr val="accent1"/>
+          </a:effectRef>
+          <a:fontRef idx="minor">
+            <a:schemeClr val="lt1"/>
+          </a:fontRef>
+        </p:style>
+        <p:txBody>
+          <a:bodyPr rtlCol="0" anchor="ctr"/>
+          <a:lstStyle/>
+          <a:p>
+            <a:pPr algn="ctr"/>
+            <a:endParaRPr lang="en-US"/>
+          </a:p>
+        </p:txBody>
+      </p:sp>
+      <p:sp>
+        <p:nvSpPr>
+          <p:cNvPr id="2" name="Title 1">
+            <a:extLst>
+              <a:ext uri="{FF2B5EF4-FFF2-40B4-BE49-F238E27FC236}">
+                <a16:creationId xmlns:a16="http://schemas.microsoft.com/office/drawing/2014/main" id="{A61F52EF-C502-4B95-48C1-A800574B48ED}"/>
+              </a:ext>
+            </a:extLst>
+          </p:cNvPr>
+          <p:cNvSpPr>
+            <a:spLocks noGrp="1"/>
+          </p:cNvSpPr>
+          <p:nvPr>
+            <p:ph type="title"/>
+          </p:nvPr>
+        </p:nvSpPr>
+        <p:spPr>
+          <a:xfrm>
+            <a:off x="686834" y="1153572"/>
+            <a:ext cx="3200400" cy="4461163"/>
+          </a:xfrm>
+        </p:spPr>
+        <p:txBody>
+          <a:bodyPr>
+            <a:normAutofit/>
+          </a:bodyPr>
+          <a:lstStyle/>
+          <a:p>
+            <a:r>
+              <a:rPr lang="en-US">
+                <a:solidFill>
+                  <a:srgbClr val="FFFFFF"/>
+                </a:solidFill>
+              </a:rPr>
+              <a:t>Back to Syllabus: PID controller</a:t>
+            </a:r>
+          </a:p>
+        </p:txBody>
+      </p:sp>
+      <p:sp>
+        <p:nvSpPr>
+          <p:cNvPr id="12" name="Arc 11">
+            <a:extLst>
+              <a:ext uri="{FF2B5EF4-FFF2-40B4-BE49-F238E27FC236}">
+                <a16:creationId xmlns:a16="http://schemas.microsoft.com/office/drawing/2014/main" id="{081E4A58-353D-44AE-B2FC-2A74E2E400F7}"/>
+              </a:ext>
+              <a:ext uri="{C183D7F6-B498-43B3-948B-1728B52AA6E4}">
+                <adec:decorative xmlns:adec="http://schemas.microsoft.com/office/drawing/2017/decorative" val="1"/>
+              </a:ext>
+            </a:extLst>
+          </p:cNvPr>
+          <p:cNvSpPr>
+            <a:spLocks noGrp="1" noRot="1" noChangeAspect="1" noMove="1" noResize="1" noEditPoints="1" noAdjustHandles="1" noChangeArrowheads="1" noChangeShapeType="1" noTextEdit="1"/>
+          </p:cNvSpPr>
+          <p:nvPr>
+            <p:extLst>
+              <p:ext uri="{386F3935-93C4-4BCD-93E2-E3B085C9AB24}">
+                <p16:designElem xmlns:p16="http://schemas.microsoft.com/office/powerpoint/2015/main" val="1"/>
+              </p:ext>
+            </p:extLst>
+          </p:nvPr>
+        </p:nvSpPr>
+        <p:spPr>
+          <a:xfrm flipV="1">
+            <a:off x="7550402" y="2455479"/>
+            <a:ext cx="4083433" cy="4083433"/>
+          </a:xfrm>
+          <a:prstGeom prst="arc">
+            <a:avLst/>
+          </a:prstGeom>
+          <a:ln w="127000" cap="rnd">
+            <a:solidFill>
+              <a:schemeClr val="accent4"/>
+            </a:solidFill>
+            <a:prstDash val="dash"/>
+          </a:ln>
+        </p:spPr>
+        <p:style>
+          <a:lnRef idx="1">
+            <a:schemeClr val="accent1"/>
+          </a:lnRef>
+          <a:fillRef idx="0">
+            <a:schemeClr val="accent1"/>
+          </a:fillRef>
+          <a:effectRef idx="0">
+            <a:schemeClr val="accent1"/>
+          </a:effectRef>
+          <a:fontRef idx="minor">
+            <a:schemeClr val="tx1"/>
+          </a:fontRef>
+        </p:style>
+        <p:txBody>
+          <a:bodyPr rtlCol="0" anchor="ctr"/>
+          <a:lstStyle/>
+          <a:p>
+            <a:pPr algn="ctr"/>
+            <a:endParaRPr lang="en-US" dirty="0"/>
+          </a:p>
+        </p:txBody>
+      </p:sp>
+      <p:sp>
+        <p:nvSpPr>
+          <p:cNvPr id="3" name="Content Placeholder 2">
+            <a:extLst>
+              <a:ext uri="{FF2B5EF4-FFF2-40B4-BE49-F238E27FC236}">
+                <a16:creationId xmlns:a16="http://schemas.microsoft.com/office/drawing/2014/main" id="{3A40074D-9C1A-D80D-BB03-8EB3A69FF557}"/>
+              </a:ext>
+            </a:extLst>
+          </p:cNvPr>
+          <p:cNvSpPr>
+            <a:spLocks noGrp="1"/>
+          </p:cNvSpPr>
+          <p:nvPr>
+            <p:ph idx="1"/>
+          </p:nvPr>
+        </p:nvSpPr>
+        <p:spPr>
+          <a:xfrm>
+            <a:off x="4447308" y="591344"/>
+            <a:ext cx="6906491" cy="5585619"/>
+          </a:xfrm>
+        </p:spPr>
+        <p:txBody>
+          <a:bodyPr anchor="ctr">
+            <a:normAutofit/>
+          </a:bodyPr>
+          <a:lstStyle/>
+          <a:p>
+            <a:r>
+              <a:rPr lang="en-US" dirty="0">
+                <a:hlinkClick r:id="rId2"/>
+              </a:rPr>
+              <a:t>https://www.bilibili.com/video/BV1sVbseGEJz/</a:t>
+            </a:r>
+            <a:endParaRPr lang="en-US" dirty="0"/>
+          </a:p>
+          <a:p>
+            <a:endParaRPr lang="en-US" dirty="0"/>
+          </a:p>
+          <a:p>
+            <a:r>
+              <a:rPr lang="en-US" dirty="0">
+                <a:hlinkClick r:id="rId3"/>
+              </a:rPr>
+              <a:t>https://www.electricaltechnology.org/2015/10/what-is-pid-controller-how-it-works.html</a:t>
+            </a:r>
+            <a:endParaRPr lang="en-US" dirty="0"/>
+          </a:p>
+          <a:p>
+            <a:endParaRPr lang="en-US" dirty="0"/>
+          </a:p>
+          <a:p>
+            <a:r>
+              <a:rPr lang="en-US" dirty="0"/>
+              <a:t>Kahoot – Create a 10 question Kahoot! Based on the above information. No need to create teaching slides as these are all included.</a:t>
+            </a:r>
+          </a:p>
+        </p:txBody>
+      </p:sp>
+    </p:spTree>
+    <p:extLst>
+      <p:ext uri="{BB962C8B-B14F-4D97-AF65-F5344CB8AC3E}">
+        <p14:creationId xmlns:p14="http://schemas.microsoft.com/office/powerpoint/2010/main" val="3143584872"/>
+      </p:ext>
+    </p:extLst>
+  </p:cSld>
+  <p:clrMapOvr>
+    <a:masterClrMapping/>
+  </p:clrMapOvr>
+</p:sld>
+</file>
+
+<file path=ppt/slides/slide2.xml><?xml version="1.0" encoding="utf-8"?>
+<p:sld xmlns:a="http://schemas.openxmlformats.org/drawingml/2006/main" xmlns:r="http://schemas.openxmlformats.org/officeDocument/2006/relationships" xmlns:p="http://schemas.openxmlformats.org/presentationml/2006/main">
+  <p:cSld>
+    <p:bg>
+      <p:bgPr>
+        <a:solidFill>
+          <a:schemeClr val="bg1"/>
+        </a:solidFill>
+        <a:effectLst/>
+      </p:bgPr>
+    </p:bg>
+    <p:spTree>
+      <p:nvGrpSpPr>
+        <p:cNvPr id="1" name=""/>
+        <p:cNvGrpSpPr/>
+        <p:nvPr/>
+      </p:nvGrpSpPr>
+      <p:grpSpPr>
+        <a:xfrm>
+          <a:off x="0" y="0"/>
+          <a:ext cx="0" cy="0"/>
+          <a:chOff x="0" y="0"/>
+          <a:chExt cx="0" cy="0"/>
+        </a:xfrm>
+      </p:grpSpPr>
+      <p:sp useBgFill="1">
+        <p:nvSpPr>
+          <p:cNvPr id="9" name="Rectangle 8">
+            <a:extLst>
+              <a:ext uri="{FF2B5EF4-FFF2-40B4-BE49-F238E27FC236}">
+                <a16:creationId xmlns:a16="http://schemas.microsoft.com/office/drawing/2014/main" id="{7301F447-EEF7-48F5-AF73-7566EE7F64AD}"/>
+              </a:ext>
+              <a:ext uri="{C183D7F6-B498-43B3-948B-1728B52AA6E4}">
+                <adec:decorative xmlns:adec="http://schemas.microsoft.com/office/drawing/2017/decorative" val="1"/>
+              </a:ext>
+            </a:extLst>
+          </p:cNvPr>
+          <p:cNvSpPr>
+            <a:spLocks noGrp="1" noRot="1" noChangeAspect="1" noMove="1" noResize="1" noEditPoints="1" noAdjustHandles="1" noChangeArrowheads="1" noChangeShapeType="1" noTextEdit="1"/>
+          </p:cNvSpPr>
+          <p:nvPr>
+            <p:extLst>
+              <p:ext uri="{386F3935-93C4-4BCD-93E2-E3B085C9AB24}">
+                <p16:designElem xmlns:p16="http://schemas.microsoft.com/office/powerpoint/2015/main" val="1"/>
+              </p:ext>
+            </p:extLst>
+          </p:nvPr>
+        </p:nvSpPr>
+        <p:spPr>
+          <a:xfrm>
+            <a:off x="0" y="0"/>
+            <a:ext cx="12192000" cy="6858000"/>
+          </a:xfrm>
+          <a:prstGeom prst="rect">
+            <a:avLst/>
+          </a:prstGeom>
+          <a:ln>
+            <a:noFill/>
+          </a:ln>
+        </p:spPr>
+        <p:style>
+          <a:lnRef idx="2">
+            <a:schemeClr val="accent1">
+              <a:shade val="50000"/>
+            </a:schemeClr>
+          </a:lnRef>
+          <a:fillRef idx="1">
+            <a:schemeClr val="accent1"/>
+          </a:fillRef>
+          <a:effectRef idx="0">
+            <a:schemeClr val="accent1"/>
+          </a:effectRef>
+          <a:fontRef idx="minor">
+            <a:schemeClr val="lt1"/>
+          </a:fontRef>
+        </p:style>
+        <p:txBody>
+          <a:bodyPr rtlCol="0" anchor="ctr"/>
+          <a:lstStyle/>
+          <a:p>
+            <a:pPr algn="ctr"/>
+            <a:endParaRPr lang="en-US"/>
+          </a:p>
+        </p:txBody>
+      </p:sp>
+      <p:sp>
+        <p:nvSpPr>
+          <p:cNvPr id="2" name="Title 1">
+            <a:extLst>
+              <a:ext uri="{FF2B5EF4-FFF2-40B4-BE49-F238E27FC236}">
+                <a16:creationId xmlns:a16="http://schemas.microsoft.com/office/drawing/2014/main" id="{C653765D-1136-996C-0906-2FE825436F86}"/>
+              </a:ext>
+            </a:extLst>
+          </p:cNvPr>
+          <p:cNvSpPr>
+            <a:spLocks noGrp="1"/>
+          </p:cNvSpPr>
+          <p:nvPr>
+            <p:ph type="title"/>
+          </p:nvPr>
+        </p:nvSpPr>
+        <p:spPr>
+          <a:xfrm>
+            <a:off x="841248" y="334644"/>
+            <a:ext cx="10509504" cy="1076914"/>
+          </a:xfrm>
+        </p:spPr>
+        <p:txBody>
+          <a:bodyPr anchor="ctr">
+            <a:normAutofit/>
+          </a:bodyPr>
+          <a:lstStyle/>
+          <a:p>
+            <a:r>
+              <a:rPr lang="en-US" sz="4000"/>
+              <a:t>Exam question – the solution proposal</a:t>
+            </a:r>
+          </a:p>
+        </p:txBody>
+      </p:sp>
+      <p:sp>
+        <p:nvSpPr>
+          <p:cNvPr id="11" name="Rectangle 10">
+            <a:extLst>
+              <a:ext uri="{FF2B5EF4-FFF2-40B4-BE49-F238E27FC236}">
+                <a16:creationId xmlns:a16="http://schemas.microsoft.com/office/drawing/2014/main" id="{F7117410-A2A4-4085-9ADC-46744551DBDE}"/>
+              </a:ext>
+              <a:ext uri="{C183D7F6-B498-43B3-948B-1728B52AA6E4}">
+                <adec:decorative xmlns:adec="http://schemas.microsoft.com/office/drawing/2017/decorative" val="1"/>
+              </a:ext>
+            </a:extLst>
+          </p:cNvPr>
+          <p:cNvSpPr>
+            <a:spLocks noGrp="1" noRot="1" noChangeAspect="1" noMove="1" noResize="1" noEditPoints="1" noAdjustHandles="1" noChangeArrowheads="1" noChangeShapeType="1" noTextEdit="1"/>
+          </p:cNvSpPr>
+          <p:nvPr>
+            <p:extLst>
+              <p:ext uri="{386F3935-93C4-4BCD-93E2-E3B085C9AB24}">
+                <p16:designElem xmlns:p16="http://schemas.microsoft.com/office/powerpoint/2015/main" val="1"/>
+              </p:ext>
+            </p:extLst>
+          </p:nvPr>
+        </p:nvSpPr>
+        <p:spPr>
+          <a:xfrm>
+            <a:off x="842772" y="0"/>
+            <a:ext cx="10506456" cy="191386"/>
+          </a:xfrm>
+          <a:prstGeom prst="rect">
+            <a:avLst/>
+          </a:prstGeom>
+          <a:solidFill>
+            <a:schemeClr val="accent2"/>
+          </a:solidFill>
+          <a:ln>
+            <a:noFill/>
+          </a:ln>
+        </p:spPr>
+        <p:style>
+          <a:lnRef idx="2">
+            <a:schemeClr val="accent1">
+              <a:shade val="50000"/>
+            </a:schemeClr>
+          </a:lnRef>
+          <a:fillRef idx="1">
+            <a:schemeClr val="accent1"/>
+          </a:fillRef>
+          <a:effectRef idx="0">
+            <a:schemeClr val="accent1"/>
+          </a:effectRef>
+          <a:fontRef idx="minor">
+            <a:schemeClr val="lt1"/>
+          </a:fontRef>
+        </p:style>
+        <p:txBody>
+          <a:bodyPr rtlCol="0" anchor="ctr"/>
+          <a:lstStyle/>
+          <a:p>
+            <a:pPr algn="ctr"/>
+            <a:endParaRPr lang="en-US">
+              <a:solidFill>
+                <a:prstClr val="white"/>
+              </a:solidFill>
+              <a:latin typeface="Calibri" panose="020F0502020204030204"/>
+            </a:endParaRPr>
+          </a:p>
+        </p:txBody>
+      </p:sp>
+      <p:sp>
+        <p:nvSpPr>
+          <p:cNvPr id="13" name="Rectangle 12">
+            <a:extLst>
+              <a:ext uri="{FF2B5EF4-FFF2-40B4-BE49-F238E27FC236}">
+                <a16:creationId xmlns:a16="http://schemas.microsoft.com/office/drawing/2014/main" id="{99F74EB5-E547-4FB4-95F5-BCC788F3C4A0}"/>
+              </a:ext>
+              <a:ext uri="{C183D7F6-B498-43B3-948B-1728B52AA6E4}">
+                <adec:decorative xmlns:adec="http://schemas.microsoft.com/office/drawing/2017/decorative" val="1"/>
+              </a:ext>
+            </a:extLst>
+          </p:cNvPr>
+          <p:cNvSpPr>
+            <a:spLocks noGrp="1" noRot="1" noChangeAspect="1" noMove="1" noResize="1" noEditPoints="1" noAdjustHandles="1" noChangeArrowheads="1" noChangeShapeType="1" noTextEdit="1"/>
+          </p:cNvSpPr>
+          <p:nvPr>
+            <p:extLst>
+              <p:ext uri="{386F3935-93C4-4BCD-93E2-E3B085C9AB24}">
+                <p16:designElem xmlns:p16="http://schemas.microsoft.com/office/powerpoint/2015/main" val="1"/>
+              </p:ext>
+            </p:extLst>
+          </p:nvPr>
+        </p:nvSpPr>
+        <p:spPr>
+          <a:xfrm>
+            <a:off x="841248" y="1512994"/>
+            <a:ext cx="10506456" cy="18288"/>
+          </a:xfrm>
+          <a:prstGeom prst="rect">
+            <a:avLst/>
+          </a:prstGeom>
+          <a:solidFill>
+            <a:srgbClr val="D5D5D5"/>
+          </a:solidFill>
+          <a:ln w="3175">
+            <a:noFill/>
+          </a:ln>
+          <a:effectLst/>
+        </p:spPr>
+        <p:style>
+          <a:lnRef idx="2">
+            <a:schemeClr val="accent1">
+              <a:shade val="50000"/>
+            </a:schemeClr>
+          </a:lnRef>
+          <a:fillRef idx="1">
+            <a:schemeClr val="accent1"/>
+          </a:fillRef>
+          <a:effectRef idx="0">
+            <a:schemeClr val="accent1"/>
+          </a:effectRef>
+          <a:fontRef idx="minor">
+            <a:schemeClr val="lt1"/>
+          </a:fontRef>
+        </p:style>
+        <p:txBody>
+          <a:bodyPr rtlCol="0" anchor="ctr"/>
+          <a:lstStyle/>
+          <a:p>
+            <a:pPr marL="0" marR="0" lvl="0" indent="0" algn="ctr" defTabSz="914400" rtl="0" eaLnBrk="1" fontAlgn="auto" latinLnBrk="0" hangingPunct="1">
+              <a:lnSpc>
+                <a:spcPct val="100000"/>
+              </a:lnSpc>
+              <a:spcBef>
+                <a:spcPts val="0"/>
+              </a:spcBef>
+              <a:spcAft>
+                <a:spcPts val="0"/>
+              </a:spcAft>
+              <a:buClrTx/>
+              <a:buSzTx/>
+              <a:buFontTx/>
+              <a:buNone/>
+              <a:tabLst/>
+              <a:defRPr/>
+            </a:pPr>
+            <a:endParaRPr kumimoji="0" lang="en-US" sz="1800" b="0" i="0" u="none" strike="noStrike" kern="1200" cap="none" spc="0" normalizeH="0" baseline="0" noProof="0">
+              <a:ln>
+                <a:noFill/>
+              </a:ln>
+              <a:solidFill>
+                <a:prstClr val="white"/>
+              </a:solidFill>
+              <a:effectLst/>
+              <a:uLnTx/>
+              <a:uFillTx/>
+              <a:latin typeface="Calibri" panose="020F0502020204030204"/>
+              <a:ea typeface="+mn-ea"/>
+              <a:cs typeface="+mn-cs"/>
+            </a:endParaRPr>
+          </a:p>
+        </p:txBody>
+      </p:sp>
+      <p:graphicFrame>
+        <p:nvGraphicFramePr>
+          <p:cNvPr id="5" name="Content Placeholder 2">
+            <a:extLst>
+              <a:ext uri="{FF2B5EF4-FFF2-40B4-BE49-F238E27FC236}">
+                <a16:creationId xmlns:a16="http://schemas.microsoft.com/office/drawing/2014/main" id="{36FE2C78-BB0B-AF95-9938-1C6206F127A3}"/>
+              </a:ext>
+            </a:extLst>
+          </p:cNvPr>
+          <p:cNvGraphicFramePr>
+            <a:graphicFrameLocks noGrp="1"/>
+          </p:cNvGraphicFramePr>
+          <p:nvPr>
+            <p:ph idx="1"/>
+            <p:extLst>
+              <p:ext uri="{D42A27DB-BD31-4B8C-83A1-F6EECF244321}">
+                <p14:modId xmlns:p14="http://schemas.microsoft.com/office/powerpoint/2010/main" val="2129539206"/>
+              </p:ext>
+            </p:extLst>
+          </p:nvPr>
+        </p:nvGraphicFramePr>
+        <p:xfrm>
+          <a:off x="838200" y="1737360"/>
+          <a:ext cx="10506456" cy="4535424"/>
+        </p:xfrm>
+        <a:graphic>
+          <a:graphicData uri="http://schemas.openxmlformats.org/drawingml/2006/diagram">
+            <dgm:relIds xmlns:dgm="http://schemas.openxmlformats.org/drawingml/2006/diagram" xmlns:r="http://schemas.openxmlformats.org/officeDocument/2006/relationships" r:dm="rId2" r:lo="rId3" r:qs="rId4" r:cs="rId5"/>
+          </a:graphicData>
+        </a:graphic>
+      </p:graphicFrame>
+    </p:spTree>
+    <p:extLst>
+      <p:ext uri="{BB962C8B-B14F-4D97-AF65-F5344CB8AC3E}">
+        <p14:creationId xmlns:p14="http://schemas.microsoft.com/office/powerpoint/2010/main" val="1678823177"/>
+      </p:ext>
+    </p:extLst>
+  </p:cSld>
+  <p:clrMapOvr>
+    <a:masterClrMapping/>
+  </p:clrMapOvr>
+</p:sld>
+</file>
+
+<file path=ppt/slides/slide3.xml><?xml version="1.0" encoding="utf-8"?>
+<p:sld xmlns:a="http://schemas.openxmlformats.org/drawingml/2006/main" xmlns:r="http://schemas.openxmlformats.org/officeDocument/2006/relationships" xmlns:p="http://schemas.openxmlformats.org/presentationml/2006/main">
+  <p:cSld>
+    <p:bg>
+      <p:bgPr>
+        <a:solidFill>
+          <a:schemeClr val="bg1"/>
+        </a:solidFill>
+        <a:effectLst/>
+      </p:bgPr>
+    </p:bg>
+    <p:spTree>
+      <p:nvGrpSpPr>
+        <p:cNvPr id="1" name=""/>
+        <p:cNvGrpSpPr/>
+        <p:nvPr/>
+      </p:nvGrpSpPr>
+      <p:grpSpPr>
+        <a:xfrm>
+          <a:off x="0" y="0"/>
+          <a:ext cx="0" cy="0"/>
+          <a:chOff x="0" y="0"/>
+          <a:chExt cx="0" cy="0"/>
+        </a:xfrm>
+      </p:grpSpPr>
+      <p:sp>
+        <p:nvSpPr>
+          <p:cNvPr id="8" name="Rectangle 7">
+            <a:extLst>
+              <a:ext uri="{FF2B5EF4-FFF2-40B4-BE49-F238E27FC236}">
+                <a16:creationId xmlns:a16="http://schemas.microsoft.com/office/drawing/2014/main" id="{B34F5AD2-EDBD-4BBD-A55C-EAFFD0C7097A}"/>
+              </a:ext>
+              <a:ext uri="{C183D7F6-B498-43B3-948B-1728B52AA6E4}">
+                <adec:decorative xmlns:adec="http://schemas.microsoft.com/office/drawing/2017/decorative" val="1"/>
+              </a:ext>
+            </a:extLst>
+          </p:cNvPr>
+          <p:cNvSpPr>
+            <a:spLocks noGrp="1" noRot="1" noChangeAspect="1" noMove="1" noResize="1" noEditPoints="1" noAdjustHandles="1" noChangeArrowheads="1" noChangeShapeType="1" noTextEdit="1"/>
+          </p:cNvSpPr>
+          <p:nvPr>
+            <p:extLst>
+              <p:ext uri="{386F3935-93C4-4BCD-93E2-E3B085C9AB24}">
+                <p16:designElem xmlns:p16="http://schemas.microsoft.com/office/powerpoint/2015/main" val="1"/>
+              </p:ext>
+            </p:extLst>
+          </p:nvPr>
+        </p:nvSpPr>
+        <p:spPr>
+          <a:xfrm>
+            <a:off x="3740383" y="0"/>
+            <a:ext cx="8451607" cy="6858001"/>
+          </a:xfrm>
+          <a:prstGeom prst="rect">
+            <a:avLst/>
+          </a:prstGeom>
+          <a:solidFill>
+            <a:schemeClr val="bg1">
+              <a:lumMod val="95000"/>
+            </a:schemeClr>
+          </a:solidFill>
+          <a:ln>
+            <a:noFill/>
+          </a:ln>
+        </p:spPr>
+        <p:style>
+          <a:lnRef idx="2">
+            <a:schemeClr val="accent1">
+              <a:shade val="50000"/>
+            </a:schemeClr>
+          </a:lnRef>
+          <a:fillRef idx="1">
+            <a:schemeClr val="accent1"/>
+          </a:fillRef>
+          <a:effectRef idx="0">
+            <a:schemeClr val="accent1"/>
+          </a:effectRef>
+          <a:fontRef idx="minor">
+            <a:schemeClr val="lt1"/>
+          </a:fontRef>
+        </p:style>
+        <p:txBody>
+          <a:bodyPr rtlCol="0" anchor="ctr"/>
+          <a:lstStyle/>
+          <a:p>
+            <a:pPr algn="ctr"/>
+            <a:endParaRPr lang="en-US"/>
+          </a:p>
+        </p:txBody>
+      </p:sp>
+      <p:sp>
+        <p:nvSpPr>
+          <p:cNvPr id="10" name="Rectangle 9">
+            <a:extLst>
+              <a:ext uri="{FF2B5EF4-FFF2-40B4-BE49-F238E27FC236}">
+                <a16:creationId xmlns:a16="http://schemas.microsoft.com/office/drawing/2014/main" id="{C3896A03-3945-419A-B66B-4EE266EDD152}"/>
+              </a:ext>
+              <a:ext uri="{C183D7F6-B498-43B3-948B-1728B52AA6E4}">
+                <adec:decorative xmlns:adec="http://schemas.microsoft.com/office/drawing/2017/decorative" val="1"/>
+              </a:ext>
+            </a:extLst>
+          </p:cNvPr>
+          <p:cNvSpPr>
+            <a:spLocks noGrp="1" noRot="1" noChangeAspect="1" noMove="1" noResize="1" noEditPoints="1" noAdjustHandles="1" noChangeArrowheads="1" noChangeShapeType="1" noTextEdit="1"/>
+          </p:cNvSpPr>
+          <p:nvPr>
+            <p:extLst>
+              <p:ext uri="{386F3935-93C4-4BCD-93E2-E3B085C9AB24}">
+                <p16:designElem xmlns:p16="http://schemas.microsoft.com/office/powerpoint/2015/main" val="1"/>
+              </p:ext>
+            </p:extLst>
+          </p:nvPr>
+        </p:nvSpPr>
+        <p:spPr>
+          <a:xfrm>
+            <a:off x="10" y="0"/>
+            <a:ext cx="3745177" cy="6858001"/>
+          </a:xfrm>
+          <a:prstGeom prst="rect">
+            <a:avLst/>
+          </a:prstGeom>
+          <a:solidFill>
+            <a:schemeClr val="tx1">
+              <a:lumMod val="85000"/>
+              <a:lumOff val="15000"/>
+            </a:schemeClr>
+          </a:solidFill>
+          <a:ln>
+            <a:noFill/>
+          </a:ln>
+        </p:spPr>
+        <p:style>
+          <a:lnRef idx="2">
+            <a:schemeClr val="accent1">
+              <a:shade val="50000"/>
+            </a:schemeClr>
+          </a:lnRef>
+          <a:fillRef idx="1">
+            <a:schemeClr val="accent1"/>
+          </a:fillRef>
+          <a:effectRef idx="0">
+            <a:schemeClr val="accent1"/>
+          </a:effectRef>
+          <a:fontRef idx="minor">
+            <a:schemeClr val="lt1"/>
+          </a:fontRef>
+        </p:style>
+        <p:txBody>
+          <a:bodyPr rtlCol="0" anchor="ctr"/>
+          <a:lstStyle/>
+          <a:p>
+            <a:pPr algn="ctr"/>
+            <a:endParaRPr lang="en-US"/>
+          </a:p>
+        </p:txBody>
+      </p:sp>
+      <p:sp>
+        <p:nvSpPr>
+          <p:cNvPr id="2" name="Title 1">
+            <a:extLst>
+              <a:ext uri="{FF2B5EF4-FFF2-40B4-BE49-F238E27FC236}">
+                <a16:creationId xmlns:a16="http://schemas.microsoft.com/office/drawing/2014/main" id="{A71327BC-E52A-6E13-550C-FFFA2DB91907}"/>
+              </a:ext>
+            </a:extLst>
+          </p:cNvPr>
+          <p:cNvSpPr>
+            <a:spLocks noGrp="1"/>
+          </p:cNvSpPr>
+          <p:nvPr>
+            <p:ph type="title"/>
+          </p:nvPr>
+        </p:nvSpPr>
+        <p:spPr>
+          <a:xfrm>
+            <a:off x="1156852" y="637762"/>
+            <a:ext cx="2190782" cy="5576770"/>
+          </a:xfrm>
+        </p:spPr>
+        <p:txBody>
+          <a:bodyPr anchor="t">
+            <a:normAutofit/>
+          </a:bodyPr>
+          <a:lstStyle/>
+          <a:p>
+            <a:r>
+              <a:rPr lang="en-US" sz="3600">
+                <a:solidFill>
+                  <a:schemeClr val="bg1"/>
+                </a:solidFill>
+              </a:rPr>
+              <a:t>How to hand up homework with github</a:t>
+            </a:r>
+          </a:p>
+        </p:txBody>
+      </p:sp>
+      <p:sp>
+        <p:nvSpPr>
+          <p:cNvPr id="12" name="Rectangle 11">
+            <a:extLst>
+              <a:ext uri="{FF2B5EF4-FFF2-40B4-BE49-F238E27FC236}">
+                <a16:creationId xmlns:a16="http://schemas.microsoft.com/office/drawing/2014/main" id="{B8EAE243-3A9F-4A46-B0D9-04C723A8A1BD}"/>
+              </a:ext>
+              <a:ext uri="{C183D7F6-B498-43B3-948B-1728B52AA6E4}">
+                <adec:decorative xmlns:adec="http://schemas.microsoft.com/office/drawing/2017/decorative" val="1"/>
+              </a:ext>
+            </a:extLst>
+          </p:cNvPr>
+          <p:cNvSpPr>
+            <a:spLocks noGrp="1" noRot="1" noChangeAspect="1" noMove="1" noResize="1" noEditPoints="1" noAdjustHandles="1" noChangeArrowheads="1" noChangeShapeType="1" noTextEdit="1"/>
+          </p:cNvSpPr>
+          <p:nvPr>
+            <p:extLst>
+              <p:ext uri="{386F3935-93C4-4BCD-93E2-E3B085C9AB24}">
+                <p16:designElem xmlns:p16="http://schemas.microsoft.com/office/powerpoint/2015/main" val="1"/>
+              </p:ext>
+            </p:extLst>
+          </p:nvPr>
+        </p:nvSpPr>
+        <p:spPr>
+          <a:xfrm>
+            <a:off x="4654733" y="643465"/>
+            <a:ext cx="457200" cy="45720"/>
+          </a:xfrm>
+          <a:prstGeom prst="rect">
+            <a:avLst/>
+          </a:prstGeom>
+          <a:solidFill>
+            <a:schemeClr val="tx1"/>
+          </a:solidFill>
+          <a:ln>
+            <a:noFill/>
+          </a:ln>
+        </p:spPr>
+        <p:style>
+          <a:lnRef idx="2">
+            <a:schemeClr val="accent1">
+              <a:shade val="50000"/>
+            </a:schemeClr>
+          </a:lnRef>
+          <a:fillRef idx="1">
+            <a:schemeClr val="accent1"/>
+          </a:fillRef>
+          <a:effectRef idx="0">
+            <a:schemeClr val="accent1"/>
+          </a:effectRef>
+          <a:fontRef idx="minor">
+            <a:schemeClr val="lt1"/>
+          </a:fontRef>
+        </p:style>
+        <p:txBody>
+          <a:bodyPr rtlCol="0" anchor="ctr"/>
+          <a:lstStyle/>
+          <a:p>
+            <a:pPr algn="ctr"/>
+            <a:endParaRPr lang="en-US"/>
+          </a:p>
+        </p:txBody>
+      </p:sp>
+      <p:sp>
+        <p:nvSpPr>
+          <p:cNvPr id="3" name="Content Placeholder 2">
+            <a:extLst>
+              <a:ext uri="{FF2B5EF4-FFF2-40B4-BE49-F238E27FC236}">
+                <a16:creationId xmlns:a16="http://schemas.microsoft.com/office/drawing/2014/main" id="{23CFEE83-D5CD-87C8-93CF-C4FC5733DE0B}"/>
+              </a:ext>
+            </a:extLst>
+          </p:cNvPr>
+          <p:cNvSpPr>
+            <a:spLocks noGrp="1"/>
+          </p:cNvSpPr>
+          <p:nvPr>
+            <p:ph idx="1"/>
+          </p:nvPr>
+        </p:nvSpPr>
+        <p:spPr>
+          <a:xfrm>
+            <a:off x="4654732" y="850052"/>
+            <a:ext cx="6390623" cy="5326911"/>
+          </a:xfrm>
+        </p:spPr>
+        <p:txBody>
+          <a:bodyPr>
+            <a:normAutofit/>
+          </a:bodyPr>
+          <a:lstStyle/>
+          <a:p>
+            <a:r>
+              <a:rPr lang="en-US" sz="2400" dirty="0"/>
+              <a:t>Why am I going through all these trouble</a:t>
+            </a:r>
+          </a:p>
+          <a:p>
+            <a:pPr lvl="1"/>
+            <a:r>
+              <a:rPr lang="en-US" dirty="0"/>
+              <a:t>For students to get familiarized with the “real working world”</a:t>
+            </a:r>
+          </a:p>
+          <a:p>
+            <a:pPr lvl="1"/>
+            <a:endParaRPr lang="en-US" dirty="0"/>
+          </a:p>
+          <a:p>
+            <a:pPr lvl="1"/>
+            <a:endParaRPr lang="en-US" dirty="0"/>
+          </a:p>
+          <a:p>
+            <a:r>
+              <a:rPr lang="en-US" sz="2400" dirty="0" err="1"/>
+              <a:t>Github</a:t>
+            </a:r>
+            <a:r>
+              <a:rPr lang="en-US" sz="2400" dirty="0"/>
+              <a:t> App – have you downloaded?</a:t>
+            </a:r>
+          </a:p>
+          <a:p>
+            <a:pPr lvl="1"/>
+            <a:r>
+              <a:rPr lang="en-US" dirty="0"/>
+              <a:t>Android / iOS</a:t>
+            </a:r>
+          </a:p>
+          <a:p>
+            <a:r>
+              <a:rPr lang="en-US" sz="2400" dirty="0"/>
+              <a:t>Web app – could submit binary file (image file)</a:t>
+            </a:r>
+          </a:p>
+          <a:p>
+            <a:pPr marL="0" indent="0">
+              <a:buNone/>
+            </a:pPr>
+            <a:r>
+              <a:rPr lang="en-US" sz="2400" dirty="0"/>
+              <a:t>(Demo)</a:t>
+            </a:r>
+          </a:p>
+          <a:p>
+            <a:endParaRPr lang="en-US" sz="2400" dirty="0"/>
+          </a:p>
+          <a:p>
+            <a:r>
+              <a:rPr lang="en-US" sz="2400" dirty="0"/>
+              <a:t>Today to submit:</a:t>
+            </a:r>
+            <a:br>
+              <a:rPr lang="en-US" sz="2400" dirty="0"/>
+            </a:br>
+            <a:r>
+              <a:rPr lang="en-US" sz="2400" dirty="0"/>
+              <a:t>https://</a:t>
+            </a:r>
+            <a:r>
+              <a:rPr lang="en-US" sz="2400" dirty="0" err="1"/>
+              <a:t>classroom.github.com</a:t>
+            </a:r>
+            <a:r>
+              <a:rPr lang="en-US" sz="2400" dirty="0"/>
+              <a:t>/a/a7w6QKNN</a:t>
+            </a:r>
+          </a:p>
+          <a:p>
+            <a:endParaRPr lang="en-US" sz="2400" dirty="0"/>
+          </a:p>
+          <a:p>
+            <a:endParaRPr lang="en-US" sz="2400" dirty="0"/>
+          </a:p>
+        </p:txBody>
+      </p:sp>
+    </p:spTree>
+    <p:extLst>
+      <p:ext uri="{BB962C8B-B14F-4D97-AF65-F5344CB8AC3E}">
+        <p14:creationId xmlns:p14="http://schemas.microsoft.com/office/powerpoint/2010/main" val="1056844044"/>
+      </p:ext>
+    </p:extLst>
+  </p:cSld>
+  <p:clrMapOvr>
+    <a:masterClrMapping/>
+  </p:clrMapOvr>
+</p:sld>
+</file>
+
+<file path=ppt/slides/slide4.xml><?xml version="1.0" encoding="utf-8"?>
+<p:sld xmlns:a="http://schemas.openxmlformats.org/drawingml/2006/main" xmlns:r="http://schemas.openxmlformats.org/officeDocument/2006/relationships" xmlns:p="http://schemas.openxmlformats.org/presentationml/2006/main">
+  <p:cSld>
+    <p:bg>
+      <p:bgPr>
+        <a:solidFill>
+          <a:schemeClr val="bg1"/>
+        </a:solidFill>
+        <a:effectLst/>
+      </p:bgPr>
+    </p:bg>
+    <p:spTree>
+      <p:nvGrpSpPr>
+        <p:cNvPr id="1" name=""/>
+        <p:cNvGrpSpPr/>
+        <p:nvPr/>
+      </p:nvGrpSpPr>
+      <p:grpSpPr>
+        <a:xfrm>
+          <a:off x="0" y="0"/>
+          <a:ext cx="0" cy="0"/>
+          <a:chOff x="0" y="0"/>
+          <a:chExt cx="0" cy="0"/>
+        </a:xfrm>
+      </p:grpSpPr>
+      <p:sp useBgFill="1">
+        <p:nvSpPr>
+          <p:cNvPr id="15" name="Rectangle 14">
+            <a:extLst>
+              <a:ext uri="{FF2B5EF4-FFF2-40B4-BE49-F238E27FC236}">
+                <a16:creationId xmlns:a16="http://schemas.microsoft.com/office/drawing/2014/main" id="{F837543A-6020-4505-A233-C9DB4BF74011}"/>
+              </a:ext>
+              <a:ext uri="{C183D7F6-B498-43B3-948B-1728B52AA6E4}">
+                <adec:decorative xmlns:adec="http://schemas.microsoft.com/office/drawing/2017/decorative" val="1"/>
+              </a:ext>
+            </a:extLst>
+          </p:cNvPr>
+          <p:cNvSpPr>
+            <a:spLocks noGrp="1" noRot="1" noChangeAspect="1" noMove="1" noResize="1" noEditPoints="1" noAdjustHandles="1" noChangeArrowheads="1" noChangeShapeType="1" noTextEdit="1"/>
+          </p:cNvSpPr>
+          <p:nvPr>
+            <p:extLst>
+              <p:ext uri="{386F3935-93C4-4BCD-93E2-E3B085C9AB24}">
+                <p16:designElem xmlns:p16="http://schemas.microsoft.com/office/powerpoint/2015/main" val="1"/>
+              </p:ext>
+            </p:extLst>
+          </p:nvPr>
+        </p:nvSpPr>
+        <p:spPr>
+          <a:xfrm>
+            <a:off x="3048" y="0"/>
+            <a:ext cx="12188952" cy="6858000"/>
+          </a:xfrm>
+          <a:prstGeom prst="rect">
+            <a:avLst/>
+          </a:prstGeom>
+          <a:ln>
+            <a:noFill/>
+          </a:ln>
+        </p:spPr>
+        <p:style>
+          <a:lnRef idx="2">
+            <a:schemeClr val="accent1">
+              <a:shade val="50000"/>
+            </a:schemeClr>
+          </a:lnRef>
+          <a:fillRef idx="1">
+            <a:schemeClr val="accent1"/>
+          </a:fillRef>
+          <a:effectRef idx="0">
+            <a:schemeClr val="accent1"/>
+          </a:effectRef>
+          <a:fontRef idx="minor">
+            <a:schemeClr val="lt1"/>
+          </a:fontRef>
+        </p:style>
+        <p:txBody>
+          <a:bodyPr rtlCol="0" anchor="ctr"/>
+          <a:lstStyle/>
+          <a:p>
+            <a:pPr algn="ctr"/>
+            <a:endParaRPr lang="en-US"/>
+          </a:p>
+        </p:txBody>
+      </p:sp>
+      <p:sp>
+        <p:nvSpPr>
+          <p:cNvPr id="2" name="Title 1">
+            <a:extLst>
+              <a:ext uri="{FF2B5EF4-FFF2-40B4-BE49-F238E27FC236}">
+                <a16:creationId xmlns:a16="http://schemas.microsoft.com/office/drawing/2014/main" id="{9D6A9340-1B08-2197-D4C8-910C7E10DBF5}"/>
+              </a:ext>
+            </a:extLst>
+          </p:cNvPr>
+          <p:cNvSpPr>
+            <a:spLocks noGrp="1"/>
+          </p:cNvSpPr>
+          <p:nvPr>
+            <p:ph type="title"/>
+          </p:nvPr>
+        </p:nvSpPr>
+        <p:spPr>
+          <a:xfrm>
+            <a:off x="838200" y="365125"/>
+            <a:ext cx="5558489" cy="1325563"/>
+          </a:xfrm>
+        </p:spPr>
+        <p:txBody>
+          <a:bodyPr>
+            <a:normAutofit/>
+          </a:bodyPr>
+          <a:lstStyle/>
+          <a:p>
+            <a:r>
+              <a:rPr lang="en-US"/>
+              <a:t>What have I written in the 20 min?</a:t>
+            </a:r>
+          </a:p>
+        </p:txBody>
+      </p:sp>
+      <p:sp>
+        <p:nvSpPr>
+          <p:cNvPr id="17" name="Freeform: Shape 16">
+            <a:extLst>
+              <a:ext uri="{FF2B5EF4-FFF2-40B4-BE49-F238E27FC236}">
+                <a16:creationId xmlns:a16="http://schemas.microsoft.com/office/drawing/2014/main" id="{35B16301-FB18-48BA-A6DD-C37CAF6F9A18}"/>
+              </a:ext>
+              <a:ext uri="{C183D7F6-B498-43B3-948B-1728B52AA6E4}">
+                <adec:decorative xmlns:adec="http://schemas.microsoft.com/office/drawing/2017/decorative" val="1"/>
+              </a:ext>
+            </a:extLst>
+          </p:cNvPr>
+          <p:cNvSpPr>
+            <a:spLocks noGrp="1" noRot="1" noChangeAspect="1" noMove="1" noResize="1" noEditPoints="1" noAdjustHandles="1" noChangeArrowheads="1" noChangeShapeType="1" noTextEdit="1"/>
+          </p:cNvSpPr>
+          <p:nvPr>
+            <p:extLst>
+              <p:ext uri="{386F3935-93C4-4BCD-93E2-E3B085C9AB24}">
+                <p16:designElem xmlns:p16="http://schemas.microsoft.com/office/powerpoint/2015/main" val="1"/>
+              </p:ext>
+            </p:extLst>
+          </p:nvPr>
+        </p:nvSpPr>
+        <p:spPr>
+          <a:xfrm>
+            <a:off x="10208695" y="1"/>
+            <a:ext cx="1135066" cy="477997"/>
+          </a:xfrm>
+          <a:custGeom>
+            <a:avLst/>
+            <a:gdLst>
+              <a:gd name="connsiteX0" fmla="*/ 0 w 1135066"/>
+              <a:gd name="connsiteY0" fmla="*/ 0 h 477997"/>
+              <a:gd name="connsiteX1" fmla="*/ 1135066 w 1135066"/>
+              <a:gd name="connsiteY1" fmla="*/ 0 h 477997"/>
+              <a:gd name="connsiteX2" fmla="*/ 1133370 w 1135066"/>
+              <a:gd name="connsiteY2" fmla="*/ 16827 h 477997"/>
+              <a:gd name="connsiteX3" fmla="*/ 567533 w 1135066"/>
+              <a:gd name="connsiteY3" fmla="*/ 477997 h 477997"/>
+              <a:gd name="connsiteX4" fmla="*/ 1696 w 1135066"/>
+              <a:gd name="connsiteY4" fmla="*/ 16827 h 477997"/>
+            </a:gdLst>
+            <a:ahLst/>
+            <a:cxnLst>
+              <a:cxn ang="0">
+                <a:pos x="connsiteX0" y="connsiteY0"/>
+              </a:cxn>
+              <a:cxn ang="0">
+                <a:pos x="connsiteX1" y="connsiteY1"/>
+              </a:cxn>
+              <a:cxn ang="0">
+                <a:pos x="connsiteX2" y="connsiteY2"/>
+              </a:cxn>
+              <a:cxn ang="0">
+                <a:pos x="connsiteX3" y="connsiteY3"/>
+              </a:cxn>
+              <a:cxn ang="0">
+                <a:pos x="connsiteX4" y="connsiteY4"/>
+              </a:cxn>
+            </a:cxnLst>
+            <a:rect l="l" t="t" r="r" b="b"/>
+            <a:pathLst>
+              <a:path w="1135066" h="477997">
+                <a:moveTo>
+                  <a:pt x="0" y="0"/>
+                </a:moveTo>
+                <a:lnTo>
+                  <a:pt x="1135066" y="0"/>
+                </a:lnTo>
+                <a:lnTo>
+                  <a:pt x="1133370" y="16827"/>
+                </a:lnTo>
+                <a:cubicBezTo>
+                  <a:pt x="1079514" y="280016"/>
+                  <a:pt x="846644" y="477997"/>
+                  <a:pt x="567533" y="477997"/>
+                </a:cubicBezTo>
+                <a:cubicBezTo>
+                  <a:pt x="288422" y="477997"/>
+                  <a:pt x="55552" y="280016"/>
+                  <a:pt x="1696" y="16827"/>
+                </a:cubicBezTo>
+                <a:close/>
+              </a:path>
+            </a:pathLst>
+          </a:custGeom>
+          <a:solidFill>
+            <a:schemeClr val="accent5"/>
+          </a:solidFill>
+          <a:ln>
+            <a:noFill/>
+          </a:ln>
+        </p:spPr>
+        <p:style>
+          <a:lnRef idx="2">
+            <a:schemeClr val="accent1">
+              <a:shade val="50000"/>
+            </a:schemeClr>
+          </a:lnRef>
+          <a:fillRef idx="1">
+            <a:schemeClr val="accent1"/>
+          </a:fillRef>
+          <a:effectRef idx="0">
+            <a:schemeClr val="accent1"/>
+          </a:effectRef>
+          <a:fontRef idx="minor">
+            <a:schemeClr val="lt1"/>
+          </a:fontRef>
+        </p:style>
+        <p:txBody>
+          <a:bodyPr wrap="square" rtlCol="0" anchor="ctr">
+            <a:noAutofit/>
+          </a:bodyPr>
+          <a:lstStyle/>
+          <a:p>
+            <a:pPr algn="ctr"/>
+            <a:endParaRPr lang="en-US"/>
+          </a:p>
+        </p:txBody>
+      </p:sp>
+      <p:sp>
+        <p:nvSpPr>
+          <p:cNvPr id="3" name="Content Placeholder 2">
+            <a:extLst>
+              <a:ext uri="{FF2B5EF4-FFF2-40B4-BE49-F238E27FC236}">
+                <a16:creationId xmlns:a16="http://schemas.microsoft.com/office/drawing/2014/main" id="{2BB26A9D-A921-682D-9472-12BF557614C8}"/>
+              </a:ext>
+            </a:extLst>
+          </p:cNvPr>
+          <p:cNvSpPr>
+            <a:spLocks noGrp="1"/>
+          </p:cNvSpPr>
+          <p:nvPr>
+            <p:ph idx="1"/>
+          </p:nvPr>
+        </p:nvSpPr>
+        <p:spPr>
+          <a:xfrm>
+            <a:off x="838200" y="1825625"/>
+            <a:ext cx="5558489" cy="4351338"/>
+          </a:xfrm>
+        </p:spPr>
+        <p:txBody>
+          <a:bodyPr>
+            <a:normAutofit/>
+          </a:bodyPr>
+          <a:lstStyle/>
+          <a:p>
+            <a:r>
+              <a:rPr lang="en-US" sz="2200" dirty="0"/>
+              <a:t>As said, there is no right or wrong answer. This is just an exercise. But you need to do it as a learning process - we aren’t ducks to be fed</a:t>
+            </a:r>
+          </a:p>
+          <a:p>
+            <a:r>
+              <a:rPr lang="en-US" sz="2200" dirty="0"/>
+              <a:t>I am sharing my sample version of the 20 min technical writing here. What difference do you see between yours and mine?</a:t>
+            </a:r>
+          </a:p>
+          <a:p>
+            <a:r>
+              <a:rPr lang="en-US" sz="2200" dirty="0"/>
+              <a:t>10 min exercise: Write down Miro, what do you see the major difference between your answer and the sample answer. Is it difference in the focus? What have you learn?</a:t>
+            </a:r>
+          </a:p>
+        </p:txBody>
+      </p:sp>
+      <p:sp>
+        <p:nvSpPr>
+          <p:cNvPr id="19" name="Oval 18">
+            <a:extLst>
+              <a:ext uri="{FF2B5EF4-FFF2-40B4-BE49-F238E27FC236}">
+                <a16:creationId xmlns:a16="http://schemas.microsoft.com/office/drawing/2014/main" id="{C3C0D90E-074A-4F52-9B11-B52BEF4BCBE5}"/>
+              </a:ext>
+              <a:ext uri="{C183D7F6-B498-43B3-948B-1728B52AA6E4}">
+                <adec:decorative xmlns:adec="http://schemas.microsoft.com/office/drawing/2017/decorative" val="1"/>
+              </a:ext>
+            </a:extLst>
+          </p:cNvPr>
+          <p:cNvSpPr>
+            <a:spLocks noGrp="1" noRot="1" noChangeAspect="1" noMove="1" noResize="1" noEditPoints="1" noAdjustHandles="1" noChangeArrowheads="1" noChangeShapeType="1" noTextEdit="1"/>
+          </p:cNvSpPr>
+          <p:nvPr>
+            <p:extLst>
+              <p:ext uri="{386F3935-93C4-4BCD-93E2-E3B085C9AB24}">
+                <p16:designElem xmlns:p16="http://schemas.microsoft.com/office/powerpoint/2015/main" val="1"/>
+              </p:ext>
+            </p:extLst>
+          </p:nvPr>
+        </p:nvSpPr>
+        <p:spPr>
+          <a:xfrm>
+            <a:off x="6821310" y="2624479"/>
+            <a:ext cx="812427" cy="812427"/>
+          </a:xfrm>
+          <a:prstGeom prst="ellipse">
+            <a:avLst/>
+          </a:prstGeom>
+          <a:noFill/>
+          <a:ln w="127000">
+            <a:solidFill>
+              <a:schemeClr val="accent5"/>
+            </a:solidFill>
+          </a:ln>
+        </p:spPr>
+        <p:style>
+          <a:lnRef idx="2">
+            <a:schemeClr val="accent1">
+              <a:shade val="50000"/>
+            </a:schemeClr>
+          </a:lnRef>
+          <a:fillRef idx="1">
+            <a:schemeClr val="accent1"/>
+          </a:fillRef>
+          <a:effectRef idx="0">
+            <a:schemeClr val="accent1"/>
+          </a:effectRef>
+          <a:fontRef idx="minor">
+            <a:schemeClr val="lt1"/>
+          </a:fontRef>
+        </p:style>
+        <p:txBody>
+          <a:bodyPr rtlCol="0" anchor="ctr"/>
+          <a:lstStyle/>
+          <a:p>
+            <a:pPr algn="ctr"/>
+            <a:endParaRPr lang="en-US" dirty="0"/>
+          </a:p>
+        </p:txBody>
+      </p:sp>
+      <p:sp>
+        <p:nvSpPr>
+          <p:cNvPr id="21" name="Block Arc 20">
+            <a:extLst>
+              <a:ext uri="{FF2B5EF4-FFF2-40B4-BE49-F238E27FC236}">
+                <a16:creationId xmlns:a16="http://schemas.microsoft.com/office/drawing/2014/main" id="{CABBD4C1-E6F8-46F6-8152-A8A97490BF4D}"/>
+              </a:ext>
+              <a:ext uri="{C183D7F6-B498-43B3-948B-1728B52AA6E4}">
+                <adec:decorative xmlns:adec="http://schemas.microsoft.com/office/drawing/2017/decorative" val="1"/>
+              </a:ext>
+            </a:extLst>
+          </p:cNvPr>
+          <p:cNvSpPr>
+            <a:spLocks noGrp="1" noRot="1" noChangeAspect="1" noMove="1" noResize="1" noEditPoints="1" noAdjustHandles="1" noChangeArrowheads="1" noChangeShapeType="1" noTextEdit="1"/>
+          </p:cNvSpPr>
+          <p:nvPr>
+            <p:extLst>
+              <p:ext uri="{386F3935-93C4-4BCD-93E2-E3B085C9AB24}">
+                <p16:designElem xmlns:p16="http://schemas.microsoft.com/office/powerpoint/2015/main" val="1"/>
+              </p:ext>
+            </p:extLst>
+          </p:nvPr>
+        </p:nvSpPr>
+        <p:spPr>
+          <a:xfrm rot="16200000">
+            <a:off x="8912417" y="1218531"/>
+            <a:ext cx="2387600" cy="2387600"/>
+          </a:xfrm>
+          <a:prstGeom prst="blockArc">
+            <a:avLst/>
+          </a:prstGeom>
+          <a:solidFill>
+            <a:schemeClr val="accent2"/>
+          </a:solidFill>
+          <a:ln>
+            <a:noFill/>
+          </a:ln>
+        </p:spPr>
+        <p:style>
+          <a:lnRef idx="2">
+            <a:schemeClr val="accent1">
+              <a:shade val="50000"/>
+            </a:schemeClr>
+          </a:lnRef>
+          <a:fillRef idx="1">
+            <a:schemeClr val="accent1"/>
+          </a:fillRef>
+          <a:effectRef idx="0">
+            <a:schemeClr val="accent1"/>
+          </a:effectRef>
+          <a:fontRef idx="minor">
+            <a:schemeClr val="lt1"/>
+          </a:fontRef>
+        </p:style>
+        <p:txBody>
+          <a:bodyPr rtlCol="0" anchor="ctr"/>
+          <a:lstStyle/>
+          <a:p>
+            <a:pPr algn="ctr"/>
+            <a:endParaRPr lang="en-US">
+              <a:solidFill>
+                <a:schemeClr val="tx1"/>
+              </a:solidFill>
+            </a:endParaRPr>
+          </a:p>
+        </p:txBody>
+      </p:sp>
+      <p:sp>
+        <p:nvSpPr>
+          <p:cNvPr id="23" name="Freeform: Shape 22">
+            <a:extLst>
+              <a:ext uri="{FF2B5EF4-FFF2-40B4-BE49-F238E27FC236}">
+                <a16:creationId xmlns:a16="http://schemas.microsoft.com/office/drawing/2014/main" id="{83BA5EF5-1FE9-4BF9-83BB-269BCDDF6156}"/>
+              </a:ext>
+              <a:ext uri="{C183D7F6-B498-43B3-948B-1728B52AA6E4}">
+                <adec:decorative xmlns:adec="http://schemas.microsoft.com/office/drawing/2017/decorative" val="1"/>
+              </a:ext>
+            </a:extLst>
+          </p:cNvPr>
+          <p:cNvSpPr>
+            <a:spLocks noGrp="1" noRot="1" noChangeAspect="1" noMove="1" noResize="1" noEditPoints="1" noAdjustHandles="1" noChangeArrowheads="1" noChangeShapeType="1" noTextEdit="1"/>
+          </p:cNvSpPr>
+          <p:nvPr>
+            <p:extLst>
+              <p:ext uri="{386F3935-93C4-4BCD-93E2-E3B085C9AB24}">
+                <p16:designElem xmlns:p16="http://schemas.microsoft.com/office/powerpoint/2015/main" val="1"/>
+              </p:ext>
+            </p:extLst>
+          </p:nvPr>
+        </p:nvSpPr>
+        <p:spPr>
+          <a:xfrm>
+            <a:off x="6821310" y="0"/>
+            <a:ext cx="2315251" cy="1550992"/>
+          </a:xfrm>
+          <a:custGeom>
+            <a:avLst/>
+            <a:gdLst>
+              <a:gd name="connsiteX0" fmla="*/ 0 w 2315251"/>
+              <a:gd name="connsiteY0" fmla="*/ 0 h 1550992"/>
+              <a:gd name="connsiteX1" fmla="*/ 138700 w 2315251"/>
+              <a:gd name="connsiteY1" fmla="*/ 0 h 1550992"/>
+              <a:gd name="connsiteX2" fmla="*/ 138700 w 2315251"/>
+              <a:gd name="connsiteY2" fmla="*/ 1361400 h 1550992"/>
+              <a:gd name="connsiteX3" fmla="*/ 2107387 w 2315251"/>
+              <a:gd name="connsiteY3" fmla="*/ 222673 h 1550992"/>
+              <a:gd name="connsiteX4" fmla="*/ 1722420 w 2315251"/>
+              <a:gd name="connsiteY4" fmla="*/ 0 h 1550992"/>
+              <a:gd name="connsiteX5" fmla="*/ 1999436 w 2315251"/>
+              <a:gd name="connsiteY5" fmla="*/ 0 h 1550992"/>
+              <a:gd name="connsiteX6" fmla="*/ 2280549 w 2315251"/>
+              <a:gd name="connsiteY6" fmla="*/ 162605 h 1550992"/>
+              <a:gd name="connsiteX7" fmla="*/ 2305953 w 2315251"/>
+              <a:gd name="connsiteY7" fmla="*/ 257336 h 1550992"/>
+              <a:gd name="connsiteX8" fmla="*/ 2280549 w 2315251"/>
+              <a:gd name="connsiteY8" fmla="*/ 282740 h 1550992"/>
+              <a:gd name="connsiteX9" fmla="*/ 104026 w 2315251"/>
+              <a:gd name="connsiteY9" fmla="*/ 1541710 h 1550992"/>
+              <a:gd name="connsiteX10" fmla="*/ 69351 w 2315251"/>
+              <a:gd name="connsiteY10" fmla="*/ 1550992 h 1550992"/>
+              <a:gd name="connsiteX11" fmla="*/ 0 w 2315251"/>
+              <a:gd name="connsiteY11" fmla="*/ 1481643 h 1550992"/>
+            </a:gdLst>
+            <a:ahLst/>
+            <a:cxnLst>
+              <a:cxn ang="0">
+                <a:pos x="connsiteX0" y="connsiteY0"/>
+              </a:cxn>
+              <a:cxn ang="0">
+                <a:pos x="connsiteX1" y="connsiteY1"/>
+              </a:cxn>
+              <a:cxn ang="0">
+                <a:pos x="connsiteX2" y="connsiteY2"/>
+              </a:cxn>
+              <a:cxn ang="0">
+                <a:pos x="connsiteX3" y="connsiteY3"/>
+              </a:cxn>
+              <a:cxn ang="0">
+                <a:pos x="connsiteX4" y="connsiteY4"/>
+              </a:cxn>
+              <a:cxn ang="0">
+                <a:pos x="connsiteX5" y="connsiteY5"/>
+              </a:cxn>
+              <a:cxn ang="0">
+                <a:pos x="connsiteX6" y="connsiteY6"/>
+              </a:cxn>
+              <a:cxn ang="0">
+                <a:pos x="connsiteX7" y="connsiteY7"/>
+              </a:cxn>
+              <a:cxn ang="0">
+                <a:pos x="connsiteX8" y="connsiteY8"/>
+              </a:cxn>
+              <a:cxn ang="0">
+                <a:pos x="connsiteX9" y="connsiteY9"/>
+              </a:cxn>
+              <a:cxn ang="0">
+                <a:pos x="connsiteX10" y="connsiteY10"/>
+              </a:cxn>
+              <a:cxn ang="0">
+                <a:pos x="connsiteX11" y="connsiteY11"/>
+              </a:cxn>
+            </a:cxnLst>
+            <a:rect l="l" t="t" r="r" b="b"/>
+            <a:pathLst>
+              <a:path w="2315251" h="1550992">
+                <a:moveTo>
+                  <a:pt x="0" y="0"/>
+                </a:moveTo>
+                <a:lnTo>
+                  <a:pt x="138700" y="0"/>
+                </a:lnTo>
+                <a:lnTo>
+                  <a:pt x="138700" y="1361400"/>
+                </a:lnTo>
+                <a:lnTo>
+                  <a:pt x="2107387" y="222673"/>
+                </a:lnTo>
+                <a:lnTo>
+                  <a:pt x="1722420" y="0"/>
+                </a:lnTo>
+                <a:lnTo>
+                  <a:pt x="1999436" y="0"/>
+                </a:lnTo>
+                <a:lnTo>
+                  <a:pt x="2280549" y="162605"/>
+                </a:lnTo>
+                <a:cubicBezTo>
+                  <a:pt x="2313720" y="181745"/>
+                  <a:pt x="2325104" y="224155"/>
+                  <a:pt x="2305953" y="257336"/>
+                </a:cubicBezTo>
+                <a:cubicBezTo>
+                  <a:pt x="2299872" y="267889"/>
+                  <a:pt x="2291101" y="276648"/>
+                  <a:pt x="2280549" y="282740"/>
+                </a:cubicBezTo>
+                <a:lnTo>
+                  <a:pt x="104026" y="1541710"/>
+                </a:lnTo>
+                <a:cubicBezTo>
+                  <a:pt x="93484" y="1547802"/>
+                  <a:pt x="81523" y="1551003"/>
+                  <a:pt x="69351" y="1550992"/>
+                </a:cubicBezTo>
+                <a:cubicBezTo>
+                  <a:pt x="31049" y="1550992"/>
+                  <a:pt x="0" y="1519944"/>
+                  <a:pt x="0" y="1481643"/>
+                </a:cubicBezTo>
+                <a:close/>
+              </a:path>
+            </a:pathLst>
+          </a:custGeom>
+          <a:solidFill>
+            <a:schemeClr val="accent6"/>
+          </a:solidFill>
+          <a:ln w="9525" cap="flat">
+            <a:noFill/>
+            <a:prstDash val="solid"/>
+            <a:miter/>
+          </a:ln>
+        </p:spPr>
+        <p:txBody>
+          <a:bodyPr rtlCol="0" anchor="ctr"/>
+          <a:lstStyle/>
+          <a:p>
+            <a:endParaRPr lang="en-US" dirty="0"/>
+          </a:p>
+        </p:txBody>
+      </p:sp>
+      <p:cxnSp>
+        <p:nvCxnSpPr>
+          <p:cNvPr id="25" name="Straight Connector 24">
+            <a:extLst>
+              <a:ext uri="{FF2B5EF4-FFF2-40B4-BE49-F238E27FC236}">
+                <a16:creationId xmlns:a16="http://schemas.microsoft.com/office/drawing/2014/main" id="{4B3BCACB-5880-460B-9606-8C433A9AF99D}"/>
+              </a:ext>
+              <a:ext uri="{C183D7F6-B498-43B3-948B-1728B52AA6E4}">
+                <adec:decorative xmlns:adec="http://schemas.microsoft.com/office/drawing/2017/decorative" val="1"/>
+              </a:ext>
+            </a:extLst>
+          </p:cNvPr>
+          <p:cNvCxnSpPr>
+            <a:cxnSpLocks noGrp="1" noRot="1" noChangeAspect="1" noMove="1" noResize="1" noEditPoints="1" noAdjustHandles="1" noChangeArrowheads="1" noChangeShapeType="1"/>
+          </p:cNvCxnSpPr>
+          <p:nvPr>
+            <p:extLst>
+              <p:ext uri="{386F3935-93C4-4BCD-93E2-E3B085C9AB24}">
+                <p16:designElem xmlns:p16="http://schemas.microsoft.com/office/powerpoint/2015/main" val="1"/>
+              </p:ext>
+            </p:extLst>
+          </p:nvPr>
+        </p:nvCxnSpPr>
+        <p:spPr>
+          <a:xfrm>
+            <a:off x="11724638" y="1331572"/>
+            <a:ext cx="0" cy="1597708"/>
+          </a:xfrm>
+          <a:prstGeom prst="line">
+            <a:avLst/>
+          </a:prstGeom>
+          <a:ln w="127000" cap="rnd">
+            <a:solidFill>
+              <a:schemeClr val="accent4"/>
+            </a:solidFill>
+            <a:prstDash val="dash"/>
+          </a:ln>
+        </p:spPr>
+        <p:style>
+          <a:lnRef idx="1">
+            <a:schemeClr val="accent1"/>
+          </a:lnRef>
+          <a:fillRef idx="0">
+            <a:schemeClr val="accent1"/>
+          </a:fillRef>
+          <a:effectRef idx="0">
+            <a:schemeClr val="accent1"/>
+          </a:effectRef>
+          <a:fontRef idx="minor">
+            <a:schemeClr val="tx1"/>
+          </a:fontRef>
+        </p:style>
+      </p:cxnSp>
+      <p:sp>
+        <p:nvSpPr>
+          <p:cNvPr id="27" name="Freeform: Shape 26">
+            <a:extLst>
+              <a:ext uri="{FF2B5EF4-FFF2-40B4-BE49-F238E27FC236}">
+                <a16:creationId xmlns:a16="http://schemas.microsoft.com/office/drawing/2014/main" id="{88853921-7BC9-4BDE-ACAB-133C683C82D6}"/>
+              </a:ext>
+              <a:ext uri="{C183D7F6-B498-43B3-948B-1728B52AA6E4}">
+                <adec:decorative xmlns:adec="http://schemas.microsoft.com/office/drawing/2017/decorative" val="1"/>
+              </a:ext>
+            </a:extLst>
+          </p:cNvPr>
+          <p:cNvSpPr>
+            <a:spLocks noGrp="1" noRot="1" noChangeAspect="1" noMove="1" noResize="1" noEditPoints="1" noAdjustHandles="1" noChangeArrowheads="1" noChangeShapeType="1" noTextEdit="1"/>
+          </p:cNvSpPr>
+          <p:nvPr>
+            <p:extLst>
+              <p:ext uri="{386F3935-93C4-4BCD-93E2-E3B085C9AB24}">
+                <p16:designElem xmlns:p16="http://schemas.microsoft.com/office/powerpoint/2015/main" val="1"/>
+              </p:ext>
+            </p:extLst>
+          </p:nvPr>
+        </p:nvSpPr>
+        <p:spPr>
+          <a:xfrm>
+            <a:off x="11005550" y="4112081"/>
+            <a:ext cx="1186451" cy="1771650"/>
+          </a:xfrm>
+          <a:custGeom>
+            <a:avLst/>
+            <a:gdLst>
+              <a:gd name="connsiteX0" fmla="*/ 61913 w 1186451"/>
+              <a:gd name="connsiteY0" fmla="*/ 0 h 1771650"/>
+              <a:gd name="connsiteX1" fmla="*/ 1186451 w 1186451"/>
+              <a:gd name="connsiteY1" fmla="*/ 0 h 1771650"/>
+              <a:gd name="connsiteX2" fmla="*/ 1186451 w 1186451"/>
+              <a:gd name="connsiteY2" fmla="*/ 123825 h 1771650"/>
+              <a:gd name="connsiteX3" fmla="*/ 123825 w 1186451"/>
+              <a:gd name="connsiteY3" fmla="*/ 123825 h 1771650"/>
+              <a:gd name="connsiteX4" fmla="*/ 123825 w 1186451"/>
+              <a:gd name="connsiteY4" fmla="*/ 1647825 h 1771650"/>
+              <a:gd name="connsiteX5" fmla="*/ 1186451 w 1186451"/>
+              <a:gd name="connsiteY5" fmla="*/ 1647825 h 1771650"/>
+              <a:gd name="connsiteX6" fmla="*/ 1186451 w 1186451"/>
+              <a:gd name="connsiteY6" fmla="*/ 1771650 h 1771650"/>
+              <a:gd name="connsiteX7" fmla="*/ 61913 w 1186451"/>
+              <a:gd name="connsiteY7" fmla="*/ 1771650 h 1771650"/>
+              <a:gd name="connsiteX8" fmla="*/ 0 w 1186451"/>
+              <a:gd name="connsiteY8" fmla="*/ 1709738 h 1771650"/>
+              <a:gd name="connsiteX9" fmla="*/ 0 w 1186451"/>
+              <a:gd name="connsiteY9" fmla="*/ 61913 h 1771650"/>
+              <a:gd name="connsiteX10" fmla="*/ 61913 w 1186451"/>
+              <a:gd name="connsiteY10" fmla="*/ 0 h 1771650"/>
+            </a:gdLst>
+            <a:ahLst/>
+            <a:cxnLst>
+              <a:cxn ang="0">
+                <a:pos x="connsiteX0" y="connsiteY0"/>
+              </a:cxn>
+              <a:cxn ang="0">
+                <a:pos x="connsiteX1" y="connsiteY1"/>
+              </a:cxn>
+              <a:cxn ang="0">
+                <a:pos x="connsiteX2" y="connsiteY2"/>
+              </a:cxn>
+              <a:cxn ang="0">
+                <a:pos x="connsiteX3" y="connsiteY3"/>
+              </a:cxn>
+              <a:cxn ang="0">
+                <a:pos x="connsiteX4" y="connsiteY4"/>
+              </a:cxn>
+              <a:cxn ang="0">
+                <a:pos x="connsiteX5" y="connsiteY5"/>
+              </a:cxn>
+              <a:cxn ang="0">
+                <a:pos x="connsiteX6" y="connsiteY6"/>
+              </a:cxn>
+              <a:cxn ang="0">
+                <a:pos x="connsiteX7" y="connsiteY7"/>
+              </a:cxn>
+              <a:cxn ang="0">
+                <a:pos x="connsiteX8" y="connsiteY8"/>
+              </a:cxn>
+              <a:cxn ang="0">
+                <a:pos x="connsiteX9" y="connsiteY9"/>
+              </a:cxn>
+              <a:cxn ang="0">
+                <a:pos x="connsiteX10" y="connsiteY10"/>
+              </a:cxn>
+            </a:cxnLst>
+            <a:rect l="l" t="t" r="r" b="b"/>
+            <a:pathLst>
+              <a:path w="1186451" h="1771650">
+                <a:moveTo>
+                  <a:pt x="61913" y="0"/>
+                </a:moveTo>
+                <a:lnTo>
+                  <a:pt x="1186451" y="0"/>
+                </a:lnTo>
+                <a:lnTo>
+                  <a:pt x="1186451" y="123825"/>
+                </a:lnTo>
+                <a:lnTo>
+                  <a:pt x="123825" y="123825"/>
+                </a:lnTo>
+                <a:lnTo>
+                  <a:pt x="123825" y="1647825"/>
+                </a:lnTo>
+                <a:lnTo>
+                  <a:pt x="1186451" y="1647825"/>
+                </a:lnTo>
+                <a:lnTo>
+                  <a:pt x="1186451" y="1771650"/>
+                </a:lnTo>
+                <a:lnTo>
+                  <a:pt x="61913" y="1771650"/>
+                </a:lnTo>
+                <a:cubicBezTo>
+                  <a:pt x="27719" y="1771650"/>
+                  <a:pt x="0" y="1743932"/>
+                  <a:pt x="0" y="1709738"/>
+                </a:cubicBezTo>
+                <a:lnTo>
+                  <a:pt x="0" y="61913"/>
+                </a:lnTo>
+                <a:cubicBezTo>
+                  <a:pt x="0" y="27719"/>
+                  <a:pt x="27719" y="0"/>
+                  <a:pt x="61913" y="0"/>
+                </a:cubicBezTo>
+                <a:close/>
+              </a:path>
+            </a:pathLst>
+          </a:custGeom>
+          <a:solidFill>
+            <a:schemeClr val="accent6"/>
+          </a:solidFill>
+          <a:ln w="9525" cap="flat">
+            <a:noFill/>
+            <a:prstDash val="solid"/>
+            <a:miter/>
+          </a:ln>
+        </p:spPr>
+        <p:txBody>
+          <a:bodyPr rtlCol="0" anchor="ctr"/>
+          <a:lstStyle/>
+          <a:p>
+            <a:endParaRPr lang="en-US"/>
+          </a:p>
+        </p:txBody>
+      </p:sp>
+      <p:sp>
+        <p:nvSpPr>
+          <p:cNvPr id="29" name="Arc 28">
+            <a:extLst>
+              <a:ext uri="{FF2B5EF4-FFF2-40B4-BE49-F238E27FC236}">
+                <a16:creationId xmlns:a16="http://schemas.microsoft.com/office/drawing/2014/main" id="{09192968-3AE7-4470-A61C-97294BB92731}"/>
+              </a:ext>
+              <a:ext uri="{C183D7F6-B498-43B3-948B-1728B52AA6E4}">
+                <adec:decorative xmlns:adec="http://schemas.microsoft.com/office/drawing/2017/decorative" val="1"/>
+              </a:ext>
+            </a:extLst>
+          </p:cNvPr>
+          <p:cNvSpPr>
+            <a:spLocks noGrp="1" noRot="1" noChangeAspect="1" noMove="1" noResize="1" noEditPoints="1" noAdjustHandles="1" noChangeArrowheads="1" noChangeShapeType="1" noTextEdit="1"/>
+          </p:cNvSpPr>
+          <p:nvPr>
+            <p:extLst>
+              <p:ext uri="{386F3935-93C4-4BCD-93E2-E3B085C9AB24}">
+                <p16:designElem xmlns:p16="http://schemas.microsoft.com/office/powerpoint/2015/main" val="1"/>
+              </p:ext>
+            </p:extLst>
+          </p:nvPr>
+        </p:nvSpPr>
+        <p:spPr>
+          <a:xfrm rot="20992895">
+            <a:off x="6086940" y="4145122"/>
+            <a:ext cx="4083433" cy="4083433"/>
+          </a:xfrm>
+          <a:prstGeom prst="arc">
+            <a:avLst/>
+          </a:prstGeom>
+          <a:ln w="127000" cap="rnd">
+            <a:solidFill>
+              <a:schemeClr val="accent4"/>
+            </a:solidFill>
+            <a:prstDash val="dash"/>
+          </a:ln>
+        </p:spPr>
+        <p:style>
+          <a:lnRef idx="1">
+            <a:schemeClr val="accent1"/>
+          </a:lnRef>
+          <a:fillRef idx="0">
+            <a:schemeClr val="accent1"/>
+          </a:fillRef>
+          <a:effectRef idx="0">
+            <a:schemeClr val="accent1"/>
+          </a:effectRef>
+          <a:fontRef idx="minor">
+            <a:schemeClr val="tx1"/>
+          </a:fontRef>
+        </p:style>
+        <p:txBody>
+          <a:bodyPr rtlCol="0" anchor="ctr"/>
+          <a:lstStyle/>
+          <a:p>
+            <a:pPr algn="ctr"/>
+            <a:endParaRPr lang="en-US" dirty="0"/>
+          </a:p>
+        </p:txBody>
+      </p:sp>
+      <p:sp>
+        <p:nvSpPr>
+          <p:cNvPr id="31" name="Freeform: Shape 30">
+            <a:extLst>
+              <a:ext uri="{FF2B5EF4-FFF2-40B4-BE49-F238E27FC236}">
+                <a16:creationId xmlns:a16="http://schemas.microsoft.com/office/drawing/2014/main" id="{3AB72E55-43E4-4356-BFE8-E2102CB0B505}"/>
+              </a:ext>
+              <a:ext uri="{C183D7F6-B498-43B3-948B-1728B52AA6E4}">
+                <adec:decorative xmlns:adec="http://schemas.microsoft.com/office/drawing/2017/decorative" val="1"/>
+              </a:ext>
+            </a:extLst>
+          </p:cNvPr>
+          <p:cNvSpPr>
+            <a:spLocks noGrp="1" noRot="1" noChangeAspect="1" noMove="1" noResize="1" noEditPoints="1" noAdjustHandles="1" noChangeArrowheads="1" noChangeShapeType="1" noTextEdit="1"/>
+          </p:cNvSpPr>
+          <p:nvPr>
+            <p:extLst>
+              <p:ext uri="{386F3935-93C4-4BCD-93E2-E3B085C9AB24}">
+                <p16:designElem xmlns:p16="http://schemas.microsoft.com/office/powerpoint/2015/main" val="1"/>
+              </p:ext>
+            </p:extLst>
+          </p:nvPr>
+        </p:nvSpPr>
+        <p:spPr>
+          <a:xfrm>
+            <a:off x="6821310" y="4962670"/>
+            <a:ext cx="2643352" cy="1895331"/>
+          </a:xfrm>
+          <a:custGeom>
+            <a:avLst/>
+            <a:gdLst>
+              <a:gd name="connsiteX0" fmla="*/ 1321676 w 2643352"/>
+              <a:gd name="connsiteY0" fmla="*/ 0 h 1895331"/>
+              <a:gd name="connsiteX1" fmla="*/ 2643352 w 2643352"/>
+              <a:gd name="connsiteY1" fmla="*/ 1321676 h 1895331"/>
+              <a:gd name="connsiteX2" fmla="*/ 2539488 w 2643352"/>
+              <a:gd name="connsiteY2" fmla="*/ 1836132 h 1895331"/>
+              <a:gd name="connsiteX3" fmla="*/ 2510970 w 2643352"/>
+              <a:gd name="connsiteY3" fmla="*/ 1895331 h 1895331"/>
+              <a:gd name="connsiteX4" fmla="*/ 132382 w 2643352"/>
+              <a:gd name="connsiteY4" fmla="*/ 1895331 h 1895331"/>
+              <a:gd name="connsiteX5" fmla="*/ 103864 w 2643352"/>
+              <a:gd name="connsiteY5" fmla="*/ 1836132 h 1895331"/>
+              <a:gd name="connsiteX6" fmla="*/ 0 w 2643352"/>
+              <a:gd name="connsiteY6" fmla="*/ 1321676 h 1895331"/>
+              <a:gd name="connsiteX7" fmla="*/ 1321676 w 2643352"/>
+              <a:gd name="connsiteY7" fmla="*/ 0 h 1895331"/>
+            </a:gdLst>
+            <a:ahLst/>
+            <a:cxnLst>
+              <a:cxn ang="0">
+                <a:pos x="connsiteX0" y="connsiteY0"/>
+              </a:cxn>
+              <a:cxn ang="0">
+                <a:pos x="connsiteX1" y="connsiteY1"/>
+              </a:cxn>
+              <a:cxn ang="0">
+                <a:pos x="connsiteX2" y="connsiteY2"/>
+              </a:cxn>
+              <a:cxn ang="0">
+                <a:pos x="connsiteX3" y="connsiteY3"/>
+              </a:cxn>
+              <a:cxn ang="0">
+                <a:pos x="connsiteX4" y="connsiteY4"/>
+              </a:cxn>
+              <a:cxn ang="0">
+                <a:pos x="connsiteX5" y="connsiteY5"/>
+              </a:cxn>
+              <a:cxn ang="0">
+                <a:pos x="connsiteX6" y="connsiteY6"/>
+              </a:cxn>
+              <a:cxn ang="0">
+                <a:pos x="connsiteX7" y="connsiteY7"/>
+              </a:cxn>
+            </a:cxnLst>
+            <a:rect l="l" t="t" r="r" b="b"/>
+            <a:pathLst>
+              <a:path w="2643352" h="1895331">
+                <a:moveTo>
+                  <a:pt x="1321676" y="0"/>
+                </a:moveTo>
+                <a:cubicBezTo>
+                  <a:pt x="2051617" y="0"/>
+                  <a:pt x="2643352" y="591735"/>
+                  <a:pt x="2643352" y="1321676"/>
+                </a:cubicBezTo>
+                <a:cubicBezTo>
+                  <a:pt x="2643352" y="1504161"/>
+                  <a:pt x="2606369" y="1678009"/>
+                  <a:pt x="2539488" y="1836132"/>
+                </a:cubicBezTo>
+                <a:lnTo>
+                  <a:pt x="2510970" y="1895331"/>
+                </a:lnTo>
+                <a:lnTo>
+                  <a:pt x="132382" y="1895331"/>
+                </a:lnTo>
+                <a:lnTo>
+                  <a:pt x="103864" y="1836132"/>
+                </a:lnTo>
+                <a:cubicBezTo>
+                  <a:pt x="36984" y="1678009"/>
+                  <a:pt x="0" y="1504161"/>
+                  <a:pt x="0" y="1321676"/>
+                </a:cubicBezTo>
+                <a:cubicBezTo>
+                  <a:pt x="0" y="591735"/>
+                  <a:pt x="591735" y="0"/>
+                  <a:pt x="1321676" y="0"/>
+                </a:cubicBezTo>
+                <a:close/>
+              </a:path>
+            </a:pathLst>
+          </a:custGeom>
+          <a:solidFill>
+            <a:schemeClr val="accent2"/>
+          </a:solidFill>
+          <a:ln>
+            <a:noFill/>
+          </a:ln>
+        </p:spPr>
+        <p:style>
+          <a:lnRef idx="2">
+            <a:schemeClr val="accent1">
+              <a:shade val="50000"/>
+            </a:schemeClr>
+          </a:lnRef>
+          <a:fillRef idx="1">
+            <a:schemeClr val="accent1"/>
+          </a:fillRef>
+          <a:effectRef idx="0">
+            <a:schemeClr val="accent1"/>
+          </a:effectRef>
+          <a:fontRef idx="minor">
+            <a:schemeClr val="lt1"/>
+          </a:fontRef>
+        </p:style>
+        <p:txBody>
+          <a:bodyPr rtlCol="0" anchor="ctr"/>
+          <a:lstStyle/>
+          <a:p>
+            <a:pPr algn="ctr"/>
+            <a:endParaRPr lang="en-US"/>
+          </a:p>
+        </p:txBody>
+      </p:sp>
+    </p:spTree>
+    <p:extLst>
+      <p:ext uri="{BB962C8B-B14F-4D97-AF65-F5344CB8AC3E}">
+        <p14:creationId xmlns:p14="http://schemas.microsoft.com/office/powerpoint/2010/main" val="3328688464"/>
+      </p:ext>
+    </p:extLst>
+  </p:cSld>
+  <p:clrMapOvr>
+    <a:masterClrMapping/>
+  </p:clrMapOvr>
+</p:sld>
+</file>
+
+<file path=ppt/slides/slide5.xml><?xml version="1.0" encoding="utf-8"?>
+<p:sld xmlns:a="http://schemas.openxmlformats.org/drawingml/2006/main" xmlns:r="http://schemas.openxmlformats.org/officeDocument/2006/relationships" xmlns:p="http://schemas.openxmlformats.org/presentationml/2006/main">
+  <p:cSld>
+    <p:bg>
+      <p:bgPr>
+        <a:solidFill>
+          <a:schemeClr val="bg1"/>
+        </a:solidFill>
+        <a:effectLst/>
+      </p:bgPr>
+    </p:bg>
+    <p:spTree>
+      <p:nvGrpSpPr>
+        <p:cNvPr id="1" name=""/>
+        <p:cNvGrpSpPr/>
+        <p:nvPr/>
+      </p:nvGrpSpPr>
+      <p:grpSpPr>
+        <a:xfrm>
+          <a:off x="0" y="0"/>
+          <a:ext cx="0" cy="0"/>
+          <a:chOff x="0" y="0"/>
+          <a:chExt cx="0" cy="0"/>
+        </a:xfrm>
+      </p:grpSpPr>
+      <p:sp>
+        <p:nvSpPr>
+          <p:cNvPr id="2" name="Title 1">
+            <a:extLst>
+              <a:ext uri="{FF2B5EF4-FFF2-40B4-BE49-F238E27FC236}">
+                <a16:creationId xmlns:a16="http://schemas.microsoft.com/office/drawing/2014/main" id="{65F8D9E9-ECA4-F184-B926-A9ED73C2DF95}"/>
+              </a:ext>
+            </a:extLst>
+          </p:cNvPr>
+          <p:cNvSpPr>
+            <a:spLocks noGrp="1"/>
+          </p:cNvSpPr>
+          <p:nvPr>
+            <p:ph type="title"/>
+          </p:nvPr>
+        </p:nvSpPr>
+        <p:spPr>
+          <a:xfrm>
+            <a:off x="5868557" y="1138036"/>
+            <a:ext cx="5444382" cy="1402470"/>
+          </a:xfrm>
+        </p:spPr>
+        <p:txBody>
+          <a:bodyPr anchor="t">
+            <a:normAutofit/>
+          </a:bodyPr>
+          <a:lstStyle/>
+          <a:p>
+            <a:r>
+              <a:rPr lang="en-US" sz="3200"/>
+              <a:t>Sample Solution..</a:t>
+            </a:r>
+          </a:p>
+        </p:txBody>
+      </p:sp>
+      <p:cxnSp>
+        <p:nvCxnSpPr>
+          <p:cNvPr id="14" name="Straight Connector 13">
+            <a:extLst>
+              <a:ext uri="{FF2B5EF4-FFF2-40B4-BE49-F238E27FC236}">
+                <a16:creationId xmlns:a16="http://schemas.microsoft.com/office/drawing/2014/main" id="{1503BFE4-729B-D9D0-C17B-501E6AF1127A}"/>
+              </a:ext>
+              <a:ext uri="{C183D7F6-B498-43B3-948B-1728B52AA6E4}">
+                <adec:decorative xmlns:adec="http://schemas.microsoft.com/office/drawing/2017/decorative" val="1"/>
+              </a:ext>
+            </a:extLst>
+          </p:cNvPr>
+          <p:cNvCxnSpPr>
+            <a:cxnSpLocks noGrp="1" noRot="1" noChangeAspect="1" noMove="1" noResize="1" noEditPoints="1" noAdjustHandles="1" noChangeArrowheads="1" noChangeShapeType="1"/>
+          </p:cNvCxnSpPr>
+          <p:nvPr>
+            <p:extLst>
+              <p:ext uri="{386F3935-93C4-4BCD-93E2-E3B085C9AB24}">
+                <p16:designElem xmlns:p16="http://schemas.microsoft.com/office/powerpoint/2015/main" val="1"/>
+              </p:ext>
+            </p:extLst>
+          </p:nvPr>
+        </p:nvCxnSpPr>
+        <p:spPr>
+          <a:xfrm>
+            <a:off x="5971697" y="871146"/>
+            <a:ext cx="736939" cy="0"/>
+          </a:xfrm>
+          <a:prstGeom prst="line">
+            <a:avLst/>
+          </a:prstGeom>
+          <a:ln w="57150">
+            <a:solidFill>
+              <a:schemeClr val="accent4"/>
+            </a:solidFill>
+          </a:ln>
+        </p:spPr>
+        <p:style>
+          <a:lnRef idx="1">
+            <a:schemeClr val="accent1"/>
+          </a:lnRef>
+          <a:fillRef idx="0">
+            <a:schemeClr val="accent1"/>
+          </a:fillRef>
+          <a:effectRef idx="0">
+            <a:schemeClr val="accent1"/>
+          </a:effectRef>
+          <a:fontRef idx="minor">
+            <a:schemeClr val="tx1"/>
+          </a:fontRef>
+        </p:style>
+      </p:cxnSp>
+      <p:sp>
+        <p:nvSpPr>
+          <p:cNvPr id="9" name="Content Placeholder 8">
+            <a:extLst>
+              <a:ext uri="{FF2B5EF4-FFF2-40B4-BE49-F238E27FC236}">
+                <a16:creationId xmlns:a16="http://schemas.microsoft.com/office/drawing/2014/main" id="{5C451BD3-79D8-1C5B-6FCC-EED97B52D47D}"/>
+              </a:ext>
+            </a:extLst>
+          </p:cNvPr>
+          <p:cNvSpPr>
+            <a:spLocks noGrp="1"/>
+          </p:cNvSpPr>
+          <p:nvPr>
+            <p:ph idx="1"/>
+          </p:nvPr>
+        </p:nvSpPr>
+        <p:spPr>
+          <a:xfrm>
+            <a:off x="5868557" y="2551176"/>
+            <a:ext cx="5444382" cy="3591207"/>
+          </a:xfrm>
+        </p:spPr>
+        <p:txBody>
+          <a:bodyPr>
+            <a:normAutofit/>
+          </a:bodyPr>
+          <a:lstStyle/>
+          <a:p>
+            <a:r>
+              <a:rPr lang="en-US" sz="2000" dirty="0"/>
+              <a:t>Nobody is prefect.. This is only a reference</a:t>
+            </a:r>
+          </a:p>
+          <a:p>
+            <a:endParaRPr lang="en-US" sz="2000" dirty="0"/>
+          </a:p>
+          <a:p>
+            <a:r>
+              <a:rPr lang="en-US" sz="2000" dirty="0"/>
+              <a:t>Compare your answer to this sample:</a:t>
+            </a:r>
+          </a:p>
+          <a:p>
+            <a:r>
+              <a:rPr lang="en-US" sz="2000" dirty="0">
+                <a:hlinkClick r:id="rId2"/>
+              </a:rPr>
+              <a:t>https://miro.com/app/board/uXjVLNTuDhY=/</a:t>
+            </a:r>
+            <a:endParaRPr lang="en-US" sz="2000" dirty="0"/>
+          </a:p>
+          <a:p>
+            <a:endParaRPr lang="en-US" sz="2000" dirty="0"/>
+          </a:p>
+          <a:p>
+            <a:r>
+              <a:rPr lang="en-US" sz="2000" dirty="0"/>
+              <a:t>Submit to here:</a:t>
+            </a:r>
+          </a:p>
+          <a:p>
+            <a:r>
+              <a:rPr lang="en-US" sz="2000" dirty="0">
+                <a:hlinkClick r:id="rId3"/>
+              </a:rPr>
+              <a:t>https://classroom.github.com/a/J21YRYuh</a:t>
+            </a:r>
+            <a:endParaRPr lang="en-US" sz="2000" dirty="0"/>
+          </a:p>
+          <a:p>
+            <a:endParaRPr lang="en-US" sz="2000" dirty="0"/>
+          </a:p>
+          <a:p>
+            <a:endParaRPr lang="en-US" sz="2000" dirty="0"/>
+          </a:p>
+        </p:txBody>
+      </p:sp>
+      <p:pic>
+        <p:nvPicPr>
+          <p:cNvPr id="7" name="Picture 6" descr="A paper with writing on it&#10;&#10;Description automatically generated">
+            <a:extLst>
+              <a:ext uri="{FF2B5EF4-FFF2-40B4-BE49-F238E27FC236}">
+                <a16:creationId xmlns:a16="http://schemas.microsoft.com/office/drawing/2014/main" id="{D87920C2-BB38-0BE9-40D1-254D37FB5C30}"/>
+              </a:ext>
+            </a:extLst>
+          </p:cNvPr>
+          <p:cNvPicPr>
+            <a:picLocks noChangeAspect="1"/>
+          </p:cNvPicPr>
+          <p:nvPr/>
+        </p:nvPicPr>
+        <p:blipFill>
+          <a:blip r:embed="rId4">
+            <a:extLst>
+              <a:ext uri="{28A0092B-C50C-407E-A947-70E740481C1C}">
+                <a14:useLocalDpi xmlns:a14="http://schemas.microsoft.com/office/drawing/2010/main" val="0"/>
+              </a:ext>
+            </a:extLst>
+          </a:blip>
+          <a:stretch>
+            <a:fillRect/>
+          </a:stretch>
+        </p:blipFill>
+        <p:spPr>
+          <a:xfrm rot="5400000">
+            <a:off x="-857250" y="857250"/>
+            <a:ext cx="6858000" cy="5143500"/>
+          </a:xfrm>
+          <a:prstGeom prst="rect">
+            <a:avLst/>
+          </a:prstGeom>
+        </p:spPr>
+      </p:pic>
+    </p:spTree>
+    <p:extLst>
+      <p:ext uri="{BB962C8B-B14F-4D97-AF65-F5344CB8AC3E}">
+        <p14:creationId xmlns:p14="http://schemas.microsoft.com/office/powerpoint/2010/main" val="1823794922"/>
+      </p:ext>
+    </p:extLst>
+  </p:cSld>
+  <p:clrMapOvr>
+    <a:masterClrMapping/>
+  </p:clrMapOvr>
+</p:sld>
+</file>
+
+<file path=ppt/slides/slide6.xml><?xml version="1.0" encoding="utf-8"?>
+<p:sld xmlns:a="http://schemas.openxmlformats.org/drawingml/2006/main" xmlns:r="http://schemas.openxmlformats.org/officeDocument/2006/relationships" xmlns:p="http://schemas.openxmlformats.org/presentationml/2006/main">
+  <p:cSld>
+    <p:bg>
+      <p:bgPr>
+        <a:solidFill>
+          <a:schemeClr val="bg1"/>
+        </a:solidFill>
+        <a:effectLst/>
+      </p:bgPr>
+    </p:bg>
+    <p:spTree>
+      <p:nvGrpSpPr>
+        <p:cNvPr id="1" name=""/>
+        <p:cNvGrpSpPr/>
+        <p:nvPr/>
+      </p:nvGrpSpPr>
+      <p:grpSpPr>
+        <a:xfrm>
+          <a:off x="0" y="0"/>
+          <a:ext cx="0" cy="0"/>
+          <a:chOff x="0" y="0"/>
+          <a:chExt cx="0" cy="0"/>
+        </a:xfrm>
+      </p:grpSpPr>
+      <p:sp useBgFill="1">
+        <p:nvSpPr>
+          <p:cNvPr id="9" name="Rectangle 8">
+            <a:extLst>
+              <a:ext uri="{FF2B5EF4-FFF2-40B4-BE49-F238E27FC236}">
+                <a16:creationId xmlns:a16="http://schemas.microsoft.com/office/drawing/2014/main" id="{2B97F24A-32CE-4C1C-A50D-3016B394DCFB}"/>
+              </a:ext>
+              <a:ext uri="{C183D7F6-B498-43B3-948B-1728B52AA6E4}">
+                <adec:decorative xmlns:adec="http://schemas.microsoft.com/office/drawing/2017/decorative" val="1"/>
+              </a:ext>
+            </a:extLst>
+          </p:cNvPr>
+          <p:cNvSpPr>
+            <a:spLocks noGrp="1" noRot="1" noChangeAspect="1" noMove="1" noResize="1" noEditPoints="1" noAdjustHandles="1" noChangeArrowheads="1" noChangeShapeType="1" noTextEdit="1"/>
+          </p:cNvSpPr>
+          <p:nvPr>
+            <p:extLst>
+              <p:ext uri="{386F3935-93C4-4BCD-93E2-E3B085C9AB24}">
+                <p16:designElem xmlns:p16="http://schemas.microsoft.com/office/powerpoint/2015/main" val="1"/>
+              </p:ext>
+            </p:extLst>
+          </p:nvPr>
+        </p:nvSpPr>
+        <p:spPr>
+          <a:xfrm>
+            <a:off x="0" y="0"/>
+            <a:ext cx="12192000" cy="6858000"/>
+          </a:xfrm>
+          <a:prstGeom prst="rect">
+            <a:avLst/>
+          </a:prstGeom>
+          <a:ln>
+            <a:noFill/>
+          </a:ln>
+        </p:spPr>
+        <p:style>
+          <a:lnRef idx="2">
+            <a:schemeClr val="accent1">
+              <a:shade val="50000"/>
+            </a:schemeClr>
+          </a:lnRef>
+          <a:fillRef idx="1">
+            <a:schemeClr val="accent1"/>
+          </a:fillRef>
+          <a:effectRef idx="0">
+            <a:schemeClr val="accent1"/>
+          </a:effectRef>
+          <a:fontRef idx="minor">
+            <a:schemeClr val="lt1"/>
+          </a:fontRef>
+        </p:style>
+        <p:txBody>
+          <a:bodyPr rtlCol="0" anchor="ctr"/>
+          <a:lstStyle/>
+          <a:p>
+            <a:pPr algn="ctr"/>
+            <a:endParaRPr lang="en-US"/>
+          </a:p>
+        </p:txBody>
+      </p:sp>
+      <p:sp>
+        <p:nvSpPr>
+          <p:cNvPr id="2" name="Title 1">
+            <a:extLst>
+              <a:ext uri="{FF2B5EF4-FFF2-40B4-BE49-F238E27FC236}">
+                <a16:creationId xmlns:a16="http://schemas.microsoft.com/office/drawing/2014/main" id="{BB4526DD-91F5-35C0-EA32-1403E286F6BF}"/>
+              </a:ext>
+            </a:extLst>
+          </p:cNvPr>
+          <p:cNvSpPr>
+            <a:spLocks noGrp="1"/>
+          </p:cNvSpPr>
+          <p:nvPr>
+            <p:ph type="title"/>
+          </p:nvPr>
+        </p:nvSpPr>
+        <p:spPr>
+          <a:xfrm>
+            <a:off x="630936" y="639520"/>
+            <a:ext cx="3429000" cy="1719072"/>
+          </a:xfrm>
+        </p:spPr>
+        <p:txBody>
+          <a:bodyPr anchor="b">
+            <a:normAutofit/>
+          </a:bodyPr>
+          <a:lstStyle/>
+          <a:p>
+            <a:r>
+              <a:rPr lang="en-US" sz="3800"/>
+              <a:t>Update on the discussion board – 10 min</a:t>
+            </a:r>
+          </a:p>
+        </p:txBody>
+      </p:sp>
+      <p:sp>
+        <p:nvSpPr>
+          <p:cNvPr id="11" name="sketch line">
+            <a:extLst>
+              <a:ext uri="{FF2B5EF4-FFF2-40B4-BE49-F238E27FC236}">
+                <a16:creationId xmlns:a16="http://schemas.microsoft.com/office/drawing/2014/main" id="{CD8B4F24-440B-49E9-B85D-733523DC064B}"/>
+              </a:ext>
+              <a:ext uri="{C183D7F6-B498-43B3-948B-1728B52AA6E4}">
+                <adec:decorative xmlns:adec="http://schemas.microsoft.com/office/drawing/2017/decorative" val="1"/>
+              </a:ext>
+            </a:extLst>
+          </p:cNvPr>
+          <p:cNvSpPr>
+            <a:spLocks noGrp="1" noRot="1" noChangeAspect="1" noMove="1" noResize="1" noEditPoints="1" noAdjustHandles="1" noChangeArrowheads="1" noChangeShapeType="1" noTextEdit="1"/>
+          </p:cNvSpPr>
+          <p:nvPr>
+            <p:extLst>
+              <p:ext uri="{386F3935-93C4-4BCD-93E2-E3B085C9AB24}">
+                <p16:designElem xmlns:p16="http://schemas.microsoft.com/office/powerpoint/2015/main" val="1"/>
+              </p:ext>
+            </p:extLst>
+          </p:nvPr>
+        </p:nvSpPr>
+        <p:spPr>
+          <a:xfrm>
+            <a:off x="643278" y="2573756"/>
+            <a:ext cx="3255095" cy="18288"/>
+          </a:xfrm>
+          <a:custGeom>
+            <a:avLst/>
+            <a:gdLst>
+              <a:gd name="connsiteX0" fmla="*/ 0 w 3255095"/>
+              <a:gd name="connsiteY0" fmla="*/ 0 h 18288"/>
+              <a:gd name="connsiteX1" fmla="*/ 618468 w 3255095"/>
+              <a:gd name="connsiteY1" fmla="*/ 0 h 18288"/>
+              <a:gd name="connsiteX2" fmla="*/ 1269487 w 3255095"/>
+              <a:gd name="connsiteY2" fmla="*/ 0 h 18288"/>
+              <a:gd name="connsiteX3" fmla="*/ 1953057 w 3255095"/>
+              <a:gd name="connsiteY3" fmla="*/ 0 h 18288"/>
+              <a:gd name="connsiteX4" fmla="*/ 2636627 w 3255095"/>
+              <a:gd name="connsiteY4" fmla="*/ 0 h 18288"/>
+              <a:gd name="connsiteX5" fmla="*/ 3255095 w 3255095"/>
+              <a:gd name="connsiteY5" fmla="*/ 0 h 18288"/>
+              <a:gd name="connsiteX6" fmla="*/ 3255095 w 3255095"/>
+              <a:gd name="connsiteY6" fmla="*/ 18288 h 18288"/>
+              <a:gd name="connsiteX7" fmla="*/ 2538974 w 3255095"/>
+              <a:gd name="connsiteY7" fmla="*/ 18288 h 18288"/>
+              <a:gd name="connsiteX8" fmla="*/ 1822853 w 3255095"/>
+              <a:gd name="connsiteY8" fmla="*/ 18288 h 18288"/>
+              <a:gd name="connsiteX9" fmla="*/ 1171834 w 3255095"/>
+              <a:gd name="connsiteY9" fmla="*/ 18288 h 18288"/>
+              <a:gd name="connsiteX10" fmla="*/ 0 w 3255095"/>
+              <a:gd name="connsiteY10" fmla="*/ 18288 h 18288"/>
+              <a:gd name="connsiteX11" fmla="*/ 0 w 3255095"/>
+              <a:gd name="connsiteY11" fmla="*/ 0 h 18288"/>
+            </a:gdLst>
+            <a:ahLst/>
+            <a:cxnLst>
+              <a:cxn ang="0">
+                <a:pos x="connsiteX0" y="connsiteY0"/>
+              </a:cxn>
+              <a:cxn ang="0">
+                <a:pos x="connsiteX1" y="connsiteY1"/>
+              </a:cxn>
+              <a:cxn ang="0">
+                <a:pos x="connsiteX2" y="connsiteY2"/>
+              </a:cxn>
+              <a:cxn ang="0">
+                <a:pos x="connsiteX3" y="connsiteY3"/>
+              </a:cxn>
+              <a:cxn ang="0">
+                <a:pos x="connsiteX4" y="connsiteY4"/>
+              </a:cxn>
+              <a:cxn ang="0">
+                <a:pos x="connsiteX5" y="connsiteY5"/>
+              </a:cxn>
+              <a:cxn ang="0">
+                <a:pos x="connsiteX6" y="connsiteY6"/>
+              </a:cxn>
+              <a:cxn ang="0">
+                <a:pos x="connsiteX7" y="connsiteY7"/>
+              </a:cxn>
+              <a:cxn ang="0">
+                <a:pos x="connsiteX8" y="connsiteY8"/>
+              </a:cxn>
+              <a:cxn ang="0">
+                <a:pos x="connsiteX9" y="connsiteY9"/>
+              </a:cxn>
+              <a:cxn ang="0">
+                <a:pos x="connsiteX10" y="connsiteY10"/>
+              </a:cxn>
+              <a:cxn ang="0">
+                <a:pos x="connsiteX11" y="connsiteY11"/>
+              </a:cxn>
+            </a:cxnLst>
+            <a:rect l="l" t="t" r="r" b="b"/>
+            <a:pathLst>
+              <a:path w="3255095" h="18288" fill="none" extrusionOk="0">
+                <a:moveTo>
+                  <a:pt x="0" y="0"/>
+                </a:moveTo>
+                <a:cubicBezTo>
+                  <a:pt x="240201" y="-22123"/>
+                  <a:pt x="462021" y="-19623"/>
+                  <a:pt x="618468" y="0"/>
+                </a:cubicBezTo>
+                <a:cubicBezTo>
+                  <a:pt x="774915" y="19623"/>
+                  <a:pt x="974734" y="2035"/>
+                  <a:pt x="1269487" y="0"/>
+                </a:cubicBezTo>
+                <a:cubicBezTo>
+                  <a:pt x="1564240" y="-2035"/>
+                  <a:pt x="1733579" y="10639"/>
+                  <a:pt x="1953057" y="0"/>
+                </a:cubicBezTo>
+                <a:cubicBezTo>
+                  <a:pt x="2172535" y="-10639"/>
+                  <a:pt x="2453962" y="14018"/>
+                  <a:pt x="2636627" y="0"/>
+                </a:cubicBezTo>
+                <a:cubicBezTo>
+                  <a:pt x="2819292" y="-14018"/>
+                  <a:pt x="3121375" y="5399"/>
+                  <a:pt x="3255095" y="0"/>
+                </a:cubicBezTo>
+                <a:cubicBezTo>
+                  <a:pt x="3254386" y="8157"/>
+                  <a:pt x="3254682" y="12125"/>
+                  <a:pt x="3255095" y="18288"/>
+                </a:cubicBezTo>
+                <a:cubicBezTo>
+                  <a:pt x="3088545" y="23203"/>
+                  <a:pt x="2687475" y="7419"/>
+                  <a:pt x="2538974" y="18288"/>
+                </a:cubicBezTo>
+                <a:cubicBezTo>
+                  <a:pt x="2390473" y="29157"/>
+                  <a:pt x="2137381" y="-8959"/>
+                  <a:pt x="1822853" y="18288"/>
+                </a:cubicBezTo>
+                <a:cubicBezTo>
+                  <a:pt x="1508325" y="45535"/>
+                  <a:pt x="1466437" y="20385"/>
+                  <a:pt x="1171834" y="18288"/>
+                </a:cubicBezTo>
+                <a:cubicBezTo>
+                  <a:pt x="877231" y="16191"/>
+                  <a:pt x="561097" y="37643"/>
+                  <a:pt x="0" y="18288"/>
+                </a:cubicBezTo>
+                <a:cubicBezTo>
+                  <a:pt x="-46" y="12483"/>
+                  <a:pt x="-203" y="6491"/>
+                  <a:pt x="0" y="0"/>
+                </a:cubicBezTo>
+                <a:close/>
+              </a:path>
+              <a:path w="3255095" h="18288" stroke="0" extrusionOk="0">
+                <a:moveTo>
+                  <a:pt x="0" y="0"/>
+                </a:moveTo>
+                <a:cubicBezTo>
+                  <a:pt x="291965" y="19429"/>
+                  <a:pt x="363155" y="8568"/>
+                  <a:pt x="618468" y="0"/>
+                </a:cubicBezTo>
+                <a:cubicBezTo>
+                  <a:pt x="873781" y="-8568"/>
+                  <a:pt x="904459" y="-19505"/>
+                  <a:pt x="1171834" y="0"/>
+                </a:cubicBezTo>
+                <a:cubicBezTo>
+                  <a:pt x="1439209" y="19505"/>
+                  <a:pt x="1744369" y="9790"/>
+                  <a:pt x="1887955" y="0"/>
+                </a:cubicBezTo>
+                <a:cubicBezTo>
+                  <a:pt x="2031541" y="-9790"/>
+                  <a:pt x="2346378" y="21240"/>
+                  <a:pt x="2506423" y="0"/>
+                </a:cubicBezTo>
+                <a:cubicBezTo>
+                  <a:pt x="2666468" y="-21240"/>
+                  <a:pt x="2990257" y="30414"/>
+                  <a:pt x="3255095" y="0"/>
+                </a:cubicBezTo>
+                <a:cubicBezTo>
+                  <a:pt x="3254831" y="4493"/>
+                  <a:pt x="3255479" y="9472"/>
+                  <a:pt x="3255095" y="18288"/>
+                </a:cubicBezTo>
+                <a:cubicBezTo>
+                  <a:pt x="3120743" y="16690"/>
+                  <a:pt x="2759628" y="42462"/>
+                  <a:pt x="2604076" y="18288"/>
+                </a:cubicBezTo>
+                <a:cubicBezTo>
+                  <a:pt x="2448524" y="-5886"/>
+                  <a:pt x="2184336" y="19599"/>
+                  <a:pt x="1887955" y="18288"/>
+                </a:cubicBezTo>
+                <a:cubicBezTo>
+                  <a:pt x="1591574" y="16977"/>
+                  <a:pt x="1548845" y="6870"/>
+                  <a:pt x="1334589" y="18288"/>
+                </a:cubicBezTo>
+                <a:cubicBezTo>
+                  <a:pt x="1120333" y="29706"/>
+                  <a:pt x="996014" y="9662"/>
+                  <a:pt x="683570" y="18288"/>
+                </a:cubicBezTo>
+                <a:cubicBezTo>
+                  <a:pt x="371126" y="26914"/>
+                  <a:pt x="198687" y="16167"/>
+                  <a:pt x="0" y="18288"/>
+                </a:cubicBezTo>
+                <a:cubicBezTo>
+                  <a:pt x="843" y="9577"/>
+                  <a:pt x="371" y="6900"/>
+                  <a:pt x="0" y="0"/>
+                </a:cubicBezTo>
+                <a:close/>
+              </a:path>
+            </a:pathLst>
+          </a:custGeom>
+          <a:solidFill>
+            <a:schemeClr val="accent2"/>
+          </a:solidFill>
+          <a:ln w="38100" cap="rnd">
+            <a:solidFill>
+              <a:schemeClr val="accent2"/>
+            </a:solidFill>
+            <a:round/>
+            <a:extLst>
+              <a:ext uri="{C807C97D-BFC1-408E-A445-0C87EB9F89A2}">
+                <ask:lineSketchStyleProps xmlns:ask="http://schemas.microsoft.com/office/drawing/2018/sketchyshapes" sd="1219033472">
+                  <a:prstGeom prst="rect">
+                    <a:avLst/>
+                  </a:prstGeom>
+                  <ask:type>
+                    <ask:lineSketchFreehand/>
+                  </ask:type>
+                </ask:lineSketchStyleProps>
+              </a:ext>
+            </a:extLst>
+          </a:ln>
+        </p:spPr>
+        <p:style>
+          <a:lnRef idx="2">
+            <a:schemeClr val="accent1">
+              <a:shade val="50000"/>
+            </a:schemeClr>
+          </a:lnRef>
+          <a:fillRef idx="1">
+            <a:schemeClr val="accent1"/>
+          </a:fillRef>
+          <a:effectRef idx="0">
+            <a:schemeClr val="accent1"/>
+          </a:effectRef>
+          <a:fontRef idx="minor">
+            <a:schemeClr val="lt1"/>
+          </a:fontRef>
+        </p:style>
+        <p:txBody>
+          <a:bodyPr rtlCol="0" anchor="ctr"/>
+          <a:lstStyle/>
+          <a:p>
+            <a:pPr algn="ctr"/>
+            <a:endParaRPr lang="en-US"/>
+          </a:p>
+        </p:txBody>
+      </p:sp>
+      <p:sp>
+        <p:nvSpPr>
+          <p:cNvPr id="3" name="Content Placeholder 2">
+            <a:extLst>
+              <a:ext uri="{FF2B5EF4-FFF2-40B4-BE49-F238E27FC236}">
+                <a16:creationId xmlns:a16="http://schemas.microsoft.com/office/drawing/2014/main" id="{F447D734-ADA3-1757-B707-41833EA764FF}"/>
+              </a:ext>
+            </a:extLst>
+          </p:cNvPr>
+          <p:cNvSpPr>
+            <a:spLocks noGrp="1"/>
+          </p:cNvSpPr>
+          <p:nvPr>
+            <p:ph idx="1"/>
+          </p:nvPr>
+        </p:nvSpPr>
+        <p:spPr>
+          <a:xfrm>
+            <a:off x="630936" y="2807208"/>
+            <a:ext cx="3429000" cy="3410712"/>
+          </a:xfrm>
+        </p:spPr>
+        <p:txBody>
+          <a:bodyPr anchor="t">
+            <a:normAutofit/>
+          </a:bodyPr>
+          <a:lstStyle/>
+          <a:p>
+            <a:r>
+              <a:rPr lang="en-US" sz="1500" dirty="0"/>
+              <a:t>https://</a:t>
+            </a:r>
+            <a:r>
+              <a:rPr lang="en-US" sz="1500" dirty="0" err="1"/>
+              <a:t>miro.com</a:t>
+            </a:r>
+            <a:r>
+              <a:rPr lang="en-US" sz="1500" dirty="0"/>
+              <a:t>/app/board/</a:t>
+            </a:r>
+            <a:r>
+              <a:rPr lang="en-US" sz="1500" dirty="0" err="1"/>
+              <a:t>uXjVLNTuDhY</a:t>
+            </a:r>
+            <a:r>
+              <a:rPr lang="en-US" sz="1500" dirty="0"/>
+              <a:t>=/</a:t>
+            </a:r>
+          </a:p>
+          <a:p>
+            <a:r>
+              <a:rPr lang="en-US" sz="1500" dirty="0"/>
+              <a:t>Find your old board with system</a:t>
+            </a:r>
+          </a:p>
+          <a:p>
+            <a:r>
+              <a:rPr lang="en-US" sz="1500" dirty="0"/>
+              <a:t>Add a photo (so I can tell who you are)</a:t>
+            </a:r>
+          </a:p>
+          <a:p>
+            <a:r>
+              <a:rPr lang="en-US" sz="1500" dirty="0"/>
+              <a:t>Paste a copy of your answer</a:t>
+            </a:r>
+          </a:p>
+          <a:p>
+            <a:r>
+              <a:rPr lang="en-US" sz="1500" dirty="0"/>
+              <a:t>Tell us what you think between your answer and the sample answer</a:t>
+            </a:r>
+          </a:p>
+          <a:p>
+            <a:r>
+              <a:rPr lang="en-US" sz="1500" dirty="0"/>
+              <a:t>Do a screen capture of this – will be submitting</a:t>
+            </a:r>
+          </a:p>
+          <a:p>
+            <a:r>
+              <a:rPr lang="en-US" sz="1500" dirty="0"/>
+              <a:t>(if this is too slow, you can do it on your own board)</a:t>
+            </a:r>
+          </a:p>
+          <a:p>
+            <a:endParaRPr lang="en-US" sz="1500" dirty="0"/>
+          </a:p>
+        </p:txBody>
+      </p:sp>
+      <p:sp>
+        <p:nvSpPr>
+          <p:cNvPr id="5" name="TextBox 4">
+            <a:extLst>
+              <a:ext uri="{FF2B5EF4-FFF2-40B4-BE49-F238E27FC236}">
+                <a16:creationId xmlns:a16="http://schemas.microsoft.com/office/drawing/2014/main" id="{2E7F56D1-0EC6-6461-E07A-A5E0462E9583}"/>
+              </a:ext>
+            </a:extLst>
+          </p:cNvPr>
+          <p:cNvSpPr txBox="1"/>
+          <p:nvPr/>
+        </p:nvSpPr>
+        <p:spPr>
+          <a:xfrm>
+            <a:off x="5459506" y="5957047"/>
+            <a:ext cx="4359399" cy="369332"/>
+          </a:xfrm>
+          <a:prstGeom prst="rect">
+            <a:avLst/>
+          </a:prstGeom>
+          <a:noFill/>
+        </p:spPr>
+        <p:txBody>
+          <a:bodyPr wrap="none" rtlCol="0">
+            <a:spAutoFit/>
+          </a:bodyPr>
+          <a:lstStyle/>
+          <a:p>
+            <a:r>
+              <a:rPr lang="en-US" dirty="0"/>
+              <a:t>https://</a:t>
+            </a:r>
+            <a:r>
+              <a:rPr lang="en-US" dirty="0" err="1"/>
+              <a:t>classroom.github.com</a:t>
+            </a:r>
+            <a:r>
+              <a:rPr lang="en-US" dirty="0"/>
+              <a:t>/a/J21YRYuh</a:t>
+            </a:r>
+          </a:p>
+        </p:txBody>
+      </p:sp>
+      <p:pic>
+        <p:nvPicPr>
+          <p:cNvPr id="6" name="Picture 5">
+            <a:extLst>
+              <a:ext uri="{FF2B5EF4-FFF2-40B4-BE49-F238E27FC236}">
+                <a16:creationId xmlns:a16="http://schemas.microsoft.com/office/drawing/2014/main" id="{5D764E72-1C16-986E-0608-9F385B88ED14}"/>
+              </a:ext>
+            </a:extLst>
+          </p:cNvPr>
+          <p:cNvPicPr>
+            <a:picLocks noChangeAspect="1"/>
+          </p:cNvPicPr>
+          <p:nvPr/>
+        </p:nvPicPr>
+        <p:blipFill>
+          <a:blip r:embed="rId2"/>
+          <a:stretch>
+            <a:fillRect/>
+          </a:stretch>
+        </p:blipFill>
+        <p:spPr>
+          <a:xfrm>
+            <a:off x="4158986" y="1299154"/>
+            <a:ext cx="7772400" cy="3750025"/>
+          </a:xfrm>
+          <a:prstGeom prst="rect">
+            <a:avLst/>
+          </a:prstGeom>
+        </p:spPr>
+      </p:pic>
+    </p:spTree>
+    <p:extLst>
+      <p:ext uri="{BB962C8B-B14F-4D97-AF65-F5344CB8AC3E}">
+        <p14:creationId xmlns:p14="http://schemas.microsoft.com/office/powerpoint/2010/main" val="1548512231"/>
+      </p:ext>
+    </p:extLst>
+  </p:cSld>
+  <p:clrMapOvr>
+    <a:masterClrMapping/>
+  </p:clrMapOvr>
+</p:sld>
+</file>
+
+<file path=ppt/slides/slide7.xml><?xml version="1.0" encoding="utf-8"?>
+<p:sld xmlns:a="http://schemas.openxmlformats.org/drawingml/2006/main" xmlns:r="http://schemas.openxmlformats.org/officeDocument/2006/relationships" xmlns:p="http://schemas.openxmlformats.org/presentationml/2006/main">
+  <p:cSld>
+    <p:spTree>
+      <p:nvGrpSpPr>
+        <p:cNvPr id="1" name=""/>
+        <p:cNvGrpSpPr/>
+        <p:nvPr/>
+      </p:nvGrpSpPr>
+      <p:grpSpPr>
+        <a:xfrm>
+          <a:off x="0" y="0"/>
+          <a:ext cx="0" cy="0"/>
+          <a:chOff x="0" y="0"/>
+          <a:chExt cx="0" cy="0"/>
+        </a:xfrm>
+      </p:grpSpPr>
+      <p:sp>
+        <p:nvSpPr>
+          <p:cNvPr id="2" name="Title 1">
+            <a:extLst>
+              <a:ext uri="{FF2B5EF4-FFF2-40B4-BE49-F238E27FC236}">
+                <a16:creationId xmlns:a16="http://schemas.microsoft.com/office/drawing/2014/main" id="{3F99FE0C-C998-AB89-C081-7F22F92BCDD3}"/>
+              </a:ext>
+            </a:extLst>
+          </p:cNvPr>
+          <p:cNvSpPr>
+            <a:spLocks noGrp="1"/>
+          </p:cNvSpPr>
+          <p:nvPr>
+            <p:ph type="title"/>
+          </p:nvPr>
+        </p:nvSpPr>
+        <p:spPr/>
+        <p:txBody>
+          <a:bodyPr/>
+          <a:lstStyle/>
+          <a:p>
+            <a:r>
+              <a:rPr lang="en-US" dirty="0"/>
+              <a:t>Homework submission – due Friday 11pm</a:t>
+            </a:r>
+          </a:p>
+        </p:txBody>
+      </p:sp>
+      <p:sp>
+        <p:nvSpPr>
+          <p:cNvPr id="3" name="Content Placeholder 2">
+            <a:extLst>
+              <a:ext uri="{FF2B5EF4-FFF2-40B4-BE49-F238E27FC236}">
+                <a16:creationId xmlns:a16="http://schemas.microsoft.com/office/drawing/2014/main" id="{71AEC469-C243-2F27-9FEF-85AF0993D483}"/>
+              </a:ext>
+            </a:extLst>
+          </p:cNvPr>
+          <p:cNvSpPr>
+            <a:spLocks noGrp="1"/>
+          </p:cNvSpPr>
+          <p:nvPr>
+            <p:ph idx="1"/>
+          </p:nvPr>
+        </p:nvSpPr>
+        <p:spPr/>
+        <p:txBody>
+          <a:bodyPr/>
+          <a:lstStyle/>
+          <a:p>
+            <a:r>
+              <a:rPr lang="en-US" dirty="0"/>
+              <a:t>Lesson 1: </a:t>
+            </a:r>
+            <a:r>
+              <a:rPr lang="en-US" dirty="0">
+                <a:hlinkClick r:id="rId2"/>
+              </a:rPr>
+              <a:t>https://classroom.github.com/a/d7f9rWw_</a:t>
+            </a:r>
+            <a:endParaRPr lang="en-US" dirty="0"/>
+          </a:p>
+          <a:p>
+            <a:r>
+              <a:rPr lang="en-US" dirty="0"/>
+              <a:t>Lesson 2: </a:t>
+            </a:r>
+            <a:r>
+              <a:rPr lang="en-US" dirty="0">
+                <a:hlinkClick r:id="rId3"/>
+              </a:rPr>
+              <a:t>https://classroom.github.com/a/cuu4A9dQ</a:t>
+            </a:r>
+            <a:endParaRPr lang="en-US" dirty="0"/>
+          </a:p>
+          <a:p>
+            <a:r>
+              <a:rPr lang="en-US" dirty="0"/>
+              <a:t>Lesson 3: </a:t>
+            </a:r>
+            <a:r>
+              <a:rPr lang="en-US" dirty="0">
+                <a:hlinkClick r:id="rId4"/>
+              </a:rPr>
+              <a:t>https://classroom.github.com/a/puh2yRDJ</a:t>
+            </a:r>
+            <a:endParaRPr lang="en-US" dirty="0"/>
+          </a:p>
+          <a:p>
+            <a:r>
+              <a:rPr lang="en-US" dirty="0"/>
+              <a:t>Lesson 6: </a:t>
+            </a:r>
+            <a:r>
+              <a:rPr lang="en-US" dirty="0">
+                <a:hlinkClick r:id="rId5"/>
+              </a:rPr>
+              <a:t>https://classroom.github.com/a/a7w6QKNN</a:t>
+            </a:r>
+            <a:r>
+              <a:rPr lang="en-US" dirty="0"/>
+              <a:t> (due today!)</a:t>
+            </a:r>
+          </a:p>
+          <a:p>
+            <a:r>
+              <a:rPr lang="en-US" dirty="0"/>
+              <a:t>Lesson 7: </a:t>
+            </a:r>
+            <a:r>
+              <a:rPr lang="en-US" dirty="0">
+                <a:hlinkClick r:id="rId6"/>
+              </a:rPr>
+              <a:t>https://classroom.github.com/a/J21YRYuh</a:t>
+            </a:r>
+            <a:endParaRPr lang="en-US" dirty="0"/>
+          </a:p>
+          <a:p>
+            <a:endParaRPr lang="en-US" dirty="0"/>
+          </a:p>
+        </p:txBody>
+      </p:sp>
+    </p:spTree>
+    <p:extLst>
+      <p:ext uri="{BB962C8B-B14F-4D97-AF65-F5344CB8AC3E}">
+        <p14:creationId xmlns:p14="http://schemas.microsoft.com/office/powerpoint/2010/main" val="16863592"/>
+      </p:ext>
+    </p:extLst>
+  </p:cSld>
+  <p:clrMapOvr>
+    <a:masterClrMapping/>
+  </p:clrMapOvr>
+</p:sld>
+</file>
+
+<file path=ppt/slides/slide8.xml><?xml version="1.0" encoding="utf-8"?>
+<p:sld xmlns:a="http://schemas.openxmlformats.org/drawingml/2006/main" xmlns:r="http://schemas.openxmlformats.org/officeDocument/2006/relationships" xmlns:p="http://schemas.openxmlformats.org/presentationml/2006/main">
+  <p:cSld>
+    <p:bg>
+      <p:bgPr>
+        <a:solidFill>
+          <a:schemeClr val="bg1"/>
+        </a:solidFill>
+        <a:effectLst/>
+      </p:bgPr>
+    </p:bg>
+    <p:spTree>
+      <p:nvGrpSpPr>
+        <p:cNvPr id="1" name=""/>
+        <p:cNvGrpSpPr/>
+        <p:nvPr/>
+      </p:nvGrpSpPr>
+      <p:grpSpPr>
+        <a:xfrm>
+          <a:off x="0" y="0"/>
+          <a:ext cx="0" cy="0"/>
+          <a:chOff x="0" y="0"/>
+          <a:chExt cx="0" cy="0"/>
+        </a:xfrm>
+      </p:grpSpPr>
+      <p:sp useBgFill="1">
+        <p:nvSpPr>
+          <p:cNvPr id="9" name="Rectangle 8">
+            <a:extLst>
+              <a:ext uri="{FF2B5EF4-FFF2-40B4-BE49-F238E27FC236}">
+                <a16:creationId xmlns:a16="http://schemas.microsoft.com/office/drawing/2014/main" id="{058A14AF-9FB5-4CC7-BA35-E8E85D3EDF0E}"/>
+              </a:ext>
+              <a:ext uri="{C183D7F6-B498-43B3-948B-1728B52AA6E4}">
+                <adec:decorative xmlns:adec="http://schemas.microsoft.com/office/drawing/2017/decorative" val="1"/>
+              </a:ext>
+            </a:extLst>
+          </p:cNvPr>
+          <p:cNvSpPr>
+            <a:spLocks noGrp="1" noRot="1" noChangeAspect="1" noMove="1" noResize="1" noEditPoints="1" noAdjustHandles="1" noChangeArrowheads="1" noChangeShapeType="1" noTextEdit="1"/>
+          </p:cNvSpPr>
+          <p:nvPr>
+            <p:extLst>
+              <p:ext uri="{386F3935-93C4-4BCD-93E2-E3B085C9AB24}">
+                <p16:designElem xmlns:p16="http://schemas.microsoft.com/office/powerpoint/2015/main" val="1"/>
+              </p:ext>
+            </p:extLst>
+          </p:nvPr>
+        </p:nvSpPr>
+        <p:spPr>
+          <a:xfrm>
+            <a:off x="0" y="0"/>
+            <a:ext cx="12191999" cy="6857365"/>
+          </a:xfrm>
+          <a:prstGeom prst="rect">
+            <a:avLst/>
+          </a:prstGeom>
+          <a:ln>
+            <a:noFill/>
+          </a:ln>
+        </p:spPr>
+        <p:style>
+          <a:lnRef idx="2">
+            <a:schemeClr val="accent1">
+              <a:shade val="50000"/>
+            </a:schemeClr>
+          </a:lnRef>
+          <a:fillRef idx="1">
+            <a:schemeClr val="accent1"/>
+          </a:fillRef>
+          <a:effectRef idx="0">
+            <a:schemeClr val="accent1"/>
+          </a:effectRef>
+          <a:fontRef idx="minor">
+            <a:schemeClr val="lt1"/>
+          </a:fontRef>
+        </p:style>
+        <p:txBody>
+          <a:bodyPr rtlCol="0" anchor="ctr"/>
+          <a:lstStyle/>
+          <a:p>
+            <a:pPr algn="ctr"/>
+            <a:endParaRPr lang="en-US"/>
+          </a:p>
+        </p:txBody>
+      </p:sp>
+      <p:sp>
+        <p:nvSpPr>
+          <p:cNvPr id="2" name="Title 1">
+            <a:extLst>
+              <a:ext uri="{FF2B5EF4-FFF2-40B4-BE49-F238E27FC236}">
+                <a16:creationId xmlns:a16="http://schemas.microsoft.com/office/drawing/2014/main" id="{5EBFDEBC-BD49-D23C-F1A0-9ED9011B5DE8}"/>
+              </a:ext>
+            </a:extLst>
+          </p:cNvPr>
+          <p:cNvSpPr>
+            <a:spLocks noGrp="1"/>
+          </p:cNvSpPr>
+          <p:nvPr>
+            <p:ph type="title"/>
+          </p:nvPr>
+        </p:nvSpPr>
+        <p:spPr>
+          <a:xfrm>
+            <a:off x="793662" y="386930"/>
+            <a:ext cx="10066122" cy="1298448"/>
+          </a:xfrm>
+        </p:spPr>
+        <p:txBody>
+          <a:bodyPr anchor="b">
+            <a:normAutofit/>
+          </a:bodyPr>
+          <a:lstStyle/>
+          <a:p>
+            <a:r>
+              <a:rPr lang="en-US" dirty="0"/>
+              <a:t>Different Types of technical writings [5 min]</a:t>
+            </a:r>
+          </a:p>
+        </p:txBody>
+      </p:sp>
+      <p:sp>
+        <p:nvSpPr>
+          <p:cNvPr id="11" name="Rectangle 10">
+            <a:extLst>
+              <a:ext uri="{FF2B5EF4-FFF2-40B4-BE49-F238E27FC236}">
+                <a16:creationId xmlns:a16="http://schemas.microsoft.com/office/drawing/2014/main" id="{3A9A4357-BD1D-4622-A4FE-766E6AB8DE84}"/>
+              </a:ext>
+              <a:ext uri="{C183D7F6-B498-43B3-948B-1728B52AA6E4}">
+                <adec:decorative xmlns:adec="http://schemas.microsoft.com/office/drawing/2017/decorative" val="1"/>
+              </a:ext>
+            </a:extLst>
+          </p:cNvPr>
+          <p:cNvSpPr>
+            <a:spLocks noGrp="1" noRot="1" noChangeAspect="1" noMove="1" noResize="1" noEditPoints="1" noAdjustHandles="1" noChangeArrowheads="1" noChangeShapeType="1" noTextEdit="1"/>
+          </p:cNvSpPr>
+          <p:nvPr>
+            <p:extLst>
+              <p:ext uri="{386F3935-93C4-4BCD-93E2-E3B085C9AB24}">
+                <p16:designElem xmlns:p16="http://schemas.microsoft.com/office/powerpoint/2015/main" val="1"/>
+              </p:ext>
+            </p:extLst>
+          </p:nvPr>
+        </p:nvSpPr>
+        <p:spPr>
+          <a:xfrm flipH="1" flipV="1">
+            <a:off x="-2" y="1998845"/>
+            <a:ext cx="11454595" cy="781699"/>
+          </a:xfrm>
+          <a:prstGeom prst="rect">
+            <a:avLst/>
+          </a:prstGeom>
+          <a:solidFill>
+            <a:schemeClr val="accent4"/>
+          </a:solidFill>
+          <a:ln>
+            <a:noFill/>
+          </a:ln>
+        </p:spPr>
+        <p:style>
+          <a:lnRef idx="2">
+            <a:schemeClr val="accent1">
+              <a:shade val="50000"/>
+            </a:schemeClr>
+          </a:lnRef>
+          <a:fillRef idx="1">
+            <a:schemeClr val="accent1"/>
+          </a:fillRef>
+          <a:effectRef idx="0">
+            <a:schemeClr val="accent1"/>
+          </a:effectRef>
+          <a:fontRef idx="minor">
+            <a:schemeClr val="lt1"/>
+          </a:fontRef>
+        </p:style>
+        <p:txBody>
+          <a:bodyPr rtlCol="0" anchor="ctr"/>
+          <a:lstStyle/>
+          <a:p>
+            <a:pPr algn="ctr"/>
+            <a:endParaRPr lang="en-US"/>
+          </a:p>
+        </p:txBody>
+      </p:sp>
+      <p:sp>
+        <p:nvSpPr>
+          <p:cNvPr id="13" name="Rectangle 12">
+            <a:extLst>
+              <a:ext uri="{FF2B5EF4-FFF2-40B4-BE49-F238E27FC236}">
+                <a16:creationId xmlns:a16="http://schemas.microsoft.com/office/drawing/2014/main" id="{E659831F-0D9A-4C63-9EBB-8435B85A440F}"/>
+              </a:ext>
+              <a:ext uri="{C183D7F6-B498-43B3-948B-1728B52AA6E4}">
+                <adec:decorative xmlns:adec="http://schemas.microsoft.com/office/drawing/2017/decorative" val="1"/>
+              </a:ext>
+            </a:extLst>
+          </p:cNvPr>
+          <p:cNvSpPr>
+            <a:spLocks noGrp="1" noRot="1" noChangeAspect="1" noMove="1" noResize="1" noEditPoints="1" noAdjustHandles="1" noChangeArrowheads="1" noChangeShapeType="1" noTextEdit="1"/>
+          </p:cNvSpPr>
+          <p:nvPr>
+            <p:extLst>
+              <p:ext uri="{386F3935-93C4-4BCD-93E2-E3B085C9AB24}">
+                <p16:designElem xmlns:p16="http://schemas.microsoft.com/office/powerpoint/2015/main" val="1"/>
+              </p:ext>
+            </p:extLst>
+          </p:nvPr>
+        </p:nvSpPr>
+        <p:spPr>
+          <a:xfrm>
+            <a:off x="0" y="2203079"/>
+            <a:ext cx="11383362" cy="4267991"/>
+          </a:xfrm>
+          <a:prstGeom prst="rect">
+            <a:avLst/>
+          </a:prstGeom>
+          <a:solidFill>
+            <a:schemeClr val="bg1"/>
+          </a:solidFill>
+          <a:ln>
+            <a:noFill/>
+          </a:ln>
+          <a:effectLst>
+            <a:outerShdw blurRad="139700" dist="127000" dir="5400000" algn="t" rotWithShape="0">
+              <a:prstClr val="black">
+                <a:alpha val="15000"/>
+              </a:prstClr>
+            </a:outerShdw>
+          </a:effectLst>
+        </p:spPr>
+        <p:style>
+          <a:lnRef idx="2">
+            <a:schemeClr val="accent1">
+              <a:shade val="50000"/>
+            </a:schemeClr>
+          </a:lnRef>
+          <a:fillRef idx="1">
+            <a:schemeClr val="accent1"/>
+          </a:fillRef>
+          <a:effectRef idx="0">
+            <a:schemeClr val="accent1"/>
+          </a:effectRef>
+          <a:fontRef idx="minor">
+            <a:schemeClr val="lt1"/>
+          </a:fontRef>
+        </p:style>
+        <p:txBody>
+          <a:bodyPr rtlCol="0" anchor="ctr"/>
+          <a:lstStyle/>
+          <a:p>
+            <a:pPr algn="ctr"/>
+            <a:endParaRPr lang="en-US"/>
+          </a:p>
+        </p:txBody>
+      </p:sp>
+      <p:sp>
+        <p:nvSpPr>
+          <p:cNvPr id="3" name="Content Placeholder 2">
+            <a:extLst>
+              <a:ext uri="{FF2B5EF4-FFF2-40B4-BE49-F238E27FC236}">
+                <a16:creationId xmlns:a16="http://schemas.microsoft.com/office/drawing/2014/main" id="{EFD67BB4-BCC0-EA4E-480D-DD8899ADFD67}"/>
+              </a:ext>
+            </a:extLst>
+          </p:cNvPr>
+          <p:cNvSpPr>
+            <a:spLocks noGrp="1"/>
+          </p:cNvSpPr>
+          <p:nvPr>
+            <p:ph idx="1"/>
+          </p:nvPr>
+        </p:nvSpPr>
+        <p:spPr>
+          <a:xfrm>
+            <a:off x="793661" y="2599509"/>
+            <a:ext cx="4530898" cy="3639450"/>
+          </a:xfrm>
+        </p:spPr>
+        <p:txBody>
+          <a:bodyPr anchor="ctr">
+            <a:normAutofit/>
+          </a:bodyPr>
+          <a:lstStyle/>
+          <a:p>
+            <a:r>
+              <a:rPr lang="en-US" sz="2000"/>
+              <a:t>https://miro.com/app/board/uXjVLNTuDhY=/</a:t>
+            </a:r>
+          </a:p>
+          <a:p>
+            <a:endParaRPr lang="en-US" sz="2000"/>
+          </a:p>
+          <a:p>
+            <a:endParaRPr lang="en-US" sz="2000"/>
+          </a:p>
+          <a:p>
+            <a:r>
+              <a:rPr lang="en-US" sz="2000"/>
+              <a:t>Academic Paper</a:t>
+            </a:r>
+          </a:p>
+          <a:p>
+            <a:r>
+              <a:rPr lang="en-US" sz="2000"/>
+              <a:t>Technical specification</a:t>
+            </a:r>
+          </a:p>
+          <a:p>
+            <a:r>
+              <a:rPr lang="en-US" sz="2000"/>
+              <a:t>Patents</a:t>
+            </a:r>
+          </a:p>
+          <a:p>
+            <a:r>
+              <a:rPr lang="en-US" sz="2000"/>
+              <a:t>??</a:t>
+            </a:r>
+          </a:p>
+          <a:p>
+            <a:r>
+              <a:rPr lang="en-US" sz="2000"/>
+              <a:t>??</a:t>
+            </a:r>
+          </a:p>
+          <a:p>
+            <a:endParaRPr lang="en-US" sz="2000"/>
+          </a:p>
+        </p:txBody>
+      </p:sp>
+      <p:pic>
+        <p:nvPicPr>
+          <p:cNvPr id="4" name="Picture 3">
+            <a:extLst>
+              <a:ext uri="{FF2B5EF4-FFF2-40B4-BE49-F238E27FC236}">
+                <a16:creationId xmlns:a16="http://schemas.microsoft.com/office/drawing/2014/main" id="{736BB417-BB3C-3DB6-A0FE-7485F16AF2AB}"/>
+              </a:ext>
+            </a:extLst>
+          </p:cNvPr>
+          <p:cNvPicPr>
+            <a:picLocks noChangeAspect="1"/>
+          </p:cNvPicPr>
+          <p:nvPr/>
+        </p:nvPicPr>
+        <p:blipFill>
+          <a:blip r:embed="rId2"/>
+          <a:stretch>
+            <a:fillRect/>
+          </a:stretch>
+        </p:blipFill>
+        <p:spPr>
+          <a:xfrm>
+            <a:off x="5985496" y="2484255"/>
+            <a:ext cx="5002349" cy="3714244"/>
+          </a:xfrm>
+          <a:prstGeom prst="rect">
+            <a:avLst/>
+          </a:prstGeom>
+        </p:spPr>
+      </p:pic>
+      <p:sp>
+        <p:nvSpPr>
+          <p:cNvPr id="15" name="Rectangle 14">
+            <a:extLst>
+              <a:ext uri="{FF2B5EF4-FFF2-40B4-BE49-F238E27FC236}">
+                <a16:creationId xmlns:a16="http://schemas.microsoft.com/office/drawing/2014/main" id="{E6995CE5-F890-4ABA-82A2-26507CE8D2A3}"/>
+              </a:ext>
+              <a:ext uri="{C183D7F6-B498-43B3-948B-1728B52AA6E4}">
+                <adec:decorative xmlns:adec="http://schemas.microsoft.com/office/drawing/2017/decorative" val="1"/>
+              </a:ext>
+            </a:extLst>
+          </p:cNvPr>
+          <p:cNvSpPr>
+            <a:spLocks noGrp="1" noRot="1" noChangeAspect="1" noMove="1" noResize="1" noEditPoints="1" noAdjustHandles="1" noChangeArrowheads="1" noChangeShapeType="1" noTextEdit="1"/>
+          </p:cNvSpPr>
+          <p:nvPr>
+            <p:extLst>
+              <p:ext uri="{386F3935-93C4-4BCD-93E2-E3B085C9AB24}">
+                <p16:designElem xmlns:p16="http://schemas.microsoft.com/office/powerpoint/2015/main" val="1"/>
+              </p:ext>
+            </p:extLst>
+          </p:nvPr>
+        </p:nvSpPr>
+        <p:spPr>
+          <a:xfrm rot="5400000">
+            <a:off x="11228040" y="2313027"/>
+            <a:ext cx="781700" cy="152382"/>
+          </a:xfrm>
+          <a:prstGeom prst="rect">
+            <a:avLst/>
+          </a:prstGeom>
+          <a:solidFill>
+            <a:schemeClr val="accent4"/>
+          </a:solidFill>
+          <a:ln>
+            <a:noFill/>
+          </a:ln>
+        </p:spPr>
+        <p:style>
+          <a:lnRef idx="2">
+            <a:schemeClr val="accent1">
+              <a:shade val="50000"/>
+            </a:schemeClr>
+          </a:lnRef>
+          <a:fillRef idx="1">
+            <a:schemeClr val="accent1"/>
+          </a:fillRef>
+          <a:effectRef idx="0">
+            <a:schemeClr val="accent1"/>
+          </a:effectRef>
+          <a:fontRef idx="minor">
+            <a:schemeClr val="lt1"/>
+          </a:fontRef>
+        </p:style>
+        <p:txBody>
+          <a:bodyPr rtlCol="0" anchor="ctr"/>
+          <a:lstStyle/>
+          <a:p>
+            <a:pPr algn="ctr"/>
+            <a:endParaRPr lang="en-US"/>
+          </a:p>
+        </p:txBody>
+      </p:sp>
+    </p:spTree>
+    <p:extLst>
+      <p:ext uri="{BB962C8B-B14F-4D97-AF65-F5344CB8AC3E}">
+        <p14:creationId xmlns:p14="http://schemas.microsoft.com/office/powerpoint/2010/main" val="3778967687"/>
+      </p:ext>
+    </p:extLst>
+  </p:cSld>
+  <p:clrMapOvr>
+    <a:masterClrMapping/>
+  </p:clrMapOvr>
+</p:sld>
+</file>
+
+<file path=ppt/slides/slide9.xml><?xml version="1.0" encoding="utf-8"?>
+<p:sld xmlns:a="http://schemas.openxmlformats.org/drawingml/2006/main" xmlns:r="http://schemas.openxmlformats.org/officeDocument/2006/relationships" xmlns:p="http://schemas.openxmlformats.org/presentationml/2006/main">
+  <p:cSld>
+    <p:spTree>
+      <p:nvGrpSpPr>
+        <p:cNvPr id="1" name=""/>
+        <p:cNvGrpSpPr/>
+        <p:nvPr/>
+      </p:nvGrpSpPr>
+      <p:grpSpPr>
+        <a:xfrm>
+          <a:off x="0" y="0"/>
+          <a:ext cx="0" cy="0"/>
+          <a:chOff x="0" y="0"/>
+          <a:chExt cx="0" cy="0"/>
+        </a:xfrm>
+      </p:grpSpPr>
+      <p:sp>
+        <p:nvSpPr>
+          <p:cNvPr id="2" name="Title 1">
+            <a:extLst>
+              <a:ext uri="{FF2B5EF4-FFF2-40B4-BE49-F238E27FC236}">
+                <a16:creationId xmlns:a16="http://schemas.microsoft.com/office/drawing/2014/main" id="{A4524DBF-585C-8D4C-D08F-5424C8510F7D}"/>
+              </a:ext>
+            </a:extLst>
+          </p:cNvPr>
+          <p:cNvSpPr>
+            <a:spLocks noGrp="1"/>
+          </p:cNvSpPr>
+          <p:nvPr>
+            <p:ph type="title"/>
+          </p:nvPr>
+        </p:nvSpPr>
+        <p:spPr/>
+        <p:txBody>
+          <a:bodyPr/>
+          <a:lstStyle/>
+          <a:p>
+            <a:r>
+              <a:rPr lang="en-US" dirty="0"/>
+              <a:t>Patents</a:t>
+            </a:r>
+          </a:p>
+        </p:txBody>
+      </p:sp>
+      <p:sp>
+        <p:nvSpPr>
+          <p:cNvPr id="3" name="Content Placeholder 2">
+            <a:extLst>
+              <a:ext uri="{FF2B5EF4-FFF2-40B4-BE49-F238E27FC236}">
+                <a16:creationId xmlns:a16="http://schemas.microsoft.com/office/drawing/2014/main" id="{AF9FDE2F-43D7-3DEA-1086-0672F01E3E87}"/>
+              </a:ext>
+            </a:extLst>
+          </p:cNvPr>
+          <p:cNvSpPr>
+            <a:spLocks noGrp="1"/>
+          </p:cNvSpPr>
+          <p:nvPr>
+            <p:ph idx="1"/>
+          </p:nvPr>
+        </p:nvSpPr>
+        <p:spPr/>
+        <p:txBody>
+          <a:bodyPr/>
+          <a:lstStyle/>
+          <a:p>
+            <a:r>
+              <a:rPr lang="en-US" dirty="0"/>
+              <a:t>About Patent</a:t>
+            </a:r>
+          </a:p>
+        </p:txBody>
+      </p:sp>
+      <p:pic>
+        <p:nvPicPr>
+          <p:cNvPr id="4" name="Picture 3">
+            <a:extLst>
+              <a:ext uri="{FF2B5EF4-FFF2-40B4-BE49-F238E27FC236}">
+                <a16:creationId xmlns:a16="http://schemas.microsoft.com/office/drawing/2014/main" id="{A571F8F7-8E32-5683-D011-1693794EC5A1}"/>
+              </a:ext>
+            </a:extLst>
+          </p:cNvPr>
+          <p:cNvPicPr>
+            <a:picLocks noChangeAspect="1"/>
+          </p:cNvPicPr>
+          <p:nvPr/>
+        </p:nvPicPr>
+        <p:blipFill>
+          <a:blip r:embed="rId2"/>
+          <a:stretch>
+            <a:fillRect/>
+          </a:stretch>
+        </p:blipFill>
+        <p:spPr>
+          <a:xfrm>
+            <a:off x="3797531" y="365125"/>
+            <a:ext cx="7772400" cy="4394228"/>
+          </a:xfrm>
+          <a:prstGeom prst="rect">
+            <a:avLst/>
+          </a:prstGeom>
+        </p:spPr>
+      </p:pic>
+    </p:spTree>
+    <p:extLst>
+      <p:ext uri="{BB962C8B-B14F-4D97-AF65-F5344CB8AC3E}">
+        <p14:creationId xmlns:p14="http://schemas.microsoft.com/office/powerpoint/2010/main" val="3380454873"/>
+      </p:ext>
+    </p:extLst>
+  </p:cSld>
+  <p:clrMapOvr>
+    <a:masterClrMapping/>
+  </p:clrMapOvr>
 </p:sld>
 </file>
 
